--- a/introduction to azure iot.pptx
+++ b/introduction to azure iot.pptx
@@ -6351,10 +6351,15 @@
             <p:ph type="body" sz="quarter" idx="11"/>
           </p:nvPr>
         </p:nvSpPr>
-        <p:spPr/>
+        <p:spPr>
+          <a:xfrm>
+            <a:off x="1215955" y="4483100"/>
+            <a:ext cx="7272444" cy="1551940"/>
+          </a:xfrm>
+        </p:spPr>
         <p:txBody>
           <a:bodyPr>
-            <a:normAutofit lnSpcReduction="10000"/>
+            <a:normAutofit/>
           </a:bodyPr>
           <a:lstStyle/>
           <a:p>
@@ -6370,21 +6375,13 @@
             </a:r>
           </a:p>
           <a:p>
+            <a:endParaRPr lang="en-US" i="1" dirty="0"/>
+          </a:p>
+          <a:p>
             <a:r>
               <a:rPr lang="en-US" i="1" dirty="0"/>
-              <a:t>jlane@wintellect.com</a:t>
-            </a:r>
-          </a:p>
-          <a:p>
-            <a:r>
-              <a:rPr lang="en-US" i="1" dirty="0"/>
-              <a:t>@</a:t>
-            </a:r>
-            <a:r>
-              <a:rPr lang="en-US" i="1" dirty="0" err="1"/>
-              <a:t>jplane</a:t>
-            </a:r>
-            <a:endParaRPr lang="en-US" i="1" dirty="0"/>
+              <a:t>https://github.com/jplane/iot-webinar</a:t>
+            </a:r>
           </a:p>
         </p:txBody>
       </p:sp>
@@ -6405,8 +6402,20 @@
           <a:p>
             <a:r>
               <a:rPr lang="en-US" dirty="0"/>
-              <a:t>An Introduction to Azure IoT Suite</a:t>
-            </a:r>
+              <a:t>An Introduction to Azure </a:t>
+            </a:r>
+            <a:r>
+              <a:rPr lang="en-US" dirty="0" err="1"/>
+              <a:t>IoT</a:t>
+            </a:r>
+            <a:r>
+              <a:rPr lang="en-US" dirty="0"/>
+              <a:t> Suite</a:t>
+            </a:r>
+            <a:br>
+              <a:rPr lang="en-US" dirty="0"/>
+            </a:br>
+            <a:endParaRPr lang="en-US" sz="2400" dirty="0"/>
           </a:p>
         </p:txBody>
       </p:sp>
@@ -7719,15 +7728,7 @@
           <a:p>
             <a:r>
               <a:rPr lang="en-US" dirty="0"/>
-              <a:t>Dev + architecture</a:t>
-            </a:r>
-            <a:r>
-              <a:rPr lang="en-US"/>
-              <a:t>, cloud migration</a:t>
-            </a:r>
-            <a:r>
-              <a:rPr lang="en-US" dirty="0"/>
-              <a:t>, data, messaging, etc.</a:t>
+              <a:t>Dev + architecture, cloud migration, data, messaging, etc.</a:t>
             </a:r>
           </a:p>
           <a:p>
@@ -7745,6 +7746,12 @@
             <a:r>
               <a:rPr lang="en-US" dirty="0"/>
               <a:t>Azure-in-the-ATL meetup founder</a:t>
+            </a:r>
+          </a:p>
+          <a:p>
+            <a:r>
+              <a:rPr lang="en-US" dirty="0"/>
+              <a:t>jlane@wintellect.com</a:t>
             </a:r>
           </a:p>
           <a:p>
@@ -9835,17 +9842,12 @@
 </file>
 
 <file path=customXml/item1.xml><?xml version="1.0" encoding="utf-8"?>
-<p:properties xmlns:p="http://schemas.microsoft.com/office/2006/metadata/properties" xmlns:xsi="http://www.w3.org/2001/XMLSchema-instance" xmlns:pc="http://schemas.microsoft.com/office/infopath/2007/PartnerControls">
-  <documentManagement>
-    <SharedWithUsers xmlns="ae9bb8cf-6fd7-4373-9802-0818a1bad213">
-      <UserInfo>
-        <DisplayName/>
-        <AccountId xsi:nil="true"/>
-        <AccountType/>
-      </UserInfo>
-    </SharedWithUsers>
-  </documentManagement>
-</p:properties>
+<?mso-contentType ?>
+<FormTemplates xmlns="http://schemas.microsoft.com/sharepoint/v3/contenttype/forms">
+  <Display>DocumentLibraryForm</Display>
+  <Edit>DocumentLibraryForm</Edit>
+  <New>DocumentLibraryForm</New>
+</FormTemplates>
 </file>
 
 <file path=customXml/item2.xml><?xml version="1.0" encoding="utf-8"?>
@@ -10003,26 +10005,23 @@
 </file>
 
 <file path=customXml/item3.xml><?xml version="1.0" encoding="utf-8"?>
-<?mso-contentType ?>
-<FormTemplates xmlns="http://schemas.microsoft.com/sharepoint/v3/contenttype/forms">
-  <Display>DocumentLibraryForm</Display>
-  <Edit>DocumentLibraryForm</Edit>
-  <New>DocumentLibraryForm</New>
-</FormTemplates>
+<p:properties xmlns:p="http://schemas.microsoft.com/office/2006/metadata/properties" xmlns:xsi="http://www.w3.org/2001/XMLSchema-instance" xmlns:pc="http://schemas.microsoft.com/office/infopath/2007/PartnerControls">
+  <documentManagement>
+    <SharedWithUsers xmlns="ae9bb8cf-6fd7-4373-9802-0818a1bad213">
+      <UserInfo>
+        <DisplayName/>
+        <AccountId xsi:nil="true"/>
+        <AccountType/>
+      </UserInfo>
+    </SharedWithUsers>
+  </documentManagement>
+</p:properties>
 </file>
 
 <file path=customXml/itemProps1.xml><?xml version="1.0" encoding="utf-8"?>
-<ds:datastoreItem xmlns:ds="http://schemas.openxmlformats.org/officeDocument/2006/customXml" ds:itemID="{D71FDF29-0AD6-4557-9F7B-A2E3FD5905AB}">
+<ds:datastoreItem xmlns:ds="http://schemas.openxmlformats.org/officeDocument/2006/customXml" ds:itemID="{F2A83536-3E53-4F69-BB7F-3EA6454D8BE5}">
   <ds:schemaRefs>
-    <ds:schemaRef ds:uri="http://purl.org/dc/terms/"/>
-    <ds:schemaRef ds:uri="http://purl.org/dc/dcmitype/"/>
-    <ds:schemaRef ds:uri="http://schemas.microsoft.com/office/infopath/2007/PartnerControls"/>
-    <ds:schemaRef ds:uri="http://www.w3.org/XML/1998/namespace"/>
-    <ds:schemaRef ds:uri="http://purl.org/dc/elements/1.1/"/>
-    <ds:schemaRef ds:uri="ae9bb8cf-6fd7-4373-9802-0818a1bad213"/>
-    <ds:schemaRef ds:uri="http://schemas.microsoft.com/office/2006/documentManagement/types"/>
-    <ds:schemaRef ds:uri="http://schemas.openxmlformats.org/package/2006/metadata/core-properties"/>
-    <ds:schemaRef ds:uri="http://schemas.microsoft.com/office/2006/metadata/properties"/>
+    <ds:schemaRef ds:uri="http://schemas.microsoft.com/sharepoint/v3/contenttype/forms"/>
   </ds:schemaRefs>
 </ds:datastoreItem>
 </file>
@@ -10046,9 +10045,17 @@
 </file>
 
 <file path=customXml/itemProps3.xml><?xml version="1.0" encoding="utf-8"?>
-<ds:datastoreItem xmlns:ds="http://schemas.openxmlformats.org/officeDocument/2006/customXml" ds:itemID="{F2A83536-3E53-4F69-BB7F-3EA6454D8BE5}">
+<ds:datastoreItem xmlns:ds="http://schemas.openxmlformats.org/officeDocument/2006/customXml" ds:itemID="{D71FDF29-0AD6-4557-9F7B-A2E3FD5905AB}">
   <ds:schemaRefs>
-    <ds:schemaRef ds:uri="http://schemas.microsoft.com/sharepoint/v3/contenttype/forms"/>
+    <ds:schemaRef ds:uri="http://purl.org/dc/terms/"/>
+    <ds:schemaRef ds:uri="http://purl.org/dc/dcmitype/"/>
+    <ds:schemaRef ds:uri="http://schemas.microsoft.com/office/infopath/2007/PartnerControls"/>
+    <ds:schemaRef ds:uri="http://www.w3.org/XML/1998/namespace"/>
+    <ds:schemaRef ds:uri="http://purl.org/dc/elements/1.1/"/>
+    <ds:schemaRef ds:uri="ae9bb8cf-6fd7-4373-9802-0818a1bad213"/>
+    <ds:schemaRef ds:uri="http://schemas.microsoft.com/office/2006/documentManagement/types"/>
+    <ds:schemaRef ds:uri="http://schemas.openxmlformats.org/package/2006/metadata/core-properties"/>
+    <ds:schemaRef ds:uri="http://schemas.microsoft.com/office/2006/metadata/properties"/>
   </ds:schemaRefs>
 </ds:datastoreItem>
 </file>
--- a/introduction to azure iot.pptx
+++ b/introduction to azure iot.pptx
@@ -222,7 +222,7 @@
           <a:p>
             <a:fld id="{9518FE8D-2DE0-459F-B7AF-223CDD2D6A8F}" type="datetimeFigureOut">
               <a:rPr lang="en-US" smtClean="0"/>
-              <a:t>10/9/2016</a:t>
+              <a:t>10/12/2016</a:t>
             </a:fld>
             <a:endParaRPr lang="en-US"/>
           </a:p>
@@ -387,7 +387,7 @@
           <a:p>
             <a:fld id="{B4AB3519-0107-4220-B210-994F89BE6A0C}" type="datetimeFigureOut">
               <a:rPr lang="en-US" smtClean="0"/>
-              <a:t>10/9/2016</a:t>
+              <a:t>10/12/2016</a:t>
             </a:fld>
             <a:endParaRPr lang="en-US"/>
           </a:p>
@@ -698,6 +698,47 @@
           <a:bodyPr/>
           <a:lstStyle/>
           <a:p>
+            <a:r>
+              <a:rPr lang="en-US" dirty="0"/>
+              <a:t>Technology</a:t>
+            </a:r>
+            <a:r>
+              <a:rPr lang="en-US" baseline="0" dirty="0"/>
+              <a:t> agnostic</a:t>
+            </a:r>
+          </a:p>
+          <a:p>
+            <a:endParaRPr lang="en-US" dirty="0"/>
+          </a:p>
+          <a:p>
+            <a:r>
+              <a:rPr lang="en-US" dirty="0"/>
+              <a:t>3 key areas:</a:t>
+            </a:r>
+          </a:p>
+          <a:p>
+            <a:r>
+              <a:rPr lang="en-US" dirty="0"/>
+              <a:t>Device Connectivity + Management</a:t>
+            </a:r>
+          </a:p>
+          <a:p>
+            <a:r>
+              <a:rPr lang="en-US" dirty="0"/>
+              <a:t>Data Processing</a:t>
+            </a:r>
+            <a:r>
+              <a:rPr lang="en-US" baseline="0" dirty="0"/>
+              <a:t> + Analytics</a:t>
+            </a:r>
+          </a:p>
+          <a:p>
+            <a:r>
+              <a:rPr lang="en-US" dirty="0"/>
+              <a:t>Presentation + Business Connectivity</a:t>
+            </a:r>
+          </a:p>
+          <a:p>
             <a:endParaRPr lang="en-US" dirty="0"/>
           </a:p>
         </p:txBody>
@@ -719,7 +760,7 @@
           <a:p>
             <a:fld id="{F780F3C0-0E75-4F44-8146-5496C4D61B62}" type="slidenum">
               <a:rPr lang="en-US" smtClean="0"/>
-              <a:t>8</a:t>
+              <a:t>5</a:t>
             </a:fld>
             <a:endParaRPr lang="en-US"/>
           </a:p>
@@ -728,7 +769,7 @@
     </p:spTree>
     <p:extLst>
       <p:ext uri="{BB962C8B-B14F-4D97-AF65-F5344CB8AC3E}">
-        <p14:creationId xmlns:p14="http://schemas.microsoft.com/office/powerpoint/2010/main" val="320923820"/>
+        <p14:creationId xmlns:p14="http://schemas.microsoft.com/office/powerpoint/2010/main" val="3134745652"/>
       </p:ext>
     </p:extLst>
   </p:cSld>
@@ -782,38 +823,113 @@
           <a:bodyPr/>
           <a:lstStyle/>
           <a:p>
+            <a:pPr marL="171450" marR="0" lvl="0" indent="-171450" algn="l" defTabSz="914400" rtl="0" eaLnBrk="1" fontAlgn="auto" latinLnBrk="0" hangingPunct="1">
+              <a:lnSpc>
+                <a:spcPct val="100000"/>
+              </a:lnSpc>
+              <a:spcBef>
+                <a:spcPts val="0"/>
+              </a:spcBef>
+              <a:spcAft>
+                <a:spcPts val="0"/>
+              </a:spcAft>
+              <a:buClrTx/>
+              <a:buSzTx/>
+              <a:buFontTx/>
+              <a:buChar char="-"/>
+              <a:tabLst/>
+              <a:defRPr/>
+            </a:pPr>
+            <a:r>
+              <a:rPr lang="en-US" dirty="0"/>
+              <a:t>Endpoint management</a:t>
+            </a:r>
+          </a:p>
+          <a:p>
+            <a:pPr marL="171450" marR="0" lvl="0" indent="-171450" algn="l" defTabSz="914400" rtl="0" eaLnBrk="1" fontAlgn="auto" latinLnBrk="0" hangingPunct="1">
+              <a:lnSpc>
+                <a:spcPct val="100000"/>
+              </a:lnSpc>
+              <a:spcBef>
+                <a:spcPts val="0"/>
+              </a:spcBef>
+              <a:spcAft>
+                <a:spcPts val="0"/>
+              </a:spcAft>
+              <a:buClrTx/>
+              <a:buSzTx/>
+              <a:buFontTx/>
+              <a:buChar char="-"/>
+              <a:tabLst/>
+              <a:defRPr/>
+            </a:pPr>
+            <a:r>
+              <a:rPr lang="en-US" dirty="0"/>
+              <a:t>Protocol negotiation</a:t>
+            </a:r>
+          </a:p>
+          <a:p>
+            <a:pPr marL="171450" marR="0" lvl="0" indent="-171450" algn="l" defTabSz="914400" rtl="0" eaLnBrk="1" fontAlgn="auto" latinLnBrk="0" hangingPunct="1">
+              <a:lnSpc>
+                <a:spcPct val="100000"/>
+              </a:lnSpc>
+              <a:spcBef>
+                <a:spcPts val="0"/>
+              </a:spcBef>
+              <a:spcAft>
+                <a:spcPts val="0"/>
+              </a:spcAft>
+              <a:buClrTx/>
+              <a:buSzTx/>
+              <a:buFontTx/>
+              <a:buChar char="-"/>
+              <a:tabLst/>
+              <a:defRPr/>
+            </a:pPr>
+            <a:r>
+              <a:rPr lang="en-US" dirty="0"/>
+              <a:t>Device</a:t>
+            </a:r>
+            <a:r>
+              <a:rPr lang="en-US" baseline="0" dirty="0"/>
+              <a:t> provisioning</a:t>
+            </a:r>
+            <a:endParaRPr lang="en-US" dirty="0"/>
+          </a:p>
+          <a:p>
+            <a:pPr marL="171450" marR="0" lvl="0" indent="-171450" algn="l" defTabSz="914400" rtl="0" eaLnBrk="1" fontAlgn="auto" latinLnBrk="0" hangingPunct="1">
+              <a:lnSpc>
+                <a:spcPct val="100000"/>
+              </a:lnSpc>
+              <a:spcBef>
+                <a:spcPts val="0"/>
+              </a:spcBef>
+              <a:spcAft>
+                <a:spcPts val="0"/>
+              </a:spcAft>
+              <a:buClrTx/>
+              <a:buSzTx/>
+              <a:buFontTx/>
+              <a:buChar char="-"/>
+              <a:tabLst/>
+              <a:defRPr/>
+            </a:pPr>
+            <a:r>
+              <a:rPr lang="en-US" dirty="0"/>
+              <a:t>Authentication</a:t>
+            </a:r>
+          </a:p>
+          <a:p>
             <a:pPr marL="171450" indent="-171450">
               <a:buFontTx/>
               <a:buChar char="-"/>
             </a:pPr>
             <a:r>
               <a:rPr lang="en-US" dirty="0"/>
-              <a:t>Cloud gateway</a:t>
-            </a:r>
-          </a:p>
-          <a:p>
-            <a:pPr marL="171450" indent="-171450">
-              <a:buFontTx/>
-              <a:buChar char="-"/>
-            </a:pPr>
-            <a:r>
-              <a:rPr lang="en-US" dirty="0"/>
-              <a:t>Field gateway</a:t>
-            </a:r>
-            <a:r>
-              <a:rPr lang="en-US" baseline="0" dirty="0"/>
-              <a:t> (Gateway SDK)</a:t>
-            </a:r>
-          </a:p>
-          <a:p>
-            <a:pPr marL="171450" indent="-171450">
-              <a:buFontTx/>
-              <a:buChar char="-"/>
-            </a:pPr>
-            <a:r>
-              <a:rPr lang="en-US" baseline="0" dirty="0"/>
-              <a:t>Device identity, provisioning, state management</a:t>
-            </a:r>
+              <a:t>State management</a:t>
+            </a:r>
+          </a:p>
+          <a:p>
             <a:endParaRPr lang="en-US" dirty="0"/>
           </a:p>
         </p:txBody>
@@ -835,7 +951,7 @@
           <a:p>
             <a:fld id="{F780F3C0-0E75-4F44-8146-5496C4D61B62}" type="slidenum">
               <a:rPr lang="en-US" smtClean="0"/>
-              <a:t>12</a:t>
+              <a:t>6</a:t>
             </a:fld>
             <a:endParaRPr lang="en-US"/>
           </a:p>
@@ -844,7 +960,7 @@
     </p:spTree>
     <p:extLst>
       <p:ext uri="{BB962C8B-B14F-4D97-AF65-F5344CB8AC3E}">
-        <p14:creationId xmlns:p14="http://schemas.microsoft.com/office/powerpoint/2010/main" val="4173197478"/>
+        <p14:creationId xmlns:p14="http://schemas.microsoft.com/office/powerpoint/2010/main" val="221726859"/>
       </p:ext>
     </p:extLst>
   </p:cSld>
@@ -903,18 +1019,9 @@
               <a:buChar char="-"/>
             </a:pPr>
             <a:r>
-              <a:rPr lang="en-US" dirty="0"/>
-              <a:t>A</a:t>
-            </a:r>
-            <a:r>
               <a:rPr lang="en-US" baseline="0" dirty="0"/>
-              <a:t> “unit” is a logical measure </a:t>
-            </a:r>
-            <a:r>
-              <a:rPr lang="en-US" baseline="0"/>
-              <a:t>of desired scale</a:t>
-            </a:r>
-            <a:endParaRPr lang="en-US" baseline="0" dirty="0"/>
+              <a:t>Streaming endpoints</a:t>
+            </a:r>
           </a:p>
           <a:p>
             <a:pPr marL="171450" indent="-171450">
@@ -923,8 +1030,20 @@
             </a:pPr>
             <a:r>
               <a:rPr lang="en-US" baseline="0" dirty="0"/>
-              <a:t># of units needed == (device count * messages/device/day)</a:t>
-            </a:r>
+              <a:t>Durable storage</a:t>
+            </a:r>
+          </a:p>
+          <a:p>
+            <a:pPr marL="171450" indent="-171450">
+              <a:buFontTx/>
+              <a:buChar char="-"/>
+            </a:pPr>
+            <a:r>
+              <a:rPr lang="en-US" baseline="0" dirty="0"/>
+              <a:t>Machine learning, BI, etc.</a:t>
+            </a:r>
+          </a:p>
+          <a:p>
             <a:endParaRPr lang="en-US" dirty="0"/>
           </a:p>
         </p:txBody>
@@ -946,7 +1065,7 @@
           <a:p>
             <a:fld id="{F780F3C0-0E75-4F44-8146-5496C4D61B62}" type="slidenum">
               <a:rPr lang="en-US" smtClean="0"/>
-              <a:t>13</a:t>
+              <a:t>7</a:t>
             </a:fld>
             <a:endParaRPr lang="en-US"/>
           </a:p>
@@ -955,7 +1074,7 @@
     </p:spTree>
     <p:extLst>
       <p:ext uri="{BB962C8B-B14F-4D97-AF65-F5344CB8AC3E}">
-        <p14:creationId xmlns:p14="http://schemas.microsoft.com/office/powerpoint/2010/main" val="981658233"/>
+        <p14:creationId xmlns:p14="http://schemas.microsoft.com/office/powerpoint/2010/main" val="2054015893"/>
       </p:ext>
     </p:extLst>
   </p:cSld>
@@ -1009,6 +1128,704 @@
           <a:bodyPr/>
           <a:lstStyle/>
           <a:p>
+            <a:pPr marL="171450" marR="0" lvl="0" indent="-171450" algn="l" defTabSz="914400" rtl="0" eaLnBrk="1" fontAlgn="auto" latinLnBrk="0" hangingPunct="1">
+              <a:lnSpc>
+                <a:spcPct val="100000"/>
+              </a:lnSpc>
+              <a:spcBef>
+                <a:spcPts val="0"/>
+              </a:spcBef>
+              <a:spcAft>
+                <a:spcPts val="0"/>
+              </a:spcAft>
+              <a:buClrTx/>
+              <a:buSzTx/>
+              <a:buFontTx/>
+              <a:buChar char="-"/>
+              <a:tabLst/>
+              <a:defRPr/>
+            </a:pPr>
+            <a:r>
+              <a:rPr lang="en-US" baseline="0" dirty="0"/>
+              <a:t>App integration and custom logic</a:t>
+            </a:r>
+          </a:p>
+          <a:p>
+            <a:pPr marL="171450" marR="0" lvl="0" indent="-171450" algn="l" defTabSz="914400" rtl="0" eaLnBrk="1" fontAlgn="auto" latinLnBrk="0" hangingPunct="1">
+              <a:lnSpc>
+                <a:spcPct val="100000"/>
+              </a:lnSpc>
+              <a:spcBef>
+                <a:spcPts val="0"/>
+              </a:spcBef>
+              <a:spcAft>
+                <a:spcPts val="0"/>
+              </a:spcAft>
+              <a:buClrTx/>
+              <a:buSzTx/>
+              <a:buFontTx/>
+              <a:buChar char="-"/>
+              <a:tabLst/>
+              <a:defRPr/>
+            </a:pPr>
+            <a:r>
+              <a:rPr lang="en-US" baseline="0" dirty="0"/>
+              <a:t>Reporting</a:t>
+            </a:r>
+          </a:p>
+          <a:p>
+            <a:pPr marL="171450" marR="0" lvl="0" indent="-171450" algn="l" defTabSz="914400" rtl="0" eaLnBrk="1" fontAlgn="auto" latinLnBrk="0" hangingPunct="1">
+              <a:lnSpc>
+                <a:spcPct val="100000"/>
+              </a:lnSpc>
+              <a:spcBef>
+                <a:spcPts val="0"/>
+              </a:spcBef>
+              <a:spcAft>
+                <a:spcPts val="0"/>
+              </a:spcAft>
+              <a:buClrTx/>
+              <a:buSzTx/>
+              <a:buFontTx/>
+              <a:buChar char="-"/>
+              <a:tabLst/>
+              <a:defRPr/>
+            </a:pPr>
+            <a:r>
+              <a:rPr lang="en-US" baseline="0" dirty="0"/>
+              <a:t>Dashboards</a:t>
+            </a:r>
+          </a:p>
+          <a:p>
+            <a:pPr marL="171450" marR="0" lvl="0" indent="-171450" algn="l" defTabSz="914400" rtl="0" eaLnBrk="1" fontAlgn="auto" latinLnBrk="0" hangingPunct="1">
+              <a:lnSpc>
+                <a:spcPct val="100000"/>
+              </a:lnSpc>
+              <a:spcBef>
+                <a:spcPts val="0"/>
+              </a:spcBef>
+              <a:spcAft>
+                <a:spcPts val="0"/>
+              </a:spcAft>
+              <a:buClrTx/>
+              <a:buSzTx/>
+              <a:buFontTx/>
+              <a:buChar char="-"/>
+              <a:tabLst/>
+              <a:defRPr/>
+            </a:pPr>
+            <a:r>
+              <a:rPr lang="en-US" baseline="0" dirty="0"/>
+              <a:t>External system integration</a:t>
+            </a:r>
+          </a:p>
+          <a:p>
+            <a:endParaRPr lang="en-US" dirty="0"/>
+          </a:p>
+        </p:txBody>
+      </p:sp>
+      <p:sp>
+        <p:nvSpPr>
+          <p:cNvPr id="4" name="Slide Number Placeholder 3"/>
+          <p:cNvSpPr>
+            <a:spLocks noGrp="1"/>
+          </p:cNvSpPr>
+          <p:nvPr>
+            <p:ph type="sldNum" sz="quarter" idx="10"/>
+          </p:nvPr>
+        </p:nvSpPr>
+        <p:spPr/>
+        <p:txBody>
+          <a:bodyPr/>
+          <a:lstStyle/>
+          <a:p>
+            <a:fld id="{F780F3C0-0E75-4F44-8146-5496C4D61B62}" type="slidenum">
+              <a:rPr lang="en-US" smtClean="0"/>
+              <a:t>8</a:t>
+            </a:fld>
+            <a:endParaRPr lang="en-US"/>
+          </a:p>
+        </p:txBody>
+      </p:sp>
+    </p:spTree>
+    <p:extLst>
+      <p:ext uri="{BB962C8B-B14F-4D97-AF65-F5344CB8AC3E}">
+        <p14:creationId xmlns:p14="http://schemas.microsoft.com/office/powerpoint/2010/main" val="320923820"/>
+      </p:ext>
+    </p:extLst>
+  </p:cSld>
+  <p:clrMapOvr>
+    <a:masterClrMapping/>
+  </p:clrMapOvr>
+</p:notes>
+</file>
+
+<file path=ppt/notesSlides/notesSlide5.xml><?xml version="1.0" encoding="utf-8"?>
+<p:notes xmlns:a="http://schemas.openxmlformats.org/drawingml/2006/main" xmlns:r="http://schemas.openxmlformats.org/officeDocument/2006/relationships" xmlns:p="http://schemas.openxmlformats.org/presentationml/2006/main">
+  <p:cSld>
+    <p:spTree>
+      <p:nvGrpSpPr>
+        <p:cNvPr id="1" name=""/>
+        <p:cNvGrpSpPr/>
+        <p:nvPr/>
+      </p:nvGrpSpPr>
+      <p:grpSpPr>
+        <a:xfrm>
+          <a:off x="0" y="0"/>
+          <a:ext cx="0" cy="0"/>
+          <a:chOff x="0" y="0"/>
+          <a:chExt cx="0" cy="0"/>
+        </a:xfrm>
+      </p:grpSpPr>
+      <p:sp>
+        <p:nvSpPr>
+          <p:cNvPr id="2" name="Slide Image Placeholder 1"/>
+          <p:cNvSpPr>
+            <a:spLocks noGrp="1" noRot="1" noChangeAspect="1"/>
+          </p:cNvSpPr>
+          <p:nvPr>
+            <p:ph type="sldImg"/>
+          </p:nvPr>
+        </p:nvSpPr>
+        <p:spPr/>
+      </p:sp>
+      <p:sp>
+        <p:nvSpPr>
+          <p:cNvPr id="3" name="Notes Placeholder 2"/>
+          <p:cNvSpPr>
+            <a:spLocks noGrp="1"/>
+          </p:cNvSpPr>
+          <p:nvPr>
+            <p:ph type="body" idx="1"/>
+          </p:nvPr>
+        </p:nvSpPr>
+        <p:spPr/>
+        <p:txBody>
+          <a:bodyPr/>
+          <a:lstStyle/>
+          <a:p>
+            <a:r>
+              <a:rPr lang="en-US" dirty="0"/>
+              <a:t>Two main templates:</a:t>
+            </a:r>
+          </a:p>
+          <a:p>
+            <a:pPr marL="171450" indent="-171450">
+              <a:buFontTx/>
+              <a:buChar char="-"/>
+            </a:pPr>
+            <a:r>
+              <a:rPr lang="en-US" baseline="0" dirty="0"/>
+              <a:t>Remote monitoring</a:t>
+            </a:r>
+          </a:p>
+          <a:p>
+            <a:pPr marL="171450" indent="-171450">
+              <a:buFontTx/>
+              <a:buChar char="-"/>
+            </a:pPr>
+            <a:r>
+              <a:rPr lang="en-US" baseline="0" dirty="0"/>
+              <a:t>Predictive maintenance</a:t>
+            </a:r>
+          </a:p>
+          <a:p>
+            <a:pPr marL="0" indent="0">
+              <a:buFontTx/>
+              <a:buNone/>
+            </a:pPr>
+            <a:endParaRPr lang="en-US" baseline="0" dirty="0"/>
+          </a:p>
+        </p:txBody>
+      </p:sp>
+      <p:sp>
+        <p:nvSpPr>
+          <p:cNvPr id="4" name="Slide Number Placeholder 3"/>
+          <p:cNvSpPr>
+            <a:spLocks noGrp="1"/>
+          </p:cNvSpPr>
+          <p:nvPr>
+            <p:ph type="sldNum" sz="quarter" idx="10"/>
+          </p:nvPr>
+        </p:nvSpPr>
+        <p:spPr/>
+        <p:txBody>
+          <a:bodyPr/>
+          <a:lstStyle/>
+          <a:p>
+            <a:fld id="{F780F3C0-0E75-4F44-8146-5496C4D61B62}" type="slidenum">
+              <a:rPr lang="en-US" smtClean="0"/>
+              <a:t>9</a:t>
+            </a:fld>
+            <a:endParaRPr lang="en-US"/>
+          </a:p>
+        </p:txBody>
+      </p:sp>
+    </p:spTree>
+    <p:extLst>
+      <p:ext uri="{BB962C8B-B14F-4D97-AF65-F5344CB8AC3E}">
+        <p14:creationId xmlns:p14="http://schemas.microsoft.com/office/powerpoint/2010/main" val="289632237"/>
+      </p:ext>
+    </p:extLst>
+  </p:cSld>
+  <p:clrMapOvr>
+    <a:masterClrMapping/>
+  </p:clrMapOvr>
+</p:notes>
+</file>
+
+<file path=ppt/notesSlides/notesSlide6.xml><?xml version="1.0" encoding="utf-8"?>
+<p:notes xmlns:a="http://schemas.openxmlformats.org/drawingml/2006/main" xmlns:r="http://schemas.openxmlformats.org/officeDocument/2006/relationships" xmlns:p="http://schemas.openxmlformats.org/presentationml/2006/main">
+  <p:cSld>
+    <p:spTree>
+      <p:nvGrpSpPr>
+        <p:cNvPr id="1" name=""/>
+        <p:cNvGrpSpPr/>
+        <p:nvPr/>
+      </p:nvGrpSpPr>
+      <p:grpSpPr>
+        <a:xfrm>
+          <a:off x="0" y="0"/>
+          <a:ext cx="0" cy="0"/>
+          <a:chOff x="0" y="0"/>
+          <a:chExt cx="0" cy="0"/>
+        </a:xfrm>
+      </p:grpSpPr>
+      <p:sp>
+        <p:nvSpPr>
+          <p:cNvPr id="2" name="Slide Image Placeholder 1"/>
+          <p:cNvSpPr>
+            <a:spLocks noGrp="1" noRot="1" noChangeAspect="1"/>
+          </p:cNvSpPr>
+          <p:nvPr>
+            <p:ph type="sldImg"/>
+          </p:nvPr>
+        </p:nvSpPr>
+        <p:spPr/>
+      </p:sp>
+      <p:sp>
+        <p:nvSpPr>
+          <p:cNvPr id="3" name="Notes Placeholder 2"/>
+          <p:cNvSpPr>
+            <a:spLocks noGrp="1"/>
+          </p:cNvSpPr>
+          <p:nvPr>
+            <p:ph type="body" idx="1"/>
+          </p:nvPr>
+        </p:nvSpPr>
+        <p:spPr/>
+        <p:txBody>
+          <a:bodyPr/>
+          <a:lstStyle/>
+          <a:p>
+            <a:pPr marL="0" indent="0">
+              <a:buFontTx/>
+              <a:buNone/>
+            </a:pPr>
+            <a:r>
+              <a:rPr lang="en-US" dirty="0"/>
+              <a:t>Encompasses</a:t>
+            </a:r>
+            <a:r>
+              <a:rPr lang="en-US" baseline="0" dirty="0"/>
+              <a:t> three main capabilities:</a:t>
+            </a:r>
+            <a:endParaRPr lang="en-US" dirty="0"/>
+          </a:p>
+          <a:p>
+            <a:pPr marL="171450" indent="-171450">
+              <a:buFontTx/>
+              <a:buChar char="-"/>
+            </a:pPr>
+            <a:r>
+              <a:rPr lang="en-US" dirty="0"/>
+              <a:t>Cloud gateway</a:t>
+            </a:r>
+          </a:p>
+          <a:p>
+            <a:pPr marL="171450" indent="-171450">
+              <a:buFontTx/>
+              <a:buChar char="-"/>
+            </a:pPr>
+            <a:r>
+              <a:rPr lang="en-US" dirty="0"/>
+              <a:t>Field gateway</a:t>
+            </a:r>
+            <a:r>
+              <a:rPr lang="en-US" baseline="0" dirty="0"/>
+              <a:t> (Gateway SDK)</a:t>
+            </a:r>
+          </a:p>
+          <a:p>
+            <a:pPr marL="171450" indent="-171450">
+              <a:buFontTx/>
+              <a:buChar char="-"/>
+            </a:pPr>
+            <a:r>
+              <a:rPr lang="en-US" baseline="0" dirty="0"/>
+              <a:t>Device identity, provisioning, state management</a:t>
+            </a:r>
+            <a:endParaRPr lang="en-US" dirty="0"/>
+          </a:p>
+        </p:txBody>
+      </p:sp>
+      <p:sp>
+        <p:nvSpPr>
+          <p:cNvPr id="4" name="Slide Number Placeholder 3"/>
+          <p:cNvSpPr>
+            <a:spLocks noGrp="1"/>
+          </p:cNvSpPr>
+          <p:nvPr>
+            <p:ph type="sldNum" sz="quarter" idx="10"/>
+          </p:nvPr>
+        </p:nvSpPr>
+        <p:spPr/>
+        <p:txBody>
+          <a:bodyPr/>
+          <a:lstStyle/>
+          <a:p>
+            <a:fld id="{F780F3C0-0E75-4F44-8146-5496C4D61B62}" type="slidenum">
+              <a:rPr lang="en-US" smtClean="0"/>
+              <a:t>12</a:t>
+            </a:fld>
+            <a:endParaRPr lang="en-US"/>
+          </a:p>
+        </p:txBody>
+      </p:sp>
+    </p:spTree>
+    <p:extLst>
+      <p:ext uri="{BB962C8B-B14F-4D97-AF65-F5344CB8AC3E}">
+        <p14:creationId xmlns:p14="http://schemas.microsoft.com/office/powerpoint/2010/main" val="4173197478"/>
+      </p:ext>
+    </p:extLst>
+  </p:cSld>
+  <p:clrMapOvr>
+    <a:masterClrMapping/>
+  </p:clrMapOvr>
+</p:notes>
+</file>
+
+<file path=ppt/notesSlides/notesSlide7.xml><?xml version="1.0" encoding="utf-8"?>
+<p:notes xmlns:a="http://schemas.openxmlformats.org/drawingml/2006/main" xmlns:r="http://schemas.openxmlformats.org/officeDocument/2006/relationships" xmlns:p="http://schemas.openxmlformats.org/presentationml/2006/main">
+  <p:cSld>
+    <p:spTree>
+      <p:nvGrpSpPr>
+        <p:cNvPr id="1" name=""/>
+        <p:cNvGrpSpPr/>
+        <p:nvPr/>
+      </p:nvGrpSpPr>
+      <p:grpSpPr>
+        <a:xfrm>
+          <a:off x="0" y="0"/>
+          <a:ext cx="0" cy="0"/>
+          <a:chOff x="0" y="0"/>
+          <a:chExt cx="0" cy="0"/>
+        </a:xfrm>
+      </p:grpSpPr>
+      <p:sp>
+        <p:nvSpPr>
+          <p:cNvPr id="2" name="Slide Image Placeholder 1"/>
+          <p:cNvSpPr>
+            <a:spLocks noGrp="1" noRot="1" noChangeAspect="1"/>
+          </p:cNvSpPr>
+          <p:nvPr>
+            <p:ph type="sldImg"/>
+          </p:nvPr>
+        </p:nvSpPr>
+        <p:spPr/>
+      </p:sp>
+      <p:sp>
+        <p:nvSpPr>
+          <p:cNvPr id="3" name="Notes Placeholder 2"/>
+          <p:cNvSpPr>
+            <a:spLocks noGrp="1"/>
+          </p:cNvSpPr>
+          <p:nvPr>
+            <p:ph type="body" idx="1"/>
+          </p:nvPr>
+        </p:nvSpPr>
+        <p:spPr/>
+        <p:txBody>
+          <a:bodyPr/>
+          <a:lstStyle/>
+          <a:p>
+            <a:pPr marL="171450" indent="-171450">
+              <a:buFontTx/>
+              <a:buChar char="-"/>
+            </a:pPr>
+            <a:r>
+              <a:rPr lang="en-US" dirty="0"/>
+              <a:t>A</a:t>
+            </a:r>
+            <a:r>
+              <a:rPr lang="en-US" baseline="0" dirty="0"/>
+              <a:t> “unit” is a logical measure </a:t>
+            </a:r>
+            <a:r>
+              <a:rPr lang="en-US" baseline="0"/>
+              <a:t>of desired scale</a:t>
+            </a:r>
+            <a:endParaRPr lang="en-US" baseline="0" dirty="0"/>
+          </a:p>
+          <a:p>
+            <a:pPr marL="171450" indent="-171450">
+              <a:buFontTx/>
+              <a:buChar char="-"/>
+            </a:pPr>
+            <a:r>
+              <a:rPr lang="en-US" baseline="0" dirty="0"/>
+              <a:t># of units needed == (device count * messages/device/day)</a:t>
+            </a:r>
+            <a:endParaRPr lang="en-US" dirty="0"/>
+          </a:p>
+        </p:txBody>
+      </p:sp>
+      <p:sp>
+        <p:nvSpPr>
+          <p:cNvPr id="4" name="Slide Number Placeholder 3"/>
+          <p:cNvSpPr>
+            <a:spLocks noGrp="1"/>
+          </p:cNvSpPr>
+          <p:nvPr>
+            <p:ph type="sldNum" sz="quarter" idx="10"/>
+          </p:nvPr>
+        </p:nvSpPr>
+        <p:spPr/>
+        <p:txBody>
+          <a:bodyPr/>
+          <a:lstStyle/>
+          <a:p>
+            <a:fld id="{F780F3C0-0E75-4F44-8146-5496C4D61B62}" type="slidenum">
+              <a:rPr lang="en-US" smtClean="0"/>
+              <a:t>13</a:t>
+            </a:fld>
+            <a:endParaRPr lang="en-US"/>
+          </a:p>
+        </p:txBody>
+      </p:sp>
+    </p:spTree>
+    <p:extLst>
+      <p:ext uri="{BB962C8B-B14F-4D97-AF65-F5344CB8AC3E}">
+        <p14:creationId xmlns:p14="http://schemas.microsoft.com/office/powerpoint/2010/main" val="981658233"/>
+      </p:ext>
+    </p:extLst>
+  </p:cSld>
+  <p:clrMapOvr>
+    <a:masterClrMapping/>
+  </p:clrMapOvr>
+</p:notes>
+</file>
+
+<file path=ppt/notesSlides/notesSlide8.xml><?xml version="1.0" encoding="utf-8"?>
+<p:notes xmlns:a="http://schemas.openxmlformats.org/drawingml/2006/main" xmlns:r="http://schemas.openxmlformats.org/officeDocument/2006/relationships" xmlns:p="http://schemas.openxmlformats.org/presentationml/2006/main">
+  <p:cSld>
+    <p:spTree>
+      <p:nvGrpSpPr>
+        <p:cNvPr id="1" name=""/>
+        <p:cNvGrpSpPr/>
+        <p:nvPr/>
+      </p:nvGrpSpPr>
+      <p:grpSpPr>
+        <a:xfrm>
+          <a:off x="0" y="0"/>
+          <a:ext cx="0" cy="0"/>
+          <a:chOff x="0" y="0"/>
+          <a:chExt cx="0" cy="0"/>
+        </a:xfrm>
+      </p:grpSpPr>
+      <p:sp>
+        <p:nvSpPr>
+          <p:cNvPr id="2" name="Slide Image Placeholder 1"/>
+          <p:cNvSpPr>
+            <a:spLocks noGrp="1" noRot="1" noChangeAspect="1"/>
+          </p:cNvSpPr>
+          <p:nvPr>
+            <p:ph type="sldImg"/>
+          </p:nvPr>
+        </p:nvSpPr>
+        <p:spPr/>
+      </p:sp>
+      <p:sp>
+        <p:nvSpPr>
+          <p:cNvPr id="3" name="Notes Placeholder 2"/>
+          <p:cNvSpPr>
+            <a:spLocks noGrp="1"/>
+          </p:cNvSpPr>
+          <p:nvPr>
+            <p:ph type="body" idx="1"/>
+          </p:nvPr>
+        </p:nvSpPr>
+        <p:spPr/>
+        <p:txBody>
+          <a:bodyPr/>
+          <a:lstStyle/>
+          <a:p>
+            <a:pPr marL="171450" indent="-171450">
+              <a:buFontTx/>
+              <a:buChar char="-"/>
+            </a:pPr>
+            <a:r>
+              <a:rPr lang="en-US" dirty="0"/>
+              <a:t>Simulated</a:t>
+            </a:r>
+            <a:r>
+              <a:rPr lang="en-US" baseline="0" dirty="0"/>
+              <a:t> transit buses as </a:t>
+            </a:r>
+            <a:r>
+              <a:rPr lang="en-US" baseline="0" dirty="0" err="1"/>
+              <a:t>IoT</a:t>
+            </a:r>
+            <a:r>
+              <a:rPr lang="en-US" baseline="0" dirty="0"/>
+              <a:t> “devices” that report status (remote monitoring)</a:t>
+            </a:r>
+          </a:p>
+          <a:p>
+            <a:pPr marL="171450" indent="-171450">
+              <a:buFontTx/>
+              <a:buChar char="-"/>
+            </a:pPr>
+            <a:r>
+              <a:rPr lang="en-US" baseline="0" dirty="0"/>
+              <a:t>Talk to Azure </a:t>
+            </a:r>
+            <a:r>
+              <a:rPr lang="en-US" baseline="0" dirty="0" err="1"/>
+              <a:t>IoT</a:t>
+            </a:r>
+            <a:r>
+              <a:rPr lang="en-US" baseline="0" dirty="0"/>
+              <a:t> Hub which exposes 3 consumer groups</a:t>
+            </a:r>
+          </a:p>
+          <a:p>
+            <a:pPr marL="171450" indent="-171450">
+              <a:buFontTx/>
+              <a:buChar char="-"/>
+            </a:pPr>
+            <a:r>
+              <a:rPr lang="en-US" baseline="0" dirty="0"/>
+              <a:t>Blob storage for archival</a:t>
+            </a:r>
+          </a:p>
+          <a:p>
+            <a:pPr marL="171450" indent="-171450">
+              <a:buFontTx/>
+              <a:buChar char="-"/>
+            </a:pPr>
+            <a:r>
+              <a:rPr lang="en-US" baseline="0" dirty="0" err="1"/>
+              <a:t>DocumentDB</a:t>
+            </a:r>
+            <a:r>
+              <a:rPr lang="en-US" baseline="0" dirty="0"/>
+              <a:t> for “current state”</a:t>
+            </a:r>
+          </a:p>
+          <a:p>
+            <a:pPr marL="171450" indent="-171450">
+              <a:buFontTx/>
+              <a:buChar char="-"/>
+            </a:pPr>
+            <a:r>
+              <a:rPr lang="en-US" baseline="0" dirty="0"/>
+              <a:t>Custom listener code for real-time updates on web portal </a:t>
+            </a:r>
+            <a:r>
+              <a:rPr lang="en-US" baseline="0"/>
+              <a:t>using Google Maps</a:t>
+            </a:r>
+          </a:p>
+          <a:p>
+            <a:pPr marL="0" indent="0">
+              <a:buFontTx/>
+              <a:buNone/>
+            </a:pPr>
+            <a:endParaRPr lang="en-US" baseline="0" dirty="0"/>
+          </a:p>
+        </p:txBody>
+      </p:sp>
+      <p:sp>
+        <p:nvSpPr>
+          <p:cNvPr id="4" name="Slide Number Placeholder 3"/>
+          <p:cNvSpPr>
+            <a:spLocks noGrp="1"/>
+          </p:cNvSpPr>
+          <p:nvPr>
+            <p:ph type="sldNum" sz="quarter" idx="10"/>
+          </p:nvPr>
+        </p:nvSpPr>
+        <p:spPr/>
+        <p:txBody>
+          <a:bodyPr/>
+          <a:lstStyle/>
+          <a:p>
+            <a:fld id="{F780F3C0-0E75-4F44-8146-5496C4D61B62}" type="slidenum">
+              <a:rPr lang="en-US" smtClean="0"/>
+              <a:t>14</a:t>
+            </a:fld>
+            <a:endParaRPr lang="en-US"/>
+          </a:p>
+        </p:txBody>
+      </p:sp>
+    </p:spTree>
+    <p:extLst>
+      <p:ext uri="{BB962C8B-B14F-4D97-AF65-F5344CB8AC3E}">
+        <p14:creationId xmlns:p14="http://schemas.microsoft.com/office/powerpoint/2010/main" val="2033836223"/>
+      </p:ext>
+    </p:extLst>
+  </p:cSld>
+  <p:clrMapOvr>
+    <a:masterClrMapping/>
+  </p:clrMapOvr>
+</p:notes>
+</file>
+
+<file path=ppt/notesSlides/notesSlide9.xml><?xml version="1.0" encoding="utf-8"?>
+<p:notes xmlns:a="http://schemas.openxmlformats.org/drawingml/2006/main" xmlns:r="http://schemas.openxmlformats.org/officeDocument/2006/relationships" xmlns:p="http://schemas.openxmlformats.org/presentationml/2006/main">
+  <p:cSld>
+    <p:spTree>
+      <p:nvGrpSpPr>
+        <p:cNvPr id="1" name=""/>
+        <p:cNvGrpSpPr/>
+        <p:nvPr/>
+      </p:nvGrpSpPr>
+      <p:grpSpPr>
+        <a:xfrm>
+          <a:off x="0" y="0"/>
+          <a:ext cx="0" cy="0"/>
+          <a:chOff x="0" y="0"/>
+          <a:chExt cx="0" cy="0"/>
+        </a:xfrm>
+      </p:grpSpPr>
+      <p:sp>
+        <p:nvSpPr>
+          <p:cNvPr id="2" name="Slide Image Placeholder 1"/>
+          <p:cNvSpPr>
+            <a:spLocks noGrp="1" noRot="1" noChangeAspect="1"/>
+          </p:cNvSpPr>
+          <p:nvPr>
+            <p:ph type="sldImg"/>
+          </p:nvPr>
+        </p:nvSpPr>
+        <p:spPr/>
+      </p:sp>
+      <p:sp>
+        <p:nvSpPr>
+          <p:cNvPr id="3" name="Notes Placeholder 2"/>
+          <p:cNvSpPr>
+            <a:spLocks noGrp="1"/>
+          </p:cNvSpPr>
+          <p:nvPr>
+            <p:ph type="body" idx="1"/>
+          </p:nvPr>
+        </p:nvSpPr>
+        <p:spPr/>
+        <p:txBody>
+          <a:bodyPr/>
+          <a:lstStyle/>
+          <a:p>
             <a:pPr marL="171450" indent="-171450">
               <a:buFontTx/>
               <a:buChar char="-"/>
@@ -1173,7 +1990,7 @@
             <a:fld id="{B01F9CA3-105E-4857-9057-6DB6197DA786}" type="datetimeFigureOut">
               <a:rPr lang="en-US" smtClean="0"/>
               <a:pPr/>
-              <a:t>10/9/2016</a:t>
+              <a:t>10/12/2016</a:t>
             </a:fld>
             <a:endParaRPr lang="en-US"/>
           </a:p>
@@ -1382,7 +2199,7 @@
             <a:fld id="{B01F9CA3-105E-4857-9057-6DB6197DA786}" type="datetimeFigureOut">
               <a:rPr lang="en-US" smtClean="0"/>
               <a:pPr/>
-              <a:t>10/9/2016</a:t>
+              <a:t>10/12/2016</a:t>
             </a:fld>
             <a:endParaRPr lang="en-US"/>
           </a:p>
@@ -3039,7 +3856,7 @@
             <a:fld id="{B01F9CA3-105E-4857-9057-6DB6197DA786}" type="datetimeFigureOut">
               <a:rPr lang="en-US" smtClean="0"/>
               <a:pPr/>
-              <a:t>10/9/2016</a:t>
+              <a:t>10/12/2016</a:t>
             </a:fld>
             <a:endParaRPr lang="en-US"/>
           </a:p>
@@ -3333,7 +4150,7 @@
             <a:fld id="{B01F9CA3-105E-4857-9057-6DB6197DA786}" type="datetimeFigureOut">
               <a:rPr lang="en-US" smtClean="0"/>
               <a:pPr/>
-              <a:t>10/9/2016</a:t>
+              <a:t>10/12/2016</a:t>
             </a:fld>
             <a:endParaRPr lang="en-US"/>
           </a:p>
@@ -3621,7 +4438,7 @@
             <a:fld id="{B01F9CA3-105E-4857-9057-6DB6197DA786}" type="datetimeFigureOut">
               <a:rPr lang="en-US" smtClean="0"/>
               <a:pPr/>
-              <a:t>10/9/2016</a:t>
+              <a:t>10/12/2016</a:t>
             </a:fld>
             <a:endParaRPr lang="en-US"/>
           </a:p>
@@ -3815,7 +4632,7 @@
             <a:fld id="{B01F9CA3-105E-4857-9057-6DB6197DA786}" type="datetimeFigureOut">
               <a:rPr lang="en-US" smtClean="0"/>
               <a:pPr/>
-              <a:t>10/9/2016</a:t>
+              <a:t>10/12/2016</a:t>
             </a:fld>
             <a:endParaRPr lang="en-US"/>
           </a:p>
@@ -3992,7 +4809,7 @@
             <a:fld id="{B01F9CA3-105E-4857-9057-6DB6197DA786}" type="datetimeFigureOut">
               <a:rPr lang="en-US" smtClean="0"/>
               <a:pPr/>
-              <a:t>10/9/2016</a:t>
+              <a:t>10/12/2016</a:t>
             </a:fld>
             <a:endParaRPr lang="en-US"/>
           </a:p>
@@ -4152,7 +4969,7 @@
             <a:fld id="{B01F9CA3-105E-4857-9057-6DB6197DA786}" type="datetimeFigureOut">
               <a:rPr lang="en-US" smtClean="0"/>
               <a:pPr/>
-              <a:t>10/9/2016</a:t>
+              <a:t>10/12/2016</a:t>
             </a:fld>
             <a:endParaRPr lang="en-US"/>
           </a:p>
@@ -4312,7 +5129,7 @@
             <a:fld id="{B01F9CA3-105E-4857-9057-6DB6197DA786}" type="datetimeFigureOut">
               <a:rPr lang="en-US" smtClean="0"/>
               <a:pPr/>
-              <a:t>10/9/2016</a:t>
+              <a:t>10/12/2016</a:t>
             </a:fld>
             <a:endParaRPr lang="en-US"/>
           </a:p>
@@ -4561,7 +5378,7 @@
             <a:fld id="{B01F9CA3-105E-4857-9057-6DB6197DA786}" type="datetimeFigureOut">
               <a:rPr lang="en-US" smtClean="0"/>
               <a:pPr/>
-              <a:t>10/9/2016</a:t>
+              <a:t>10/12/2016</a:t>
             </a:fld>
             <a:endParaRPr lang="en-US"/>
           </a:p>
@@ -4799,7 +5616,7 @@
             <a:fld id="{B01F9CA3-105E-4857-9057-6DB6197DA786}" type="datetimeFigureOut">
               <a:rPr lang="en-US" smtClean="0"/>
               <a:pPr/>
-              <a:t>10/9/2016</a:t>
+              <a:t>10/12/2016</a:t>
             </a:fld>
             <a:endParaRPr lang="en-US"/>
           </a:p>
@@ -5441,7 +6258,7 @@
             <a:fld id="{B01F9CA3-105E-4857-9057-6DB6197DA786}" type="datetimeFigureOut">
               <a:rPr lang="en-US" smtClean="0"/>
               <a:pPr/>
-              <a:t>10/9/2016</a:t>
+              <a:t>10/12/2016</a:t>
             </a:fld>
             <a:endParaRPr lang="en-US"/>
           </a:p>
@@ -6594,6 +7411,503 @@
   <p:clrMapOvr>
     <a:masterClrMapping/>
   </p:clrMapOvr>
+  <p:timing>
+    <p:tnLst>
+      <p:par>
+        <p:cTn id="1" dur="indefinite" restart="never" nodeType="tmRoot">
+          <p:childTnLst>
+            <p:seq concurrent="1" nextAc="seek">
+              <p:cTn id="2" dur="indefinite" nodeType="mainSeq">
+                <p:childTnLst>
+                  <p:par>
+                    <p:cTn id="3" fill="hold">
+                      <p:stCondLst>
+                        <p:cond delay="indefinite"/>
+                      </p:stCondLst>
+                      <p:childTnLst>
+                        <p:par>
+                          <p:cTn id="4" fill="hold">
+                            <p:stCondLst>
+                              <p:cond delay="0"/>
+                            </p:stCondLst>
+                            <p:childTnLst>
+                              <p:par>
+                                <p:cTn id="5" presetID="1" presetClass="entr" presetSubtype="0" fill="hold" nodeType="clickEffect">
+                                  <p:stCondLst>
+                                    <p:cond delay="0"/>
+                                  </p:stCondLst>
+                                  <p:childTnLst>
+                                    <p:set>
+                                      <p:cBhvr>
+                                        <p:cTn id="6" dur="1" fill="hold">
+                                          <p:stCondLst>
+                                            <p:cond delay="0"/>
+                                          </p:stCondLst>
+                                        </p:cTn>
+                                        <p:tgtEl>
+                                          <p:spTgt spid="6">
+                                            <p:txEl>
+                                              <p:pRg st="0" end="0"/>
+                                            </p:txEl>
+                                          </p:spTgt>
+                                        </p:tgtEl>
+                                        <p:attrNameLst>
+                                          <p:attrName>style.visibility</p:attrName>
+                                        </p:attrNameLst>
+                                      </p:cBhvr>
+                                      <p:to>
+                                        <p:strVal val="visible"/>
+                                      </p:to>
+                                    </p:set>
+                                  </p:childTnLst>
+                                </p:cTn>
+                              </p:par>
+                            </p:childTnLst>
+                          </p:cTn>
+                        </p:par>
+                      </p:childTnLst>
+                    </p:cTn>
+                  </p:par>
+                  <p:par>
+                    <p:cTn id="7" fill="hold">
+                      <p:stCondLst>
+                        <p:cond delay="indefinite"/>
+                      </p:stCondLst>
+                      <p:childTnLst>
+                        <p:par>
+                          <p:cTn id="8" fill="hold">
+                            <p:stCondLst>
+                              <p:cond delay="0"/>
+                            </p:stCondLst>
+                            <p:childTnLst>
+                              <p:par>
+                                <p:cTn id="9" presetID="1" presetClass="entr" presetSubtype="0" fill="hold" nodeType="clickEffect">
+                                  <p:stCondLst>
+                                    <p:cond delay="0"/>
+                                  </p:stCondLst>
+                                  <p:childTnLst>
+                                    <p:set>
+                                      <p:cBhvr>
+                                        <p:cTn id="10" dur="1" fill="hold">
+                                          <p:stCondLst>
+                                            <p:cond delay="0"/>
+                                          </p:stCondLst>
+                                        </p:cTn>
+                                        <p:tgtEl>
+                                          <p:spTgt spid="6">
+                                            <p:txEl>
+                                              <p:pRg st="1" end="1"/>
+                                            </p:txEl>
+                                          </p:spTgt>
+                                        </p:tgtEl>
+                                        <p:attrNameLst>
+                                          <p:attrName>style.visibility</p:attrName>
+                                        </p:attrNameLst>
+                                      </p:cBhvr>
+                                      <p:to>
+                                        <p:strVal val="visible"/>
+                                      </p:to>
+                                    </p:set>
+                                  </p:childTnLst>
+                                </p:cTn>
+                              </p:par>
+                            </p:childTnLst>
+                          </p:cTn>
+                        </p:par>
+                      </p:childTnLst>
+                    </p:cTn>
+                  </p:par>
+                  <p:par>
+                    <p:cTn id="11" fill="hold">
+                      <p:stCondLst>
+                        <p:cond delay="indefinite"/>
+                      </p:stCondLst>
+                      <p:childTnLst>
+                        <p:par>
+                          <p:cTn id="12" fill="hold">
+                            <p:stCondLst>
+                              <p:cond delay="0"/>
+                            </p:stCondLst>
+                            <p:childTnLst>
+                              <p:par>
+                                <p:cTn id="13" presetID="1" presetClass="entr" presetSubtype="0" fill="hold" nodeType="clickEffect">
+                                  <p:stCondLst>
+                                    <p:cond delay="0"/>
+                                  </p:stCondLst>
+                                  <p:childTnLst>
+                                    <p:set>
+                                      <p:cBhvr>
+                                        <p:cTn id="14" dur="1" fill="hold">
+                                          <p:stCondLst>
+                                            <p:cond delay="0"/>
+                                          </p:stCondLst>
+                                        </p:cTn>
+                                        <p:tgtEl>
+                                          <p:spTgt spid="6">
+                                            <p:txEl>
+                                              <p:pRg st="2" end="2"/>
+                                            </p:txEl>
+                                          </p:spTgt>
+                                        </p:tgtEl>
+                                        <p:attrNameLst>
+                                          <p:attrName>style.visibility</p:attrName>
+                                        </p:attrNameLst>
+                                      </p:cBhvr>
+                                      <p:to>
+                                        <p:strVal val="visible"/>
+                                      </p:to>
+                                    </p:set>
+                                  </p:childTnLst>
+                                </p:cTn>
+                              </p:par>
+                            </p:childTnLst>
+                          </p:cTn>
+                        </p:par>
+                      </p:childTnLst>
+                    </p:cTn>
+                  </p:par>
+                  <p:par>
+                    <p:cTn id="15" fill="hold">
+                      <p:stCondLst>
+                        <p:cond delay="indefinite"/>
+                      </p:stCondLst>
+                      <p:childTnLst>
+                        <p:par>
+                          <p:cTn id="16" fill="hold">
+                            <p:stCondLst>
+                              <p:cond delay="0"/>
+                            </p:stCondLst>
+                            <p:childTnLst>
+                              <p:par>
+                                <p:cTn id="17" presetID="1" presetClass="entr" presetSubtype="0" fill="hold" nodeType="clickEffect">
+                                  <p:stCondLst>
+                                    <p:cond delay="0"/>
+                                  </p:stCondLst>
+                                  <p:childTnLst>
+                                    <p:set>
+                                      <p:cBhvr>
+                                        <p:cTn id="18" dur="1" fill="hold">
+                                          <p:stCondLst>
+                                            <p:cond delay="0"/>
+                                          </p:stCondLst>
+                                        </p:cTn>
+                                        <p:tgtEl>
+                                          <p:spTgt spid="6">
+                                            <p:txEl>
+                                              <p:pRg st="3" end="3"/>
+                                            </p:txEl>
+                                          </p:spTgt>
+                                        </p:tgtEl>
+                                        <p:attrNameLst>
+                                          <p:attrName>style.visibility</p:attrName>
+                                        </p:attrNameLst>
+                                      </p:cBhvr>
+                                      <p:to>
+                                        <p:strVal val="visible"/>
+                                      </p:to>
+                                    </p:set>
+                                  </p:childTnLst>
+                                </p:cTn>
+                              </p:par>
+                              <p:par>
+                                <p:cTn id="19" presetID="1" presetClass="entr" presetSubtype="0" fill="hold" nodeType="withEffect">
+                                  <p:stCondLst>
+                                    <p:cond delay="0"/>
+                                  </p:stCondLst>
+                                  <p:childTnLst>
+                                    <p:set>
+                                      <p:cBhvr>
+                                        <p:cTn id="20" dur="1" fill="hold">
+                                          <p:stCondLst>
+                                            <p:cond delay="0"/>
+                                          </p:stCondLst>
+                                        </p:cTn>
+                                        <p:tgtEl>
+                                          <p:spTgt spid="6">
+                                            <p:txEl>
+                                              <p:pRg st="4" end="4"/>
+                                            </p:txEl>
+                                          </p:spTgt>
+                                        </p:tgtEl>
+                                        <p:attrNameLst>
+                                          <p:attrName>style.visibility</p:attrName>
+                                        </p:attrNameLst>
+                                      </p:cBhvr>
+                                      <p:to>
+                                        <p:strVal val="visible"/>
+                                      </p:to>
+                                    </p:set>
+                                  </p:childTnLst>
+                                </p:cTn>
+                              </p:par>
+                              <p:par>
+                                <p:cTn id="21" presetID="1" presetClass="entr" presetSubtype="0" fill="hold" nodeType="withEffect">
+                                  <p:stCondLst>
+                                    <p:cond delay="0"/>
+                                  </p:stCondLst>
+                                  <p:childTnLst>
+                                    <p:set>
+                                      <p:cBhvr>
+                                        <p:cTn id="22" dur="1" fill="hold">
+                                          <p:stCondLst>
+                                            <p:cond delay="0"/>
+                                          </p:stCondLst>
+                                        </p:cTn>
+                                        <p:tgtEl>
+                                          <p:spTgt spid="6">
+                                            <p:txEl>
+                                              <p:pRg st="5" end="5"/>
+                                            </p:txEl>
+                                          </p:spTgt>
+                                        </p:tgtEl>
+                                        <p:attrNameLst>
+                                          <p:attrName>style.visibility</p:attrName>
+                                        </p:attrNameLst>
+                                      </p:cBhvr>
+                                      <p:to>
+                                        <p:strVal val="visible"/>
+                                      </p:to>
+                                    </p:set>
+                                  </p:childTnLst>
+                                </p:cTn>
+                              </p:par>
+                            </p:childTnLst>
+                          </p:cTn>
+                        </p:par>
+                      </p:childTnLst>
+                    </p:cTn>
+                  </p:par>
+                  <p:par>
+                    <p:cTn id="23" fill="hold">
+                      <p:stCondLst>
+                        <p:cond delay="indefinite"/>
+                      </p:stCondLst>
+                      <p:childTnLst>
+                        <p:par>
+                          <p:cTn id="24" fill="hold">
+                            <p:stCondLst>
+                              <p:cond delay="0"/>
+                            </p:stCondLst>
+                            <p:childTnLst>
+                              <p:par>
+                                <p:cTn id="25" presetID="1" presetClass="entr" presetSubtype="0" fill="hold" nodeType="clickEffect">
+                                  <p:stCondLst>
+                                    <p:cond delay="0"/>
+                                  </p:stCondLst>
+                                  <p:childTnLst>
+                                    <p:set>
+                                      <p:cBhvr>
+                                        <p:cTn id="26" dur="1" fill="hold">
+                                          <p:stCondLst>
+                                            <p:cond delay="0"/>
+                                          </p:stCondLst>
+                                        </p:cTn>
+                                        <p:tgtEl>
+                                          <p:spTgt spid="6">
+                                            <p:txEl>
+                                              <p:pRg st="6" end="6"/>
+                                            </p:txEl>
+                                          </p:spTgt>
+                                        </p:tgtEl>
+                                        <p:attrNameLst>
+                                          <p:attrName>style.visibility</p:attrName>
+                                        </p:attrNameLst>
+                                      </p:cBhvr>
+                                      <p:to>
+                                        <p:strVal val="visible"/>
+                                      </p:to>
+                                    </p:set>
+                                  </p:childTnLst>
+                                </p:cTn>
+                              </p:par>
+                              <p:par>
+                                <p:cTn id="27" presetID="1" presetClass="entr" presetSubtype="0" fill="hold" nodeType="withEffect">
+                                  <p:stCondLst>
+                                    <p:cond delay="0"/>
+                                  </p:stCondLst>
+                                  <p:childTnLst>
+                                    <p:set>
+                                      <p:cBhvr>
+                                        <p:cTn id="28" dur="1" fill="hold">
+                                          <p:stCondLst>
+                                            <p:cond delay="0"/>
+                                          </p:stCondLst>
+                                        </p:cTn>
+                                        <p:tgtEl>
+                                          <p:spTgt spid="6">
+                                            <p:txEl>
+                                              <p:pRg st="7" end="7"/>
+                                            </p:txEl>
+                                          </p:spTgt>
+                                        </p:tgtEl>
+                                        <p:attrNameLst>
+                                          <p:attrName>style.visibility</p:attrName>
+                                        </p:attrNameLst>
+                                      </p:cBhvr>
+                                      <p:to>
+                                        <p:strVal val="visible"/>
+                                      </p:to>
+                                    </p:set>
+                                  </p:childTnLst>
+                                </p:cTn>
+                              </p:par>
+                            </p:childTnLst>
+                          </p:cTn>
+                        </p:par>
+                      </p:childTnLst>
+                    </p:cTn>
+                  </p:par>
+                  <p:par>
+                    <p:cTn id="29" fill="hold">
+                      <p:stCondLst>
+                        <p:cond delay="indefinite"/>
+                      </p:stCondLst>
+                      <p:childTnLst>
+                        <p:par>
+                          <p:cTn id="30" fill="hold">
+                            <p:stCondLst>
+                              <p:cond delay="0"/>
+                            </p:stCondLst>
+                            <p:childTnLst>
+                              <p:par>
+                                <p:cTn id="31" presetID="1" presetClass="entr" presetSubtype="0" fill="hold" nodeType="clickEffect">
+                                  <p:stCondLst>
+                                    <p:cond delay="0"/>
+                                  </p:stCondLst>
+                                  <p:childTnLst>
+                                    <p:set>
+                                      <p:cBhvr>
+                                        <p:cTn id="32" dur="1" fill="hold">
+                                          <p:stCondLst>
+                                            <p:cond delay="0"/>
+                                          </p:stCondLst>
+                                        </p:cTn>
+                                        <p:tgtEl>
+                                          <p:spTgt spid="6">
+                                            <p:txEl>
+                                              <p:pRg st="8" end="8"/>
+                                            </p:txEl>
+                                          </p:spTgt>
+                                        </p:tgtEl>
+                                        <p:attrNameLst>
+                                          <p:attrName>style.visibility</p:attrName>
+                                        </p:attrNameLst>
+                                      </p:cBhvr>
+                                      <p:to>
+                                        <p:strVal val="visible"/>
+                                      </p:to>
+                                    </p:set>
+                                  </p:childTnLst>
+                                </p:cTn>
+                              </p:par>
+                              <p:par>
+                                <p:cTn id="33" presetID="1" presetClass="entr" presetSubtype="0" fill="hold" nodeType="withEffect">
+                                  <p:stCondLst>
+                                    <p:cond delay="0"/>
+                                  </p:stCondLst>
+                                  <p:childTnLst>
+                                    <p:set>
+                                      <p:cBhvr>
+                                        <p:cTn id="34" dur="1" fill="hold">
+                                          <p:stCondLst>
+                                            <p:cond delay="0"/>
+                                          </p:stCondLst>
+                                        </p:cTn>
+                                        <p:tgtEl>
+                                          <p:spTgt spid="6">
+                                            <p:txEl>
+                                              <p:pRg st="9" end="9"/>
+                                            </p:txEl>
+                                          </p:spTgt>
+                                        </p:tgtEl>
+                                        <p:attrNameLst>
+                                          <p:attrName>style.visibility</p:attrName>
+                                        </p:attrNameLst>
+                                      </p:cBhvr>
+                                      <p:to>
+                                        <p:strVal val="visible"/>
+                                      </p:to>
+                                    </p:set>
+                                  </p:childTnLst>
+                                </p:cTn>
+                              </p:par>
+                            </p:childTnLst>
+                          </p:cTn>
+                        </p:par>
+                      </p:childTnLst>
+                    </p:cTn>
+                  </p:par>
+                  <p:par>
+                    <p:cTn id="35" fill="hold">
+                      <p:stCondLst>
+                        <p:cond delay="indefinite"/>
+                      </p:stCondLst>
+                      <p:childTnLst>
+                        <p:par>
+                          <p:cTn id="36" fill="hold">
+                            <p:stCondLst>
+                              <p:cond delay="0"/>
+                            </p:stCondLst>
+                            <p:childTnLst>
+                              <p:par>
+                                <p:cTn id="37" presetID="1" presetClass="entr" presetSubtype="0" fill="hold" nodeType="clickEffect">
+                                  <p:stCondLst>
+                                    <p:cond delay="0"/>
+                                  </p:stCondLst>
+                                  <p:childTnLst>
+                                    <p:set>
+                                      <p:cBhvr>
+                                        <p:cTn id="38" dur="1" fill="hold">
+                                          <p:stCondLst>
+                                            <p:cond delay="0"/>
+                                          </p:stCondLst>
+                                        </p:cTn>
+                                        <p:tgtEl>
+                                          <p:spTgt spid="6">
+                                            <p:txEl>
+                                              <p:pRg st="10" end="10"/>
+                                            </p:txEl>
+                                          </p:spTgt>
+                                        </p:tgtEl>
+                                        <p:attrNameLst>
+                                          <p:attrName>style.visibility</p:attrName>
+                                        </p:attrNameLst>
+                                      </p:cBhvr>
+                                      <p:to>
+                                        <p:strVal val="visible"/>
+                                      </p:to>
+                                    </p:set>
+                                  </p:childTnLst>
+                                </p:cTn>
+                              </p:par>
+                            </p:childTnLst>
+                          </p:cTn>
+                        </p:par>
+                      </p:childTnLst>
+                    </p:cTn>
+                  </p:par>
+                </p:childTnLst>
+              </p:cTn>
+              <p:prevCondLst>
+                <p:cond evt="onPrev" delay="0">
+                  <p:tgtEl>
+                    <p:sldTgt/>
+                  </p:tgtEl>
+                </p:cond>
+              </p:prevCondLst>
+              <p:nextCondLst>
+                <p:cond evt="onNext" delay="0">
+                  <p:tgtEl>
+                    <p:sldTgt/>
+                  </p:tgtEl>
+                </p:cond>
+              </p:nextCondLst>
+            </p:seq>
+          </p:childTnLst>
+        </p:cTn>
+      </p:par>
+    </p:tnLst>
+  </p:timing>
 </p:sld>
 </file>
 
@@ -6731,6 +8045,405 @@
   <p:clrMapOvr>
     <a:masterClrMapping/>
   </p:clrMapOvr>
+  <p:timing>
+    <p:tnLst>
+      <p:par>
+        <p:cTn id="1" dur="indefinite" restart="never" nodeType="tmRoot">
+          <p:childTnLst>
+            <p:seq concurrent="1" nextAc="seek">
+              <p:cTn id="2" dur="indefinite" nodeType="mainSeq">
+                <p:childTnLst>
+                  <p:par>
+                    <p:cTn id="3" fill="hold">
+                      <p:stCondLst>
+                        <p:cond delay="indefinite"/>
+                      </p:stCondLst>
+                      <p:childTnLst>
+                        <p:par>
+                          <p:cTn id="4" fill="hold">
+                            <p:stCondLst>
+                              <p:cond delay="0"/>
+                            </p:stCondLst>
+                            <p:childTnLst>
+                              <p:par>
+                                <p:cTn id="5" presetID="1" presetClass="entr" presetSubtype="0" fill="hold" nodeType="clickEffect">
+                                  <p:stCondLst>
+                                    <p:cond delay="0"/>
+                                  </p:stCondLst>
+                                  <p:childTnLst>
+                                    <p:set>
+                                      <p:cBhvr>
+                                        <p:cTn id="6" dur="1" fill="hold">
+                                          <p:stCondLst>
+                                            <p:cond delay="0"/>
+                                          </p:stCondLst>
+                                        </p:cTn>
+                                        <p:tgtEl>
+                                          <p:spTgt spid="6">
+                                            <p:txEl>
+                                              <p:pRg st="0" end="0"/>
+                                            </p:txEl>
+                                          </p:spTgt>
+                                        </p:tgtEl>
+                                        <p:attrNameLst>
+                                          <p:attrName>style.visibility</p:attrName>
+                                        </p:attrNameLst>
+                                      </p:cBhvr>
+                                      <p:to>
+                                        <p:strVal val="visible"/>
+                                      </p:to>
+                                    </p:set>
+                                  </p:childTnLst>
+                                </p:cTn>
+                              </p:par>
+                              <p:par>
+                                <p:cTn id="7" presetID="1" presetClass="entr" presetSubtype="0" fill="hold" nodeType="withEffect">
+                                  <p:stCondLst>
+                                    <p:cond delay="0"/>
+                                  </p:stCondLst>
+                                  <p:childTnLst>
+                                    <p:set>
+                                      <p:cBhvr>
+                                        <p:cTn id="8" dur="1" fill="hold">
+                                          <p:stCondLst>
+                                            <p:cond delay="0"/>
+                                          </p:stCondLst>
+                                        </p:cTn>
+                                        <p:tgtEl>
+                                          <p:spTgt spid="6">
+                                            <p:txEl>
+                                              <p:pRg st="1" end="1"/>
+                                            </p:txEl>
+                                          </p:spTgt>
+                                        </p:tgtEl>
+                                        <p:attrNameLst>
+                                          <p:attrName>style.visibility</p:attrName>
+                                        </p:attrNameLst>
+                                      </p:cBhvr>
+                                      <p:to>
+                                        <p:strVal val="visible"/>
+                                      </p:to>
+                                    </p:set>
+                                  </p:childTnLst>
+                                </p:cTn>
+                              </p:par>
+                              <p:par>
+                                <p:cTn id="9" presetID="1" presetClass="entr" presetSubtype="0" fill="hold" nodeType="withEffect">
+                                  <p:stCondLst>
+                                    <p:cond delay="0"/>
+                                  </p:stCondLst>
+                                  <p:childTnLst>
+                                    <p:set>
+                                      <p:cBhvr>
+                                        <p:cTn id="10" dur="1" fill="hold">
+                                          <p:stCondLst>
+                                            <p:cond delay="0"/>
+                                          </p:stCondLst>
+                                        </p:cTn>
+                                        <p:tgtEl>
+                                          <p:spTgt spid="6">
+                                            <p:txEl>
+                                              <p:pRg st="2" end="2"/>
+                                            </p:txEl>
+                                          </p:spTgt>
+                                        </p:tgtEl>
+                                        <p:attrNameLst>
+                                          <p:attrName>style.visibility</p:attrName>
+                                        </p:attrNameLst>
+                                      </p:cBhvr>
+                                      <p:to>
+                                        <p:strVal val="visible"/>
+                                      </p:to>
+                                    </p:set>
+                                  </p:childTnLst>
+                                </p:cTn>
+                              </p:par>
+                            </p:childTnLst>
+                          </p:cTn>
+                        </p:par>
+                      </p:childTnLst>
+                    </p:cTn>
+                  </p:par>
+                  <p:par>
+                    <p:cTn id="11" fill="hold">
+                      <p:stCondLst>
+                        <p:cond delay="indefinite"/>
+                      </p:stCondLst>
+                      <p:childTnLst>
+                        <p:par>
+                          <p:cTn id="12" fill="hold">
+                            <p:stCondLst>
+                              <p:cond delay="0"/>
+                            </p:stCondLst>
+                            <p:childTnLst>
+                              <p:par>
+                                <p:cTn id="13" presetID="1" presetClass="entr" presetSubtype="0" fill="hold" nodeType="clickEffect">
+                                  <p:stCondLst>
+                                    <p:cond delay="0"/>
+                                  </p:stCondLst>
+                                  <p:childTnLst>
+                                    <p:set>
+                                      <p:cBhvr>
+                                        <p:cTn id="14" dur="1" fill="hold">
+                                          <p:stCondLst>
+                                            <p:cond delay="0"/>
+                                          </p:stCondLst>
+                                        </p:cTn>
+                                        <p:tgtEl>
+                                          <p:spTgt spid="6">
+                                            <p:txEl>
+                                              <p:pRg st="3" end="3"/>
+                                            </p:txEl>
+                                          </p:spTgt>
+                                        </p:tgtEl>
+                                        <p:attrNameLst>
+                                          <p:attrName>style.visibility</p:attrName>
+                                        </p:attrNameLst>
+                                      </p:cBhvr>
+                                      <p:to>
+                                        <p:strVal val="visible"/>
+                                      </p:to>
+                                    </p:set>
+                                  </p:childTnLst>
+                                </p:cTn>
+                              </p:par>
+                            </p:childTnLst>
+                          </p:cTn>
+                        </p:par>
+                      </p:childTnLst>
+                    </p:cTn>
+                  </p:par>
+                  <p:par>
+                    <p:cTn id="15" fill="hold">
+                      <p:stCondLst>
+                        <p:cond delay="indefinite"/>
+                      </p:stCondLst>
+                      <p:childTnLst>
+                        <p:par>
+                          <p:cTn id="16" fill="hold">
+                            <p:stCondLst>
+                              <p:cond delay="0"/>
+                            </p:stCondLst>
+                            <p:childTnLst>
+                              <p:par>
+                                <p:cTn id="17" presetID="1" presetClass="entr" presetSubtype="0" fill="hold" nodeType="clickEffect">
+                                  <p:stCondLst>
+                                    <p:cond delay="0"/>
+                                  </p:stCondLst>
+                                  <p:childTnLst>
+                                    <p:set>
+                                      <p:cBhvr>
+                                        <p:cTn id="18" dur="1" fill="hold">
+                                          <p:stCondLst>
+                                            <p:cond delay="0"/>
+                                          </p:stCondLst>
+                                        </p:cTn>
+                                        <p:tgtEl>
+                                          <p:spTgt spid="6">
+                                            <p:txEl>
+                                              <p:pRg st="4" end="4"/>
+                                            </p:txEl>
+                                          </p:spTgt>
+                                        </p:tgtEl>
+                                        <p:attrNameLst>
+                                          <p:attrName>style.visibility</p:attrName>
+                                        </p:attrNameLst>
+                                      </p:cBhvr>
+                                      <p:to>
+                                        <p:strVal val="visible"/>
+                                      </p:to>
+                                    </p:set>
+                                  </p:childTnLst>
+                                </p:cTn>
+                              </p:par>
+                            </p:childTnLst>
+                          </p:cTn>
+                        </p:par>
+                      </p:childTnLst>
+                    </p:cTn>
+                  </p:par>
+                  <p:par>
+                    <p:cTn id="19" fill="hold">
+                      <p:stCondLst>
+                        <p:cond delay="indefinite"/>
+                      </p:stCondLst>
+                      <p:childTnLst>
+                        <p:par>
+                          <p:cTn id="20" fill="hold">
+                            <p:stCondLst>
+                              <p:cond delay="0"/>
+                            </p:stCondLst>
+                            <p:childTnLst>
+                              <p:par>
+                                <p:cTn id="21" presetID="1" presetClass="entr" presetSubtype="0" fill="hold" nodeType="clickEffect">
+                                  <p:stCondLst>
+                                    <p:cond delay="0"/>
+                                  </p:stCondLst>
+                                  <p:childTnLst>
+                                    <p:set>
+                                      <p:cBhvr>
+                                        <p:cTn id="22" dur="1" fill="hold">
+                                          <p:stCondLst>
+                                            <p:cond delay="0"/>
+                                          </p:stCondLst>
+                                        </p:cTn>
+                                        <p:tgtEl>
+                                          <p:spTgt spid="6">
+                                            <p:txEl>
+                                              <p:pRg st="5" end="5"/>
+                                            </p:txEl>
+                                          </p:spTgt>
+                                        </p:tgtEl>
+                                        <p:attrNameLst>
+                                          <p:attrName>style.visibility</p:attrName>
+                                        </p:attrNameLst>
+                                      </p:cBhvr>
+                                      <p:to>
+                                        <p:strVal val="visible"/>
+                                      </p:to>
+                                    </p:set>
+                                  </p:childTnLst>
+                                </p:cTn>
+                              </p:par>
+                              <p:par>
+                                <p:cTn id="23" presetID="1" presetClass="entr" presetSubtype="0" fill="hold" nodeType="withEffect">
+                                  <p:stCondLst>
+                                    <p:cond delay="0"/>
+                                  </p:stCondLst>
+                                  <p:childTnLst>
+                                    <p:set>
+                                      <p:cBhvr>
+                                        <p:cTn id="24" dur="1" fill="hold">
+                                          <p:stCondLst>
+                                            <p:cond delay="0"/>
+                                          </p:stCondLst>
+                                        </p:cTn>
+                                        <p:tgtEl>
+                                          <p:spTgt spid="6">
+                                            <p:txEl>
+                                              <p:pRg st="6" end="6"/>
+                                            </p:txEl>
+                                          </p:spTgt>
+                                        </p:tgtEl>
+                                        <p:attrNameLst>
+                                          <p:attrName>style.visibility</p:attrName>
+                                        </p:attrNameLst>
+                                      </p:cBhvr>
+                                      <p:to>
+                                        <p:strVal val="visible"/>
+                                      </p:to>
+                                    </p:set>
+                                  </p:childTnLst>
+                                </p:cTn>
+                              </p:par>
+                              <p:par>
+                                <p:cTn id="25" presetID="1" presetClass="entr" presetSubtype="0" fill="hold" nodeType="withEffect">
+                                  <p:stCondLst>
+                                    <p:cond delay="0"/>
+                                  </p:stCondLst>
+                                  <p:childTnLst>
+                                    <p:set>
+                                      <p:cBhvr>
+                                        <p:cTn id="26" dur="1" fill="hold">
+                                          <p:stCondLst>
+                                            <p:cond delay="0"/>
+                                          </p:stCondLst>
+                                        </p:cTn>
+                                        <p:tgtEl>
+                                          <p:spTgt spid="6">
+                                            <p:txEl>
+                                              <p:pRg st="7" end="7"/>
+                                            </p:txEl>
+                                          </p:spTgt>
+                                        </p:tgtEl>
+                                        <p:attrNameLst>
+                                          <p:attrName>style.visibility</p:attrName>
+                                        </p:attrNameLst>
+                                      </p:cBhvr>
+                                      <p:to>
+                                        <p:strVal val="visible"/>
+                                      </p:to>
+                                    </p:set>
+                                  </p:childTnLst>
+                                </p:cTn>
+                              </p:par>
+                            </p:childTnLst>
+                          </p:cTn>
+                        </p:par>
+                      </p:childTnLst>
+                    </p:cTn>
+                  </p:par>
+                  <p:par>
+                    <p:cTn id="27" fill="hold">
+                      <p:stCondLst>
+                        <p:cond delay="indefinite"/>
+                      </p:stCondLst>
+                      <p:childTnLst>
+                        <p:par>
+                          <p:cTn id="28" fill="hold">
+                            <p:stCondLst>
+                              <p:cond delay="0"/>
+                            </p:stCondLst>
+                            <p:childTnLst>
+                              <p:par>
+                                <p:cTn id="29" presetID="1" presetClass="entr" presetSubtype="0" fill="hold" nodeType="clickEffect">
+                                  <p:stCondLst>
+                                    <p:cond delay="0"/>
+                                  </p:stCondLst>
+                                  <p:childTnLst>
+                                    <p:set>
+                                      <p:cBhvr>
+                                        <p:cTn id="30" dur="1" fill="hold">
+                                          <p:stCondLst>
+                                            <p:cond delay="0"/>
+                                          </p:stCondLst>
+                                        </p:cTn>
+                                        <p:tgtEl>
+                                          <p:spTgt spid="6">
+                                            <p:txEl>
+                                              <p:pRg st="8" end="8"/>
+                                            </p:txEl>
+                                          </p:spTgt>
+                                        </p:tgtEl>
+                                        <p:attrNameLst>
+                                          <p:attrName>style.visibility</p:attrName>
+                                        </p:attrNameLst>
+                                      </p:cBhvr>
+                                      <p:to>
+                                        <p:strVal val="visible"/>
+                                      </p:to>
+                                    </p:set>
+                                  </p:childTnLst>
+                                </p:cTn>
+                              </p:par>
+                            </p:childTnLst>
+                          </p:cTn>
+                        </p:par>
+                      </p:childTnLst>
+                    </p:cTn>
+                  </p:par>
+                </p:childTnLst>
+              </p:cTn>
+              <p:prevCondLst>
+                <p:cond evt="onPrev" delay="0">
+                  <p:tgtEl>
+                    <p:sldTgt/>
+                  </p:tgtEl>
+                </p:cond>
+              </p:prevCondLst>
+              <p:nextCondLst>
+                <p:cond evt="onNext" delay="0">
+                  <p:tgtEl>
+                    <p:sldTgt/>
+                  </p:tgtEl>
+                </p:cond>
+              </p:nextCondLst>
+            </p:seq>
+          </p:childTnLst>
+        </p:cTn>
+      </p:par>
+    </p:tnLst>
+  </p:timing>
 </p:sld>
 </file>
 
@@ -7000,7 +8713,7 @@
           <p:nvPr/>
         </p:nvPicPr>
         <p:blipFill>
-          <a:blip r:embed="rId2">
+          <a:blip r:embed="rId3">
             <a:extLst>
               <a:ext uri="{28A0092B-C50C-407E-A947-70E740481C1C}">
                 <a14:useLocalDpi xmlns:a14="http://schemas.microsoft.com/office/drawing/2010/main" val="0"/>
@@ -7203,6 +8916,374 @@
   <p:clrMapOvr>
     <a:masterClrMapping/>
   </p:clrMapOvr>
+  <p:timing>
+    <p:tnLst>
+      <p:par>
+        <p:cTn id="1" dur="indefinite" restart="never" nodeType="tmRoot">
+          <p:childTnLst>
+            <p:seq concurrent="1" nextAc="seek">
+              <p:cTn id="2" dur="indefinite" nodeType="mainSeq">
+                <p:childTnLst>
+                  <p:par>
+                    <p:cTn id="3" fill="hold">
+                      <p:stCondLst>
+                        <p:cond delay="indefinite"/>
+                      </p:stCondLst>
+                      <p:childTnLst>
+                        <p:par>
+                          <p:cTn id="4" fill="hold">
+                            <p:stCondLst>
+                              <p:cond delay="0"/>
+                            </p:stCondLst>
+                            <p:childTnLst>
+                              <p:par>
+                                <p:cTn id="5" presetID="1" presetClass="entr" presetSubtype="0" fill="hold" nodeType="clickEffect">
+                                  <p:stCondLst>
+                                    <p:cond delay="0"/>
+                                  </p:stCondLst>
+                                  <p:childTnLst>
+                                    <p:set>
+                                      <p:cBhvr>
+                                        <p:cTn id="6" dur="1" fill="hold">
+                                          <p:stCondLst>
+                                            <p:cond delay="0"/>
+                                          </p:stCondLst>
+                                        </p:cTn>
+                                        <p:tgtEl>
+                                          <p:spTgt spid="6">
+                                            <p:txEl>
+                                              <p:pRg st="0" end="0"/>
+                                            </p:txEl>
+                                          </p:spTgt>
+                                        </p:tgtEl>
+                                        <p:attrNameLst>
+                                          <p:attrName>style.visibility</p:attrName>
+                                        </p:attrNameLst>
+                                      </p:cBhvr>
+                                      <p:to>
+                                        <p:strVal val="visible"/>
+                                      </p:to>
+                                    </p:set>
+                                  </p:childTnLst>
+                                </p:cTn>
+                              </p:par>
+                            </p:childTnLst>
+                          </p:cTn>
+                        </p:par>
+                      </p:childTnLst>
+                    </p:cTn>
+                  </p:par>
+                  <p:par>
+                    <p:cTn id="7" fill="hold">
+                      <p:stCondLst>
+                        <p:cond delay="indefinite"/>
+                      </p:stCondLst>
+                      <p:childTnLst>
+                        <p:par>
+                          <p:cTn id="8" fill="hold">
+                            <p:stCondLst>
+                              <p:cond delay="0"/>
+                            </p:stCondLst>
+                            <p:childTnLst>
+                              <p:par>
+                                <p:cTn id="9" presetID="1" presetClass="entr" presetSubtype="0" fill="hold" nodeType="clickEffect">
+                                  <p:stCondLst>
+                                    <p:cond delay="0"/>
+                                  </p:stCondLst>
+                                  <p:childTnLst>
+                                    <p:set>
+                                      <p:cBhvr>
+                                        <p:cTn id="10" dur="1" fill="hold">
+                                          <p:stCondLst>
+                                            <p:cond delay="0"/>
+                                          </p:stCondLst>
+                                        </p:cTn>
+                                        <p:tgtEl>
+                                          <p:spTgt spid="6">
+                                            <p:txEl>
+                                              <p:pRg st="1" end="1"/>
+                                            </p:txEl>
+                                          </p:spTgt>
+                                        </p:tgtEl>
+                                        <p:attrNameLst>
+                                          <p:attrName>style.visibility</p:attrName>
+                                        </p:attrNameLst>
+                                      </p:cBhvr>
+                                      <p:to>
+                                        <p:strVal val="visible"/>
+                                      </p:to>
+                                    </p:set>
+                                  </p:childTnLst>
+                                </p:cTn>
+                              </p:par>
+                              <p:par>
+                                <p:cTn id="11" presetID="1" presetClass="entr" presetSubtype="0" fill="hold" nodeType="withEffect">
+                                  <p:stCondLst>
+                                    <p:cond delay="0"/>
+                                  </p:stCondLst>
+                                  <p:childTnLst>
+                                    <p:set>
+                                      <p:cBhvr>
+                                        <p:cTn id="12" dur="1" fill="hold">
+                                          <p:stCondLst>
+                                            <p:cond delay="0"/>
+                                          </p:stCondLst>
+                                        </p:cTn>
+                                        <p:tgtEl>
+                                          <p:spTgt spid="6">
+                                            <p:txEl>
+                                              <p:pRg st="2" end="2"/>
+                                            </p:txEl>
+                                          </p:spTgt>
+                                        </p:tgtEl>
+                                        <p:attrNameLst>
+                                          <p:attrName>style.visibility</p:attrName>
+                                        </p:attrNameLst>
+                                      </p:cBhvr>
+                                      <p:to>
+                                        <p:strVal val="visible"/>
+                                      </p:to>
+                                    </p:set>
+                                  </p:childTnLst>
+                                </p:cTn>
+                              </p:par>
+                              <p:par>
+                                <p:cTn id="13" presetID="1" presetClass="entr" presetSubtype="0" fill="hold" nodeType="withEffect">
+                                  <p:stCondLst>
+                                    <p:cond delay="0"/>
+                                  </p:stCondLst>
+                                  <p:childTnLst>
+                                    <p:set>
+                                      <p:cBhvr>
+                                        <p:cTn id="14" dur="1" fill="hold">
+                                          <p:stCondLst>
+                                            <p:cond delay="0"/>
+                                          </p:stCondLst>
+                                        </p:cTn>
+                                        <p:tgtEl>
+                                          <p:spTgt spid="6">
+                                            <p:txEl>
+                                              <p:pRg st="3" end="3"/>
+                                            </p:txEl>
+                                          </p:spTgt>
+                                        </p:tgtEl>
+                                        <p:attrNameLst>
+                                          <p:attrName>style.visibility</p:attrName>
+                                        </p:attrNameLst>
+                                      </p:cBhvr>
+                                      <p:to>
+                                        <p:strVal val="visible"/>
+                                      </p:to>
+                                    </p:set>
+                                  </p:childTnLst>
+                                </p:cTn>
+                              </p:par>
+                            </p:childTnLst>
+                          </p:cTn>
+                        </p:par>
+                      </p:childTnLst>
+                    </p:cTn>
+                  </p:par>
+                  <p:par>
+                    <p:cTn id="15" fill="hold">
+                      <p:stCondLst>
+                        <p:cond delay="indefinite"/>
+                      </p:stCondLst>
+                      <p:childTnLst>
+                        <p:par>
+                          <p:cTn id="16" fill="hold">
+                            <p:stCondLst>
+                              <p:cond delay="0"/>
+                            </p:stCondLst>
+                            <p:childTnLst>
+                              <p:par>
+                                <p:cTn id="17" presetID="1" presetClass="entr" presetSubtype="0" fill="hold" nodeType="clickEffect">
+                                  <p:stCondLst>
+                                    <p:cond delay="0"/>
+                                  </p:stCondLst>
+                                  <p:childTnLst>
+                                    <p:set>
+                                      <p:cBhvr>
+                                        <p:cTn id="18" dur="1" fill="hold">
+                                          <p:stCondLst>
+                                            <p:cond delay="0"/>
+                                          </p:stCondLst>
+                                        </p:cTn>
+                                        <p:tgtEl>
+                                          <p:spTgt spid="6">
+                                            <p:txEl>
+                                              <p:pRg st="4" end="4"/>
+                                            </p:txEl>
+                                          </p:spTgt>
+                                        </p:tgtEl>
+                                        <p:attrNameLst>
+                                          <p:attrName>style.visibility</p:attrName>
+                                        </p:attrNameLst>
+                                      </p:cBhvr>
+                                      <p:to>
+                                        <p:strVal val="visible"/>
+                                      </p:to>
+                                    </p:set>
+                                  </p:childTnLst>
+                                </p:cTn>
+                              </p:par>
+                            </p:childTnLst>
+                          </p:cTn>
+                        </p:par>
+                      </p:childTnLst>
+                    </p:cTn>
+                  </p:par>
+                  <p:par>
+                    <p:cTn id="19" fill="hold">
+                      <p:stCondLst>
+                        <p:cond delay="indefinite"/>
+                      </p:stCondLst>
+                      <p:childTnLst>
+                        <p:par>
+                          <p:cTn id="20" fill="hold">
+                            <p:stCondLst>
+                              <p:cond delay="0"/>
+                            </p:stCondLst>
+                            <p:childTnLst>
+                              <p:par>
+                                <p:cTn id="21" presetID="1" presetClass="entr" presetSubtype="0" fill="hold" nodeType="clickEffect">
+                                  <p:stCondLst>
+                                    <p:cond delay="0"/>
+                                  </p:stCondLst>
+                                  <p:childTnLst>
+                                    <p:set>
+                                      <p:cBhvr>
+                                        <p:cTn id="22" dur="1" fill="hold">
+                                          <p:stCondLst>
+                                            <p:cond delay="0"/>
+                                          </p:stCondLst>
+                                        </p:cTn>
+                                        <p:tgtEl>
+                                          <p:spTgt spid="6">
+                                            <p:txEl>
+                                              <p:pRg st="5" end="5"/>
+                                            </p:txEl>
+                                          </p:spTgt>
+                                        </p:tgtEl>
+                                        <p:attrNameLst>
+                                          <p:attrName>style.visibility</p:attrName>
+                                        </p:attrNameLst>
+                                      </p:cBhvr>
+                                      <p:to>
+                                        <p:strVal val="visible"/>
+                                      </p:to>
+                                    </p:set>
+                                  </p:childTnLst>
+                                </p:cTn>
+                              </p:par>
+                            </p:childTnLst>
+                          </p:cTn>
+                        </p:par>
+                      </p:childTnLst>
+                    </p:cTn>
+                  </p:par>
+                  <p:par>
+                    <p:cTn id="23" fill="hold">
+                      <p:stCondLst>
+                        <p:cond delay="indefinite"/>
+                      </p:stCondLst>
+                      <p:childTnLst>
+                        <p:par>
+                          <p:cTn id="24" fill="hold">
+                            <p:stCondLst>
+                              <p:cond delay="0"/>
+                            </p:stCondLst>
+                            <p:childTnLst>
+                              <p:par>
+                                <p:cTn id="25" presetID="1" presetClass="entr" presetSubtype="0" fill="hold" nodeType="clickEffect">
+                                  <p:stCondLst>
+                                    <p:cond delay="0"/>
+                                  </p:stCondLst>
+                                  <p:childTnLst>
+                                    <p:set>
+                                      <p:cBhvr>
+                                        <p:cTn id="26" dur="1" fill="hold">
+                                          <p:stCondLst>
+                                            <p:cond delay="0"/>
+                                          </p:stCondLst>
+                                        </p:cTn>
+                                        <p:tgtEl>
+                                          <p:spTgt spid="6">
+                                            <p:txEl>
+                                              <p:pRg st="6" end="6"/>
+                                            </p:txEl>
+                                          </p:spTgt>
+                                        </p:tgtEl>
+                                        <p:attrNameLst>
+                                          <p:attrName>style.visibility</p:attrName>
+                                        </p:attrNameLst>
+                                      </p:cBhvr>
+                                      <p:to>
+                                        <p:strVal val="visible"/>
+                                      </p:to>
+                                    </p:set>
+                                  </p:childTnLst>
+                                </p:cTn>
+                              </p:par>
+                              <p:par>
+                                <p:cTn id="27" presetID="1" presetClass="entr" presetSubtype="0" fill="hold" nodeType="withEffect">
+                                  <p:stCondLst>
+                                    <p:cond delay="0"/>
+                                  </p:stCondLst>
+                                  <p:childTnLst>
+                                    <p:set>
+                                      <p:cBhvr>
+                                        <p:cTn id="28" dur="1" fill="hold">
+                                          <p:stCondLst>
+                                            <p:cond delay="0"/>
+                                          </p:stCondLst>
+                                        </p:cTn>
+                                        <p:tgtEl>
+                                          <p:spTgt spid="6">
+                                            <p:txEl>
+                                              <p:pRg st="7" end="7"/>
+                                            </p:txEl>
+                                          </p:spTgt>
+                                        </p:tgtEl>
+                                        <p:attrNameLst>
+                                          <p:attrName>style.visibility</p:attrName>
+                                        </p:attrNameLst>
+                                      </p:cBhvr>
+                                      <p:to>
+                                        <p:strVal val="visible"/>
+                                      </p:to>
+                                    </p:set>
+                                  </p:childTnLst>
+                                </p:cTn>
+                              </p:par>
+                            </p:childTnLst>
+                          </p:cTn>
+                        </p:par>
+                      </p:childTnLst>
+                    </p:cTn>
+                  </p:par>
+                </p:childTnLst>
+              </p:cTn>
+              <p:prevCondLst>
+                <p:cond evt="onPrev" delay="0">
+                  <p:tgtEl>
+                    <p:sldTgt/>
+                  </p:tgtEl>
+                </p:cond>
+              </p:prevCondLst>
+              <p:nextCondLst>
+                <p:cond evt="onNext" delay="0">
+                  <p:tgtEl>
+                    <p:sldTgt/>
+                  </p:tgtEl>
+                </p:cond>
+              </p:nextCondLst>
+            </p:seq>
+          </p:childTnLst>
+        </p:cTn>
+      </p:par>
+    </p:tnLst>
+  </p:timing>
 </p:sld>
 </file>
 
@@ -7236,7 +9317,7 @@
         <p:spPr/>
         <p:txBody>
           <a:bodyPr>
-            <a:normAutofit fontScale="92500" lnSpcReduction="10000"/>
+            <a:normAutofit lnSpcReduction="10000"/>
           </a:bodyPr>
           <a:lstStyle/>
           <a:p>
@@ -7267,22 +9348,14 @@
             <a:pPr lvl="1"/>
             <a:r>
               <a:rPr lang="en-US" dirty="0"/>
-              <a:t>direct command to device(s)</a:t>
-            </a:r>
-          </a:p>
-          <a:p>
-            <a:pPr lvl="1"/>
-            <a:r>
-              <a:rPr lang="en-US" dirty="0"/>
-              <a:t>Now, or scheduled</a:t>
-            </a:r>
-          </a:p>
-          <a:p>
-            <a:r>
-              <a:rPr lang="en-US"/>
+              <a:t>Direct, custom command to device(s)… now or scheduled</a:t>
+            </a:r>
+          </a:p>
+          <a:p>
+            <a:r>
+              <a:rPr lang="en-US" dirty="0"/>
               <a:t>Configuration changes</a:t>
             </a:r>
-            <a:endParaRPr lang="en-US" dirty="0"/>
           </a:p>
           <a:p>
             <a:pPr lvl="1"/>
@@ -7351,6 +9424,392 @@
   <p:clrMapOvr>
     <a:masterClrMapping/>
   </p:clrMapOvr>
+  <p:timing>
+    <p:tnLst>
+      <p:par>
+        <p:cTn id="1" dur="indefinite" restart="never" nodeType="tmRoot">
+          <p:childTnLst>
+            <p:seq concurrent="1" nextAc="seek">
+              <p:cTn id="2" dur="indefinite" nodeType="mainSeq">
+                <p:childTnLst>
+                  <p:par>
+                    <p:cTn id="3" fill="hold">
+                      <p:stCondLst>
+                        <p:cond delay="indefinite"/>
+                      </p:stCondLst>
+                      <p:childTnLst>
+                        <p:par>
+                          <p:cTn id="4" fill="hold">
+                            <p:stCondLst>
+                              <p:cond delay="0"/>
+                            </p:stCondLst>
+                            <p:childTnLst>
+                              <p:par>
+                                <p:cTn id="5" presetID="1" presetClass="entr" presetSubtype="0" fill="hold" nodeType="clickEffect">
+                                  <p:stCondLst>
+                                    <p:cond delay="0"/>
+                                  </p:stCondLst>
+                                  <p:childTnLst>
+                                    <p:set>
+                                      <p:cBhvr>
+                                        <p:cTn id="6" dur="1" fill="hold">
+                                          <p:stCondLst>
+                                            <p:cond delay="0"/>
+                                          </p:stCondLst>
+                                        </p:cTn>
+                                        <p:tgtEl>
+                                          <p:spTgt spid="6">
+                                            <p:txEl>
+                                              <p:pRg st="0" end="0"/>
+                                            </p:txEl>
+                                          </p:spTgt>
+                                        </p:tgtEl>
+                                        <p:attrNameLst>
+                                          <p:attrName>style.visibility</p:attrName>
+                                        </p:attrNameLst>
+                                      </p:cBhvr>
+                                      <p:to>
+                                        <p:strVal val="visible"/>
+                                      </p:to>
+                                    </p:set>
+                                  </p:childTnLst>
+                                </p:cTn>
+                              </p:par>
+                            </p:childTnLst>
+                          </p:cTn>
+                        </p:par>
+                      </p:childTnLst>
+                    </p:cTn>
+                  </p:par>
+                  <p:par>
+                    <p:cTn id="7" fill="hold">
+                      <p:stCondLst>
+                        <p:cond delay="indefinite"/>
+                      </p:stCondLst>
+                      <p:childTnLst>
+                        <p:par>
+                          <p:cTn id="8" fill="hold">
+                            <p:stCondLst>
+                              <p:cond delay="0"/>
+                            </p:stCondLst>
+                            <p:childTnLst>
+                              <p:par>
+                                <p:cTn id="9" presetID="1" presetClass="entr" presetSubtype="0" fill="hold" nodeType="clickEffect">
+                                  <p:stCondLst>
+                                    <p:cond delay="0"/>
+                                  </p:stCondLst>
+                                  <p:childTnLst>
+                                    <p:set>
+                                      <p:cBhvr>
+                                        <p:cTn id="10" dur="1" fill="hold">
+                                          <p:stCondLst>
+                                            <p:cond delay="0"/>
+                                          </p:stCondLst>
+                                        </p:cTn>
+                                        <p:tgtEl>
+                                          <p:spTgt spid="6">
+                                            <p:txEl>
+                                              <p:pRg st="1" end="1"/>
+                                            </p:txEl>
+                                          </p:spTgt>
+                                        </p:tgtEl>
+                                        <p:attrNameLst>
+                                          <p:attrName>style.visibility</p:attrName>
+                                        </p:attrNameLst>
+                                      </p:cBhvr>
+                                      <p:to>
+                                        <p:strVal val="visible"/>
+                                      </p:to>
+                                    </p:set>
+                                  </p:childTnLst>
+                                </p:cTn>
+                              </p:par>
+                            </p:childTnLst>
+                          </p:cTn>
+                        </p:par>
+                      </p:childTnLst>
+                    </p:cTn>
+                  </p:par>
+                  <p:par>
+                    <p:cTn id="11" fill="hold">
+                      <p:stCondLst>
+                        <p:cond delay="indefinite"/>
+                      </p:stCondLst>
+                      <p:childTnLst>
+                        <p:par>
+                          <p:cTn id="12" fill="hold">
+                            <p:stCondLst>
+                              <p:cond delay="0"/>
+                            </p:stCondLst>
+                            <p:childTnLst>
+                              <p:par>
+                                <p:cTn id="13" presetID="1" presetClass="entr" presetSubtype="0" fill="hold" nodeType="clickEffect">
+                                  <p:stCondLst>
+                                    <p:cond delay="0"/>
+                                  </p:stCondLst>
+                                  <p:childTnLst>
+                                    <p:set>
+                                      <p:cBhvr>
+                                        <p:cTn id="14" dur="1" fill="hold">
+                                          <p:stCondLst>
+                                            <p:cond delay="0"/>
+                                          </p:stCondLst>
+                                        </p:cTn>
+                                        <p:tgtEl>
+                                          <p:spTgt spid="6">
+                                            <p:txEl>
+                                              <p:pRg st="2" end="2"/>
+                                            </p:txEl>
+                                          </p:spTgt>
+                                        </p:tgtEl>
+                                        <p:attrNameLst>
+                                          <p:attrName>style.visibility</p:attrName>
+                                        </p:attrNameLst>
+                                      </p:cBhvr>
+                                      <p:to>
+                                        <p:strVal val="visible"/>
+                                      </p:to>
+                                    </p:set>
+                                  </p:childTnLst>
+                                </p:cTn>
+                              </p:par>
+                            </p:childTnLst>
+                          </p:cTn>
+                        </p:par>
+                      </p:childTnLst>
+                    </p:cTn>
+                  </p:par>
+                  <p:par>
+                    <p:cTn id="15" fill="hold">
+                      <p:stCondLst>
+                        <p:cond delay="indefinite"/>
+                      </p:stCondLst>
+                      <p:childTnLst>
+                        <p:par>
+                          <p:cTn id="16" fill="hold">
+                            <p:stCondLst>
+                              <p:cond delay="0"/>
+                            </p:stCondLst>
+                            <p:childTnLst>
+                              <p:par>
+                                <p:cTn id="17" presetID="1" presetClass="entr" presetSubtype="0" fill="hold" nodeType="clickEffect">
+                                  <p:stCondLst>
+                                    <p:cond delay="0"/>
+                                  </p:stCondLst>
+                                  <p:childTnLst>
+                                    <p:set>
+                                      <p:cBhvr>
+                                        <p:cTn id="18" dur="1" fill="hold">
+                                          <p:stCondLst>
+                                            <p:cond delay="0"/>
+                                          </p:stCondLst>
+                                        </p:cTn>
+                                        <p:tgtEl>
+                                          <p:spTgt spid="6">
+                                            <p:txEl>
+                                              <p:pRg st="3" end="3"/>
+                                            </p:txEl>
+                                          </p:spTgt>
+                                        </p:tgtEl>
+                                        <p:attrNameLst>
+                                          <p:attrName>style.visibility</p:attrName>
+                                        </p:attrNameLst>
+                                      </p:cBhvr>
+                                      <p:to>
+                                        <p:strVal val="visible"/>
+                                      </p:to>
+                                    </p:set>
+                                  </p:childTnLst>
+                                </p:cTn>
+                              </p:par>
+                              <p:par>
+                                <p:cTn id="19" presetID="1" presetClass="entr" presetSubtype="0" fill="hold" nodeType="withEffect">
+                                  <p:stCondLst>
+                                    <p:cond delay="0"/>
+                                  </p:stCondLst>
+                                  <p:childTnLst>
+                                    <p:set>
+                                      <p:cBhvr>
+                                        <p:cTn id="20" dur="1" fill="hold">
+                                          <p:stCondLst>
+                                            <p:cond delay="0"/>
+                                          </p:stCondLst>
+                                        </p:cTn>
+                                        <p:tgtEl>
+                                          <p:spTgt spid="6">
+                                            <p:txEl>
+                                              <p:pRg st="4" end="4"/>
+                                            </p:txEl>
+                                          </p:spTgt>
+                                        </p:tgtEl>
+                                        <p:attrNameLst>
+                                          <p:attrName>style.visibility</p:attrName>
+                                        </p:attrNameLst>
+                                      </p:cBhvr>
+                                      <p:to>
+                                        <p:strVal val="visible"/>
+                                      </p:to>
+                                    </p:set>
+                                  </p:childTnLst>
+                                </p:cTn>
+                              </p:par>
+                            </p:childTnLst>
+                          </p:cTn>
+                        </p:par>
+                      </p:childTnLst>
+                    </p:cTn>
+                  </p:par>
+                  <p:par>
+                    <p:cTn id="21" fill="hold">
+                      <p:stCondLst>
+                        <p:cond delay="indefinite"/>
+                      </p:stCondLst>
+                      <p:childTnLst>
+                        <p:par>
+                          <p:cTn id="22" fill="hold">
+                            <p:stCondLst>
+                              <p:cond delay="0"/>
+                            </p:stCondLst>
+                            <p:childTnLst>
+                              <p:par>
+                                <p:cTn id="23" presetID="1" presetClass="entr" presetSubtype="0" fill="hold" nodeType="clickEffect">
+                                  <p:stCondLst>
+                                    <p:cond delay="0"/>
+                                  </p:stCondLst>
+                                  <p:childTnLst>
+                                    <p:set>
+                                      <p:cBhvr>
+                                        <p:cTn id="24" dur="1" fill="hold">
+                                          <p:stCondLst>
+                                            <p:cond delay="0"/>
+                                          </p:stCondLst>
+                                        </p:cTn>
+                                        <p:tgtEl>
+                                          <p:spTgt spid="6">
+                                            <p:txEl>
+                                              <p:pRg st="5" end="5"/>
+                                            </p:txEl>
+                                          </p:spTgt>
+                                        </p:tgtEl>
+                                        <p:attrNameLst>
+                                          <p:attrName>style.visibility</p:attrName>
+                                        </p:attrNameLst>
+                                      </p:cBhvr>
+                                      <p:to>
+                                        <p:strVal val="visible"/>
+                                      </p:to>
+                                    </p:set>
+                                  </p:childTnLst>
+                                </p:cTn>
+                              </p:par>
+                              <p:par>
+                                <p:cTn id="25" presetID="1" presetClass="entr" presetSubtype="0" fill="hold" nodeType="withEffect">
+                                  <p:stCondLst>
+                                    <p:cond delay="0"/>
+                                  </p:stCondLst>
+                                  <p:childTnLst>
+                                    <p:set>
+                                      <p:cBhvr>
+                                        <p:cTn id="26" dur="1" fill="hold">
+                                          <p:stCondLst>
+                                            <p:cond delay="0"/>
+                                          </p:stCondLst>
+                                        </p:cTn>
+                                        <p:tgtEl>
+                                          <p:spTgt spid="6">
+                                            <p:txEl>
+                                              <p:pRg st="6" end="6"/>
+                                            </p:txEl>
+                                          </p:spTgt>
+                                        </p:tgtEl>
+                                        <p:attrNameLst>
+                                          <p:attrName>style.visibility</p:attrName>
+                                        </p:attrNameLst>
+                                      </p:cBhvr>
+                                      <p:to>
+                                        <p:strVal val="visible"/>
+                                      </p:to>
+                                    </p:set>
+                                  </p:childTnLst>
+                                </p:cTn>
+                              </p:par>
+                            </p:childTnLst>
+                          </p:cTn>
+                        </p:par>
+                      </p:childTnLst>
+                    </p:cTn>
+                  </p:par>
+                  <p:par>
+                    <p:cTn id="27" fill="hold">
+                      <p:stCondLst>
+                        <p:cond delay="indefinite"/>
+                      </p:stCondLst>
+                      <p:childTnLst>
+                        <p:par>
+                          <p:cTn id="28" fill="hold">
+                            <p:stCondLst>
+                              <p:cond delay="0"/>
+                            </p:stCondLst>
+                            <p:childTnLst>
+                              <p:par>
+                                <p:cTn id="29" presetID="1" presetClass="entr" presetSubtype="0" fill="hold" nodeType="clickEffect">
+                                  <p:stCondLst>
+                                    <p:cond delay="0"/>
+                                  </p:stCondLst>
+                                  <p:childTnLst>
+                                    <p:set>
+                                      <p:cBhvr>
+                                        <p:cTn id="30" dur="1" fill="hold">
+                                          <p:stCondLst>
+                                            <p:cond delay="0"/>
+                                          </p:stCondLst>
+                                        </p:cTn>
+                                        <p:tgtEl>
+                                          <p:spTgt spid="6">
+                                            <p:txEl>
+                                              <p:pRg st="7" end="7"/>
+                                            </p:txEl>
+                                          </p:spTgt>
+                                        </p:tgtEl>
+                                        <p:attrNameLst>
+                                          <p:attrName>style.visibility</p:attrName>
+                                        </p:attrNameLst>
+                                      </p:cBhvr>
+                                      <p:to>
+                                        <p:strVal val="visible"/>
+                                      </p:to>
+                                    </p:set>
+                                  </p:childTnLst>
+                                </p:cTn>
+                              </p:par>
+                            </p:childTnLst>
+                          </p:cTn>
+                        </p:par>
+                      </p:childTnLst>
+                    </p:cTn>
+                  </p:par>
+                </p:childTnLst>
+              </p:cTn>
+              <p:prevCondLst>
+                <p:cond evt="onPrev" delay="0">
+                  <p:tgtEl>
+                    <p:sldTgt/>
+                  </p:tgtEl>
+                </p:cond>
+              </p:prevCondLst>
+              <p:nextCondLst>
+                <p:cond evt="onNext" delay="0">
+                  <p:tgtEl>
+                    <p:sldTgt/>
+                  </p:tgtEl>
+                </p:cond>
+              </p:nextCondLst>
+            </p:seq>
+          </p:childTnLst>
+        </p:cTn>
+      </p:par>
+    </p:tnLst>
+  </p:timing>
 </p:sld>
 </file>
 
@@ -7850,7 +10309,7 @@
           <a:p>
             <a:r>
               <a:rPr lang="en-US" dirty="0"/>
-              <a:t>Scales predictably and seamlessly in relation to device count and data ingress/egress</a:t>
+              <a:t>Scales reliably and seamlessly in relation to device count and data ingress/egress</a:t>
             </a:r>
           </a:p>
           <a:p>
@@ -7920,6 +10379,281 @@
   <p:clrMapOvr>
     <a:masterClrMapping/>
   </p:clrMapOvr>
+  <p:timing>
+    <p:tnLst>
+      <p:par>
+        <p:cTn id="1" dur="indefinite" restart="never" nodeType="tmRoot">
+          <p:childTnLst>
+            <p:seq concurrent="1" nextAc="seek">
+              <p:cTn id="2" dur="indefinite" nodeType="mainSeq">
+                <p:childTnLst>
+                  <p:par>
+                    <p:cTn id="3" fill="hold">
+                      <p:stCondLst>
+                        <p:cond delay="indefinite"/>
+                      </p:stCondLst>
+                      <p:childTnLst>
+                        <p:par>
+                          <p:cTn id="4" fill="hold">
+                            <p:stCondLst>
+                              <p:cond delay="0"/>
+                            </p:stCondLst>
+                            <p:childTnLst>
+                              <p:par>
+                                <p:cTn id="5" presetID="1" presetClass="entr" presetSubtype="0" fill="hold" nodeType="clickEffect">
+                                  <p:stCondLst>
+                                    <p:cond delay="0"/>
+                                  </p:stCondLst>
+                                  <p:childTnLst>
+                                    <p:set>
+                                      <p:cBhvr>
+                                        <p:cTn id="6" dur="1" fill="hold">
+                                          <p:stCondLst>
+                                            <p:cond delay="0"/>
+                                          </p:stCondLst>
+                                        </p:cTn>
+                                        <p:tgtEl>
+                                          <p:spTgt spid="6">
+                                            <p:txEl>
+                                              <p:pRg st="0" end="0"/>
+                                            </p:txEl>
+                                          </p:spTgt>
+                                        </p:tgtEl>
+                                        <p:attrNameLst>
+                                          <p:attrName>style.visibility</p:attrName>
+                                        </p:attrNameLst>
+                                      </p:cBhvr>
+                                      <p:to>
+                                        <p:strVal val="visible"/>
+                                      </p:to>
+                                    </p:set>
+                                  </p:childTnLst>
+                                </p:cTn>
+                              </p:par>
+                            </p:childTnLst>
+                          </p:cTn>
+                        </p:par>
+                      </p:childTnLst>
+                    </p:cTn>
+                  </p:par>
+                  <p:par>
+                    <p:cTn id="7" fill="hold">
+                      <p:stCondLst>
+                        <p:cond delay="indefinite"/>
+                      </p:stCondLst>
+                      <p:childTnLst>
+                        <p:par>
+                          <p:cTn id="8" fill="hold">
+                            <p:stCondLst>
+                              <p:cond delay="0"/>
+                            </p:stCondLst>
+                            <p:childTnLst>
+                              <p:par>
+                                <p:cTn id="9" presetID="1" presetClass="entr" presetSubtype="0" fill="hold" nodeType="clickEffect">
+                                  <p:stCondLst>
+                                    <p:cond delay="0"/>
+                                  </p:stCondLst>
+                                  <p:childTnLst>
+                                    <p:set>
+                                      <p:cBhvr>
+                                        <p:cTn id="10" dur="1" fill="hold">
+                                          <p:stCondLst>
+                                            <p:cond delay="0"/>
+                                          </p:stCondLst>
+                                        </p:cTn>
+                                        <p:tgtEl>
+                                          <p:spTgt spid="6">
+                                            <p:txEl>
+                                              <p:pRg st="1" end="1"/>
+                                            </p:txEl>
+                                          </p:spTgt>
+                                        </p:tgtEl>
+                                        <p:attrNameLst>
+                                          <p:attrName>style.visibility</p:attrName>
+                                        </p:attrNameLst>
+                                      </p:cBhvr>
+                                      <p:to>
+                                        <p:strVal val="visible"/>
+                                      </p:to>
+                                    </p:set>
+                                  </p:childTnLst>
+                                </p:cTn>
+                              </p:par>
+                            </p:childTnLst>
+                          </p:cTn>
+                        </p:par>
+                      </p:childTnLst>
+                    </p:cTn>
+                  </p:par>
+                  <p:par>
+                    <p:cTn id="11" fill="hold">
+                      <p:stCondLst>
+                        <p:cond delay="indefinite"/>
+                      </p:stCondLst>
+                      <p:childTnLst>
+                        <p:par>
+                          <p:cTn id="12" fill="hold">
+                            <p:stCondLst>
+                              <p:cond delay="0"/>
+                            </p:stCondLst>
+                            <p:childTnLst>
+                              <p:par>
+                                <p:cTn id="13" presetID="1" presetClass="entr" presetSubtype="0" fill="hold" nodeType="clickEffect">
+                                  <p:stCondLst>
+                                    <p:cond delay="0"/>
+                                  </p:stCondLst>
+                                  <p:childTnLst>
+                                    <p:set>
+                                      <p:cBhvr>
+                                        <p:cTn id="14" dur="1" fill="hold">
+                                          <p:stCondLst>
+                                            <p:cond delay="0"/>
+                                          </p:stCondLst>
+                                        </p:cTn>
+                                        <p:tgtEl>
+                                          <p:spTgt spid="6">
+                                            <p:txEl>
+                                              <p:pRg st="2" end="2"/>
+                                            </p:txEl>
+                                          </p:spTgt>
+                                        </p:tgtEl>
+                                        <p:attrNameLst>
+                                          <p:attrName>style.visibility</p:attrName>
+                                        </p:attrNameLst>
+                                      </p:cBhvr>
+                                      <p:to>
+                                        <p:strVal val="visible"/>
+                                      </p:to>
+                                    </p:set>
+                                  </p:childTnLst>
+                                </p:cTn>
+                              </p:par>
+                            </p:childTnLst>
+                          </p:cTn>
+                        </p:par>
+                      </p:childTnLst>
+                    </p:cTn>
+                  </p:par>
+                  <p:par>
+                    <p:cTn id="15" fill="hold">
+                      <p:stCondLst>
+                        <p:cond delay="indefinite"/>
+                      </p:stCondLst>
+                      <p:childTnLst>
+                        <p:par>
+                          <p:cTn id="16" fill="hold">
+                            <p:stCondLst>
+                              <p:cond delay="0"/>
+                            </p:stCondLst>
+                            <p:childTnLst>
+                              <p:par>
+                                <p:cTn id="17" presetID="1" presetClass="entr" presetSubtype="0" fill="hold" nodeType="clickEffect">
+                                  <p:stCondLst>
+                                    <p:cond delay="0"/>
+                                  </p:stCondLst>
+                                  <p:childTnLst>
+                                    <p:set>
+                                      <p:cBhvr>
+                                        <p:cTn id="18" dur="1" fill="hold">
+                                          <p:stCondLst>
+                                            <p:cond delay="0"/>
+                                          </p:stCondLst>
+                                        </p:cTn>
+                                        <p:tgtEl>
+                                          <p:spTgt spid="6">
+                                            <p:txEl>
+                                              <p:pRg st="3" end="3"/>
+                                            </p:txEl>
+                                          </p:spTgt>
+                                        </p:tgtEl>
+                                        <p:attrNameLst>
+                                          <p:attrName>style.visibility</p:attrName>
+                                        </p:attrNameLst>
+                                      </p:cBhvr>
+                                      <p:to>
+                                        <p:strVal val="visible"/>
+                                      </p:to>
+                                    </p:set>
+                                  </p:childTnLst>
+                                </p:cTn>
+                              </p:par>
+                            </p:childTnLst>
+                          </p:cTn>
+                        </p:par>
+                      </p:childTnLst>
+                    </p:cTn>
+                  </p:par>
+                  <p:par>
+                    <p:cTn id="19" fill="hold">
+                      <p:stCondLst>
+                        <p:cond delay="indefinite"/>
+                      </p:stCondLst>
+                      <p:childTnLst>
+                        <p:par>
+                          <p:cTn id="20" fill="hold">
+                            <p:stCondLst>
+                              <p:cond delay="0"/>
+                            </p:stCondLst>
+                            <p:childTnLst>
+                              <p:par>
+                                <p:cTn id="21" presetID="1" presetClass="entr" presetSubtype="0" fill="hold" nodeType="clickEffect">
+                                  <p:stCondLst>
+                                    <p:cond delay="0"/>
+                                  </p:stCondLst>
+                                  <p:childTnLst>
+                                    <p:set>
+                                      <p:cBhvr>
+                                        <p:cTn id="22" dur="1" fill="hold">
+                                          <p:stCondLst>
+                                            <p:cond delay="0"/>
+                                          </p:stCondLst>
+                                        </p:cTn>
+                                        <p:tgtEl>
+                                          <p:spTgt spid="6">
+                                            <p:txEl>
+                                              <p:pRg st="4" end="4"/>
+                                            </p:txEl>
+                                          </p:spTgt>
+                                        </p:tgtEl>
+                                        <p:attrNameLst>
+                                          <p:attrName>style.visibility</p:attrName>
+                                        </p:attrNameLst>
+                                      </p:cBhvr>
+                                      <p:to>
+                                        <p:strVal val="visible"/>
+                                      </p:to>
+                                    </p:set>
+                                  </p:childTnLst>
+                                </p:cTn>
+                              </p:par>
+                            </p:childTnLst>
+                          </p:cTn>
+                        </p:par>
+                      </p:childTnLst>
+                    </p:cTn>
+                  </p:par>
+                </p:childTnLst>
+              </p:cTn>
+              <p:prevCondLst>
+                <p:cond evt="onPrev" delay="0">
+                  <p:tgtEl>
+                    <p:sldTgt/>
+                  </p:tgtEl>
+                </p:cond>
+              </p:prevCondLst>
+              <p:nextCondLst>
+                <p:cond evt="onNext" delay="0">
+                  <p:tgtEl>
+                    <p:sldTgt/>
+                  </p:tgtEl>
+                </p:cond>
+              </p:nextCondLst>
+            </p:seq>
+          </p:childTnLst>
+        </p:cTn>
+      </p:par>
+    </p:tnLst>
+  </p:timing>
 </p:sld>
 </file>
 
@@ -7990,7 +10724,7 @@
           <p:nvPr/>
         </p:nvPicPr>
         <p:blipFill>
-          <a:blip r:embed="rId2"/>
+          <a:blip r:embed="rId3"/>
           <a:stretch>
             <a:fillRect/>
           </a:stretch>
@@ -8046,7 +10780,7 @@
           </p:nvPr>
         </p:nvPicPr>
         <p:blipFill>
-          <a:blip r:embed="rId2"/>
+          <a:blip r:embed="rId3"/>
           <a:stretch>
             <a:fillRect/>
           </a:stretch>
@@ -8121,7 +10855,7 @@
           </p:nvPr>
         </p:nvPicPr>
         <p:blipFill>
-          <a:blip r:embed="rId2"/>
+          <a:blip r:embed="rId3"/>
           <a:stretch>
             <a:fillRect/>
           </a:stretch>
@@ -8323,7 +11057,7 @@
           <p:nvPr/>
         </p:nvPicPr>
         <p:blipFill>
-          <a:blip r:embed="rId2">
+          <a:blip r:embed="rId3">
             <a:extLst>
               <a:ext uri="{28A0092B-C50C-407E-A947-70E740481C1C}">
                 <a14:useLocalDpi xmlns:a14="http://schemas.microsoft.com/office/drawing/2010/main" val="0"/>
@@ -8364,7 +11098,7 @@
           <p:nvPr/>
         </p:nvPicPr>
         <p:blipFill>
-          <a:blip r:embed="rId3">
+          <a:blip r:embed="rId4">
             <a:extLst>
               <a:ext uri="{28A0092B-C50C-407E-A947-70E740481C1C}">
                 <a14:useLocalDpi xmlns:a14="http://schemas.microsoft.com/office/drawing/2010/main" val="0"/>
@@ -8405,7 +11139,7 @@
           <p:nvPr/>
         </p:nvPicPr>
         <p:blipFill>
-          <a:blip r:embed="rId4"/>
+          <a:blip r:embed="rId5"/>
           <a:stretch>
             <a:fillRect/>
           </a:stretch>
@@ -9842,12 +12576,17 @@
 </file>
 
 <file path=customXml/item1.xml><?xml version="1.0" encoding="utf-8"?>
-<?mso-contentType ?>
-<FormTemplates xmlns="http://schemas.microsoft.com/sharepoint/v3/contenttype/forms">
-  <Display>DocumentLibraryForm</Display>
-  <Edit>DocumentLibraryForm</Edit>
-  <New>DocumentLibraryForm</New>
-</FormTemplates>
+<p:properties xmlns:p="http://schemas.microsoft.com/office/2006/metadata/properties" xmlns:xsi="http://www.w3.org/2001/XMLSchema-instance" xmlns:pc="http://schemas.microsoft.com/office/infopath/2007/PartnerControls">
+  <documentManagement>
+    <SharedWithUsers xmlns="ae9bb8cf-6fd7-4373-9802-0818a1bad213">
+      <UserInfo>
+        <DisplayName/>
+        <AccountId xsi:nil="true"/>
+        <AccountType/>
+      </UserInfo>
+    </SharedWithUsers>
+  </documentManagement>
+</p:properties>
 </file>
 
 <file path=customXml/item2.xml><?xml version="1.0" encoding="utf-8"?>
@@ -10005,23 +12744,26 @@
 </file>
 
 <file path=customXml/item3.xml><?xml version="1.0" encoding="utf-8"?>
-<p:properties xmlns:p="http://schemas.microsoft.com/office/2006/metadata/properties" xmlns:xsi="http://www.w3.org/2001/XMLSchema-instance" xmlns:pc="http://schemas.microsoft.com/office/infopath/2007/PartnerControls">
-  <documentManagement>
-    <SharedWithUsers xmlns="ae9bb8cf-6fd7-4373-9802-0818a1bad213">
-      <UserInfo>
-        <DisplayName/>
-        <AccountId xsi:nil="true"/>
-        <AccountType/>
-      </UserInfo>
-    </SharedWithUsers>
-  </documentManagement>
-</p:properties>
+<?mso-contentType ?>
+<FormTemplates xmlns="http://schemas.microsoft.com/sharepoint/v3/contenttype/forms">
+  <Display>DocumentLibraryForm</Display>
+  <Edit>DocumentLibraryForm</Edit>
+  <New>DocumentLibraryForm</New>
+</FormTemplates>
 </file>
 
 <file path=customXml/itemProps1.xml><?xml version="1.0" encoding="utf-8"?>
-<ds:datastoreItem xmlns:ds="http://schemas.openxmlformats.org/officeDocument/2006/customXml" ds:itemID="{F2A83536-3E53-4F69-BB7F-3EA6454D8BE5}">
+<ds:datastoreItem xmlns:ds="http://schemas.openxmlformats.org/officeDocument/2006/customXml" ds:itemID="{D71FDF29-0AD6-4557-9F7B-A2E3FD5905AB}">
   <ds:schemaRefs>
-    <ds:schemaRef ds:uri="http://schemas.microsoft.com/sharepoint/v3/contenttype/forms"/>
+    <ds:schemaRef ds:uri="http://purl.org/dc/terms/"/>
+    <ds:schemaRef ds:uri="http://purl.org/dc/dcmitype/"/>
+    <ds:schemaRef ds:uri="http://schemas.microsoft.com/office/infopath/2007/PartnerControls"/>
+    <ds:schemaRef ds:uri="http://www.w3.org/XML/1998/namespace"/>
+    <ds:schemaRef ds:uri="http://purl.org/dc/elements/1.1/"/>
+    <ds:schemaRef ds:uri="ae9bb8cf-6fd7-4373-9802-0818a1bad213"/>
+    <ds:schemaRef ds:uri="http://schemas.microsoft.com/office/2006/documentManagement/types"/>
+    <ds:schemaRef ds:uri="http://schemas.openxmlformats.org/package/2006/metadata/core-properties"/>
+    <ds:schemaRef ds:uri="http://schemas.microsoft.com/office/2006/metadata/properties"/>
   </ds:schemaRefs>
 </ds:datastoreItem>
 </file>
@@ -10045,17 +12787,9 @@
 </file>
 
 <file path=customXml/itemProps3.xml><?xml version="1.0" encoding="utf-8"?>
-<ds:datastoreItem xmlns:ds="http://schemas.openxmlformats.org/officeDocument/2006/customXml" ds:itemID="{D71FDF29-0AD6-4557-9F7B-A2E3FD5905AB}">
+<ds:datastoreItem xmlns:ds="http://schemas.openxmlformats.org/officeDocument/2006/customXml" ds:itemID="{F2A83536-3E53-4F69-BB7F-3EA6454D8BE5}">
   <ds:schemaRefs>
-    <ds:schemaRef ds:uri="http://purl.org/dc/terms/"/>
-    <ds:schemaRef ds:uri="http://purl.org/dc/dcmitype/"/>
-    <ds:schemaRef ds:uri="http://schemas.microsoft.com/office/infopath/2007/PartnerControls"/>
-    <ds:schemaRef ds:uri="http://www.w3.org/XML/1998/namespace"/>
-    <ds:schemaRef ds:uri="http://purl.org/dc/elements/1.1/"/>
-    <ds:schemaRef ds:uri="ae9bb8cf-6fd7-4373-9802-0818a1bad213"/>
-    <ds:schemaRef ds:uri="http://schemas.microsoft.com/office/2006/documentManagement/types"/>
-    <ds:schemaRef ds:uri="http://schemas.openxmlformats.org/package/2006/metadata/core-properties"/>
-    <ds:schemaRef ds:uri="http://schemas.microsoft.com/office/2006/metadata/properties"/>
+    <ds:schemaRef ds:uri="http://schemas.microsoft.com/sharepoint/v3/contenttype/forms"/>
   </ds:schemaRefs>
 </ds:datastoreItem>
 </file>
--- a/introduction to azure iot.pptx
+++ b/introduction to azure iot.pptx
@@ -14,8 +14,8 @@
   </p:handoutMasterIdLst>
   <p:sldIdLst>
     <p:sldId id="256" r:id="rId7"/>
-    <p:sldId id="259" r:id="rId8"/>
-    <p:sldId id="267" r:id="rId9"/>
+    <p:sldId id="267" r:id="rId8"/>
+    <p:sldId id="259" r:id="rId9"/>
     <p:sldId id="269" r:id="rId10"/>
     <p:sldId id="270" r:id="rId11"/>
     <p:sldId id="271" r:id="rId12"/>
@@ -25,10 +25,10 @@
     <p:sldId id="279" r:id="rId16"/>
     <p:sldId id="275" r:id="rId17"/>
     <p:sldId id="277" r:id="rId18"/>
-    <p:sldId id="283" r:id="rId19"/>
-    <p:sldId id="261" r:id="rId20"/>
-    <p:sldId id="278" r:id="rId21"/>
-    <p:sldId id="281" r:id="rId22"/>
+    <p:sldId id="261" r:id="rId19"/>
+    <p:sldId id="278" r:id="rId20"/>
+    <p:sldId id="281" r:id="rId21"/>
+    <p:sldId id="283" r:id="rId22"/>
     <p:sldId id="276" r:id="rId23"/>
     <p:sldId id="282" r:id="rId24"/>
   </p:sldIdLst>
@@ -222,7 +222,7 @@
           <a:p>
             <a:fld id="{9518FE8D-2DE0-459F-B7AF-223CDD2D6A8F}" type="datetimeFigureOut">
               <a:rPr lang="en-US" smtClean="0"/>
-              <a:t>10/12/2016</a:t>
+              <a:t>10/13/2016</a:t>
             </a:fld>
             <a:endParaRPr lang="en-US"/>
           </a:p>
@@ -387,7 +387,7 @@
           <a:p>
             <a:fld id="{B4AB3519-0107-4220-B210-994F89BE6A0C}" type="datetimeFigureOut">
               <a:rPr lang="en-US" smtClean="0"/>
-              <a:t>10/12/2016</a:t>
+              <a:t>10/13/2016</a:t>
             </a:fld>
             <a:endParaRPr lang="en-US"/>
           </a:p>
@@ -700,45 +700,20 @@
           <a:p>
             <a:r>
               <a:rPr lang="en-US" dirty="0"/>
-              <a:t>Technology</a:t>
+              <a:t>Before we talk about Azure specifics, let’s talk about</a:t>
             </a:r>
             <a:r>
               <a:rPr lang="en-US" baseline="0" dirty="0"/>
-              <a:t> agnostic</a:t>
-            </a:r>
-          </a:p>
-          <a:p>
-            <a:endParaRPr lang="en-US" dirty="0"/>
-          </a:p>
-          <a:p>
-            <a:r>
-              <a:rPr lang="en-US" dirty="0"/>
-              <a:t>3 key areas:</a:t>
-            </a:r>
-          </a:p>
-          <a:p>
-            <a:r>
-              <a:rPr lang="en-US" dirty="0"/>
-              <a:t>Device Connectivity + Management</a:t>
-            </a:r>
-          </a:p>
-          <a:p>
-            <a:r>
-              <a:rPr lang="en-US" dirty="0"/>
-              <a:t>Data Processing</a:t>
+              <a:t> desirable attributes of a generic </a:t>
+            </a:r>
+            <a:r>
+              <a:rPr lang="en-US" baseline="0" dirty="0" err="1"/>
+              <a:t>IoT</a:t>
             </a:r>
             <a:r>
               <a:rPr lang="en-US" baseline="0" dirty="0"/>
-              <a:t> + Analytics</a:t>
-            </a:r>
-          </a:p>
-          <a:p>
-            <a:r>
-              <a:rPr lang="en-US" dirty="0"/>
-              <a:t>Presentation + Business Connectivity</a:t>
-            </a:r>
-          </a:p>
-          <a:p>
+              <a:t> platform…</a:t>
+            </a:r>
             <a:endParaRPr lang="en-US" dirty="0"/>
           </a:p>
         </p:txBody>
@@ -760,7 +735,7 @@
           <a:p>
             <a:fld id="{F780F3C0-0E75-4F44-8146-5496C4D61B62}" type="slidenum">
               <a:rPr lang="en-US" smtClean="0"/>
-              <a:t>5</a:t>
+              <a:t>4</a:t>
             </a:fld>
             <a:endParaRPr lang="en-US"/>
           </a:p>
@@ -769,7 +744,267 @@
     </p:spTree>
     <p:extLst>
       <p:ext uri="{BB962C8B-B14F-4D97-AF65-F5344CB8AC3E}">
-        <p14:creationId xmlns:p14="http://schemas.microsoft.com/office/powerpoint/2010/main" val="3134745652"/>
+        <p14:creationId xmlns:p14="http://schemas.microsoft.com/office/powerpoint/2010/main" val="3247622841"/>
+      </p:ext>
+    </p:extLst>
+  </p:cSld>
+  <p:clrMapOvr>
+    <a:masterClrMapping/>
+  </p:clrMapOvr>
+</p:notes>
+</file>
+
+<file path=ppt/notesSlides/notesSlide10.xml><?xml version="1.0" encoding="utf-8"?>
+<p:notes xmlns:a="http://schemas.openxmlformats.org/drawingml/2006/main" xmlns:r="http://schemas.openxmlformats.org/officeDocument/2006/relationships" xmlns:p="http://schemas.openxmlformats.org/presentationml/2006/main">
+  <p:cSld>
+    <p:spTree>
+      <p:nvGrpSpPr>
+        <p:cNvPr id="1" name=""/>
+        <p:cNvGrpSpPr/>
+        <p:nvPr/>
+      </p:nvGrpSpPr>
+      <p:grpSpPr>
+        <a:xfrm>
+          <a:off x="0" y="0"/>
+          <a:ext cx="0" cy="0"/>
+          <a:chOff x="0" y="0"/>
+          <a:chExt cx="0" cy="0"/>
+        </a:xfrm>
+      </p:grpSpPr>
+      <p:sp>
+        <p:nvSpPr>
+          <p:cNvPr id="2" name="Slide Image Placeholder 1"/>
+          <p:cNvSpPr>
+            <a:spLocks noGrp="1" noRot="1" noChangeAspect="1"/>
+          </p:cNvSpPr>
+          <p:nvPr>
+            <p:ph type="sldImg"/>
+          </p:nvPr>
+        </p:nvSpPr>
+        <p:spPr/>
+      </p:sp>
+      <p:sp>
+        <p:nvSpPr>
+          <p:cNvPr id="3" name="Notes Placeholder 2"/>
+          <p:cNvSpPr>
+            <a:spLocks noGrp="1"/>
+          </p:cNvSpPr>
+          <p:nvPr>
+            <p:ph type="body" idx="1"/>
+          </p:nvPr>
+        </p:nvSpPr>
+        <p:spPr/>
+        <p:txBody>
+          <a:bodyPr/>
+          <a:lstStyle/>
+          <a:p>
+            <a:pPr marL="171450" indent="-171450">
+              <a:buFontTx/>
+              <a:buChar char="-"/>
+            </a:pPr>
+            <a:r>
+              <a:rPr lang="en-US" dirty="0"/>
+              <a:t>All supported by IoT Hub</a:t>
+            </a:r>
+          </a:p>
+          <a:p>
+            <a:pPr marL="171450" indent="-171450">
+              <a:buFontTx/>
+              <a:buChar char="-"/>
+            </a:pPr>
+            <a:r>
+              <a:rPr lang="en-US" dirty="0"/>
+              <a:t>Based on </a:t>
+            </a:r>
+            <a:r>
+              <a:rPr lang="en-US" sz="1200" b="0" i="0" kern="1200" dirty="0">
+                <a:solidFill>
+                  <a:schemeClr val="tx1"/>
+                </a:solidFill>
+                <a:effectLst/>
+                <a:latin typeface="+mn-lt"/>
+                <a:ea typeface="+mn-ea"/>
+                <a:cs typeface="+mn-cs"/>
+              </a:rPr>
+              <a:t>LWM2M (Lightweight</a:t>
+            </a:r>
+            <a:r>
+              <a:rPr lang="en-US" sz="1200" b="0" i="0" kern="1200" baseline="0" dirty="0">
+                <a:solidFill>
+                  <a:schemeClr val="tx1"/>
+                </a:solidFill>
+                <a:effectLst/>
+                <a:latin typeface="+mn-lt"/>
+                <a:ea typeface="+mn-ea"/>
+                <a:cs typeface="+mn-cs"/>
+              </a:rPr>
+              <a:t> Machine to Machine) </a:t>
+            </a:r>
+            <a:r>
+              <a:rPr lang="en-US" sz="1200" b="0" i="0" kern="1200" dirty="0">
+                <a:solidFill>
+                  <a:schemeClr val="tx1"/>
+                </a:solidFill>
+                <a:effectLst/>
+                <a:latin typeface="+mn-lt"/>
+                <a:ea typeface="+mn-ea"/>
+                <a:cs typeface="+mn-cs"/>
+              </a:rPr>
+              <a:t>protocol</a:t>
+            </a:r>
+            <a:endParaRPr lang="en-US" dirty="0"/>
+          </a:p>
+          <a:p>
+            <a:pPr marL="171450" indent="-171450">
+              <a:buFontTx/>
+              <a:buChar char="-"/>
+            </a:pPr>
+            <a:r>
+              <a:rPr lang="en-US" baseline="0" dirty="0"/>
+              <a:t>Relies on concept of “device twin” which is cloud-stored metadata synchronized with physical devices</a:t>
+            </a:r>
+            <a:endParaRPr lang="en-US" dirty="0"/>
+          </a:p>
+        </p:txBody>
+      </p:sp>
+      <p:sp>
+        <p:nvSpPr>
+          <p:cNvPr id="4" name="Slide Number Placeholder 3"/>
+          <p:cNvSpPr>
+            <a:spLocks noGrp="1"/>
+          </p:cNvSpPr>
+          <p:nvPr>
+            <p:ph type="sldNum" sz="quarter" idx="10"/>
+          </p:nvPr>
+        </p:nvSpPr>
+        <p:spPr/>
+        <p:txBody>
+          <a:bodyPr/>
+          <a:lstStyle/>
+          <a:p>
+            <a:fld id="{F780F3C0-0E75-4F44-8146-5496C4D61B62}" type="slidenum">
+              <a:rPr lang="en-US" smtClean="0"/>
+              <a:t>15</a:t>
+            </a:fld>
+            <a:endParaRPr lang="en-US"/>
+          </a:p>
+        </p:txBody>
+      </p:sp>
+    </p:spTree>
+    <p:extLst>
+      <p:ext uri="{BB962C8B-B14F-4D97-AF65-F5344CB8AC3E}">
+        <p14:creationId xmlns:p14="http://schemas.microsoft.com/office/powerpoint/2010/main" val="1522331605"/>
+      </p:ext>
+    </p:extLst>
+  </p:cSld>
+  <p:clrMapOvr>
+    <a:masterClrMapping/>
+  </p:clrMapOvr>
+</p:notes>
+</file>
+
+<file path=ppt/notesSlides/notesSlide11.xml><?xml version="1.0" encoding="utf-8"?>
+<p:notes xmlns:a="http://schemas.openxmlformats.org/drawingml/2006/main" xmlns:r="http://schemas.openxmlformats.org/officeDocument/2006/relationships" xmlns:p="http://schemas.openxmlformats.org/presentationml/2006/main">
+  <p:cSld>
+    <p:spTree>
+      <p:nvGrpSpPr>
+        <p:cNvPr id="1" name=""/>
+        <p:cNvGrpSpPr/>
+        <p:nvPr/>
+      </p:nvGrpSpPr>
+      <p:grpSpPr>
+        <a:xfrm>
+          <a:off x="0" y="0"/>
+          <a:ext cx="0" cy="0"/>
+          <a:chOff x="0" y="0"/>
+          <a:chExt cx="0" cy="0"/>
+        </a:xfrm>
+      </p:grpSpPr>
+      <p:sp>
+        <p:nvSpPr>
+          <p:cNvPr id="2" name="Slide Image Placeholder 1"/>
+          <p:cNvSpPr>
+            <a:spLocks noGrp="1" noRot="1" noChangeAspect="1"/>
+          </p:cNvSpPr>
+          <p:nvPr>
+            <p:ph type="sldImg"/>
+          </p:nvPr>
+        </p:nvSpPr>
+        <p:spPr/>
+      </p:sp>
+      <p:sp>
+        <p:nvSpPr>
+          <p:cNvPr id="3" name="Notes Placeholder 2"/>
+          <p:cNvSpPr>
+            <a:spLocks noGrp="1"/>
+          </p:cNvSpPr>
+          <p:nvPr>
+            <p:ph type="body" idx="1"/>
+          </p:nvPr>
+        </p:nvSpPr>
+        <p:spPr/>
+        <p:txBody>
+          <a:bodyPr/>
+          <a:lstStyle/>
+          <a:p>
+            <a:pPr marL="171450" indent="-171450">
+              <a:buFontTx/>
+              <a:buChar char="-"/>
+            </a:pPr>
+            <a:r>
+              <a:rPr lang="en-US" dirty="0"/>
+              <a:t>A</a:t>
+            </a:r>
+            <a:r>
+              <a:rPr lang="en-US" baseline="0" dirty="0"/>
+              <a:t> “unit” is a logical measure </a:t>
+            </a:r>
+            <a:r>
+              <a:rPr lang="en-US" baseline="0"/>
+              <a:t>of desired scale</a:t>
+            </a:r>
+            <a:endParaRPr lang="en-US" baseline="0" dirty="0"/>
+          </a:p>
+          <a:p>
+            <a:pPr marL="171450" indent="-171450">
+              <a:buFontTx/>
+              <a:buChar char="-"/>
+            </a:pPr>
+            <a:r>
+              <a:rPr lang="en-US" baseline="0" dirty="0"/>
+              <a:t># of units needed == (device count * messages/device/day)</a:t>
+            </a:r>
+            <a:endParaRPr lang="en-US" dirty="0"/>
+          </a:p>
+        </p:txBody>
+      </p:sp>
+      <p:sp>
+        <p:nvSpPr>
+          <p:cNvPr id="4" name="Slide Number Placeholder 3"/>
+          <p:cNvSpPr>
+            <a:spLocks noGrp="1"/>
+          </p:cNvSpPr>
+          <p:nvPr>
+            <p:ph type="sldNum" sz="quarter" idx="10"/>
+          </p:nvPr>
+        </p:nvSpPr>
+        <p:spPr/>
+        <p:txBody>
+          <a:bodyPr/>
+          <a:lstStyle/>
+          <a:p>
+            <a:fld id="{F780F3C0-0E75-4F44-8146-5496C4D61B62}" type="slidenum">
+              <a:rPr lang="en-US" smtClean="0"/>
+              <a:t>16</a:t>
+            </a:fld>
+            <a:endParaRPr lang="en-US"/>
+          </a:p>
+        </p:txBody>
+      </p:sp>
+    </p:spTree>
+    <p:extLst>
+      <p:ext uri="{BB962C8B-B14F-4D97-AF65-F5344CB8AC3E}">
+        <p14:creationId xmlns:p14="http://schemas.microsoft.com/office/powerpoint/2010/main" val="981658233"/>
       </p:ext>
     </p:extLst>
   </p:cSld>
@@ -823,110 +1058,52 @@
           <a:bodyPr/>
           <a:lstStyle/>
           <a:p>
-            <a:pPr marL="171450" marR="0" lvl="0" indent="-171450" algn="l" defTabSz="914400" rtl="0" eaLnBrk="1" fontAlgn="auto" latinLnBrk="0" hangingPunct="1">
-              <a:lnSpc>
-                <a:spcPct val="100000"/>
-              </a:lnSpc>
-              <a:spcBef>
-                <a:spcPts val="0"/>
-              </a:spcBef>
-              <a:spcAft>
-                <a:spcPts val="0"/>
-              </a:spcAft>
-              <a:buClrTx/>
-              <a:buSzTx/>
-              <a:buFontTx/>
-              <a:buChar char="-"/>
-              <a:tabLst/>
-              <a:defRPr/>
-            </a:pPr>
-            <a:r>
-              <a:rPr lang="en-US" dirty="0"/>
-              <a:t>Endpoint management</a:t>
-            </a:r>
-          </a:p>
-          <a:p>
-            <a:pPr marL="171450" marR="0" lvl="0" indent="-171450" algn="l" defTabSz="914400" rtl="0" eaLnBrk="1" fontAlgn="auto" latinLnBrk="0" hangingPunct="1">
-              <a:lnSpc>
-                <a:spcPct val="100000"/>
-              </a:lnSpc>
-              <a:spcBef>
-                <a:spcPts val="0"/>
-              </a:spcBef>
-              <a:spcAft>
-                <a:spcPts val="0"/>
-              </a:spcAft>
-              <a:buClrTx/>
-              <a:buSzTx/>
-              <a:buFontTx/>
-              <a:buChar char="-"/>
-              <a:tabLst/>
-              <a:defRPr/>
-            </a:pPr>
-            <a:r>
-              <a:rPr lang="en-US" dirty="0"/>
-              <a:t>Protocol negotiation</a:t>
-            </a:r>
-          </a:p>
-          <a:p>
-            <a:pPr marL="171450" marR="0" lvl="0" indent="-171450" algn="l" defTabSz="914400" rtl="0" eaLnBrk="1" fontAlgn="auto" latinLnBrk="0" hangingPunct="1">
-              <a:lnSpc>
-                <a:spcPct val="100000"/>
-              </a:lnSpc>
-              <a:spcBef>
-                <a:spcPts val="0"/>
-              </a:spcBef>
-              <a:spcAft>
-                <a:spcPts val="0"/>
-              </a:spcAft>
-              <a:buClrTx/>
-              <a:buSzTx/>
-              <a:buFontTx/>
-              <a:buChar char="-"/>
-              <a:tabLst/>
-              <a:defRPr/>
-            </a:pPr>
-            <a:r>
-              <a:rPr lang="en-US" dirty="0"/>
-              <a:t>Device</a:t>
+            <a:r>
+              <a:rPr lang="en-US" dirty="0"/>
+              <a:t>Going</a:t>
             </a:r>
             <a:r>
               <a:rPr lang="en-US" baseline="0" dirty="0"/>
-              <a:t> provisioning</a:t>
-            </a:r>
+              <a:t> one level deeper, but still technology agnostic, let’s talk about what an </a:t>
+            </a:r>
+            <a:r>
+              <a:rPr lang="en-US" baseline="0" dirty="0" err="1"/>
+              <a:t>IoT</a:t>
+            </a:r>
+            <a:r>
+              <a:rPr lang="en-US" baseline="0" dirty="0"/>
+              <a:t> architecture consists of.</a:t>
+            </a:r>
+          </a:p>
+          <a:p>
             <a:endParaRPr lang="en-US" dirty="0"/>
           </a:p>
           <a:p>
-            <a:pPr marL="171450" marR="0" lvl="0" indent="-171450" algn="l" defTabSz="914400" rtl="0" eaLnBrk="1" fontAlgn="auto" latinLnBrk="0" hangingPunct="1">
-              <a:lnSpc>
-                <a:spcPct val="100000"/>
-              </a:lnSpc>
-              <a:spcBef>
-                <a:spcPts val="0"/>
-              </a:spcBef>
-              <a:spcAft>
-                <a:spcPts val="0"/>
-              </a:spcAft>
-              <a:buClrTx/>
-              <a:buSzTx/>
-              <a:buFontTx/>
-              <a:buChar char="-"/>
-              <a:tabLst/>
-              <a:defRPr/>
-            </a:pPr>
-            <a:r>
-              <a:rPr lang="en-US" dirty="0"/>
-              <a:t>Authentication</a:t>
-            </a:r>
-          </a:p>
-          <a:p>
-            <a:pPr marL="171450" indent="-171450">
-              <a:buFontTx/>
-              <a:buChar char="-"/>
-            </a:pPr>
-            <a:r>
-              <a:rPr lang="en-US" dirty="0"/>
-              <a:t>State management</a:t>
+            <a:r>
+              <a:rPr lang="en-US" dirty="0"/>
+              <a:t>3 key areas:</a:t>
+            </a:r>
+          </a:p>
+          <a:p>
+            <a:r>
+              <a:rPr lang="en-US" dirty="0"/>
+              <a:t>Device Connectivity + Management</a:t>
+            </a:r>
+          </a:p>
+          <a:p>
+            <a:r>
+              <a:rPr lang="en-US" dirty="0"/>
+              <a:t>Data Processing</a:t>
+            </a:r>
+            <a:r>
+              <a:rPr lang="en-US" baseline="0" dirty="0"/>
+              <a:t> + Analytics</a:t>
+            </a:r>
+          </a:p>
+          <a:p>
+            <a:r>
+              <a:rPr lang="en-US" dirty="0"/>
+              <a:t>Presentation + Business Connectivity</a:t>
             </a:r>
           </a:p>
           <a:p>
@@ -951,7 +1128,7 @@
           <a:p>
             <a:fld id="{F780F3C0-0E75-4F44-8146-5496C4D61B62}" type="slidenum">
               <a:rPr lang="en-US" smtClean="0"/>
-              <a:t>6</a:t>
+              <a:t>5</a:t>
             </a:fld>
             <a:endParaRPr lang="en-US"/>
           </a:p>
@@ -960,7 +1137,7 @@
     </p:spTree>
     <p:extLst>
       <p:ext uri="{BB962C8B-B14F-4D97-AF65-F5344CB8AC3E}">
-        <p14:creationId xmlns:p14="http://schemas.microsoft.com/office/powerpoint/2010/main" val="221726859"/>
+        <p14:creationId xmlns:p14="http://schemas.microsoft.com/office/powerpoint/2010/main" val="3134745652"/>
       </p:ext>
     </p:extLst>
   </p:cSld>
@@ -1014,33 +1191,157 @@
           <a:bodyPr/>
           <a:lstStyle/>
           <a:p>
+            <a:pPr marL="0" marR="0" lvl="0" indent="0" algn="l" defTabSz="914400" rtl="0" eaLnBrk="1" fontAlgn="auto" latinLnBrk="0" hangingPunct="1">
+              <a:lnSpc>
+                <a:spcPct val="100000"/>
+              </a:lnSpc>
+              <a:spcBef>
+                <a:spcPts val="0"/>
+              </a:spcBef>
+              <a:spcAft>
+                <a:spcPts val="0"/>
+              </a:spcAft>
+              <a:buClrTx/>
+              <a:buSzTx/>
+              <a:buFontTx/>
+              <a:buNone/>
+              <a:tabLst/>
+              <a:defRPr/>
+            </a:pPr>
+            <a:r>
+              <a:rPr lang="en-US" dirty="0"/>
+              <a:t>First and foremost, connect</a:t>
+            </a:r>
+            <a:r>
+              <a:rPr lang="en-US" baseline="0" dirty="0"/>
+              <a:t>/identify/track devices…</a:t>
+            </a:r>
+          </a:p>
+          <a:p>
+            <a:pPr marL="0" marR="0" lvl="0" indent="0" algn="l" defTabSz="914400" rtl="0" eaLnBrk="1" fontAlgn="auto" latinLnBrk="0" hangingPunct="1">
+              <a:lnSpc>
+                <a:spcPct val="100000"/>
+              </a:lnSpc>
+              <a:spcBef>
+                <a:spcPts val="0"/>
+              </a:spcBef>
+              <a:spcAft>
+                <a:spcPts val="0"/>
+              </a:spcAft>
+              <a:buClrTx/>
+              <a:buSzTx/>
+              <a:buFontTx/>
+              <a:buNone/>
+              <a:tabLst/>
+              <a:defRPr/>
+            </a:pPr>
+            <a:endParaRPr lang="en-US" dirty="0"/>
+          </a:p>
+          <a:p>
+            <a:pPr marL="171450" marR="0" lvl="0" indent="-171450" algn="l" defTabSz="914400" rtl="0" eaLnBrk="1" fontAlgn="auto" latinLnBrk="0" hangingPunct="1">
+              <a:lnSpc>
+                <a:spcPct val="100000"/>
+              </a:lnSpc>
+              <a:spcBef>
+                <a:spcPts val="0"/>
+              </a:spcBef>
+              <a:spcAft>
+                <a:spcPts val="0"/>
+              </a:spcAft>
+              <a:buClrTx/>
+              <a:buSzTx/>
+              <a:buFontTx/>
+              <a:buChar char="-"/>
+              <a:tabLst/>
+              <a:defRPr/>
+            </a:pPr>
+            <a:r>
+              <a:rPr lang="en-US" dirty="0"/>
+              <a:t>Endpoint management</a:t>
+            </a:r>
+          </a:p>
+          <a:p>
+            <a:pPr marL="171450" marR="0" lvl="0" indent="-171450" algn="l" defTabSz="914400" rtl="0" eaLnBrk="1" fontAlgn="auto" latinLnBrk="0" hangingPunct="1">
+              <a:lnSpc>
+                <a:spcPct val="100000"/>
+              </a:lnSpc>
+              <a:spcBef>
+                <a:spcPts val="0"/>
+              </a:spcBef>
+              <a:spcAft>
+                <a:spcPts val="0"/>
+              </a:spcAft>
+              <a:buClrTx/>
+              <a:buSzTx/>
+              <a:buFontTx/>
+              <a:buChar char="-"/>
+              <a:tabLst/>
+              <a:defRPr/>
+            </a:pPr>
+            <a:r>
+              <a:rPr lang="en-US" dirty="0"/>
+              <a:t>Protocol negotiation</a:t>
+            </a:r>
+          </a:p>
+          <a:p>
+            <a:pPr marL="171450" marR="0" lvl="0" indent="-171450" algn="l" defTabSz="914400" rtl="0" eaLnBrk="1" fontAlgn="auto" latinLnBrk="0" hangingPunct="1">
+              <a:lnSpc>
+                <a:spcPct val="100000"/>
+              </a:lnSpc>
+              <a:spcBef>
+                <a:spcPts val="0"/>
+              </a:spcBef>
+              <a:spcAft>
+                <a:spcPts val="0"/>
+              </a:spcAft>
+              <a:buClrTx/>
+              <a:buSzTx/>
+              <a:buFontTx/>
+              <a:buChar char="-"/>
+              <a:tabLst/>
+              <a:defRPr/>
+            </a:pPr>
+            <a:r>
+              <a:rPr lang="en-US" dirty="0"/>
+              <a:t>Device</a:t>
+            </a:r>
+            <a:r>
+              <a:rPr lang="en-US" baseline="0" dirty="0"/>
+              <a:t> provisioning</a:t>
+            </a:r>
+            <a:endParaRPr lang="en-US" dirty="0"/>
+          </a:p>
+          <a:p>
+            <a:pPr marL="171450" marR="0" lvl="0" indent="-171450" algn="l" defTabSz="914400" rtl="0" eaLnBrk="1" fontAlgn="auto" latinLnBrk="0" hangingPunct="1">
+              <a:lnSpc>
+                <a:spcPct val="100000"/>
+              </a:lnSpc>
+              <a:spcBef>
+                <a:spcPts val="0"/>
+              </a:spcBef>
+              <a:spcAft>
+                <a:spcPts val="0"/>
+              </a:spcAft>
+              <a:buClrTx/>
+              <a:buSzTx/>
+              <a:buFontTx/>
+              <a:buChar char="-"/>
+              <a:tabLst/>
+              <a:defRPr/>
+            </a:pPr>
+            <a:r>
+              <a:rPr lang="en-US" dirty="0"/>
+              <a:t>Authentication</a:t>
+            </a:r>
+          </a:p>
+          <a:p>
             <a:pPr marL="171450" indent="-171450">
               <a:buFontTx/>
               <a:buChar char="-"/>
             </a:pPr>
             <a:r>
-              <a:rPr lang="en-US" baseline="0" dirty="0"/>
-              <a:t>Streaming endpoints</a:t>
-            </a:r>
-          </a:p>
-          <a:p>
-            <a:pPr marL="171450" indent="-171450">
-              <a:buFontTx/>
-              <a:buChar char="-"/>
-            </a:pPr>
-            <a:r>
-              <a:rPr lang="en-US" baseline="0" dirty="0"/>
-              <a:t>Durable storage</a:t>
-            </a:r>
-          </a:p>
-          <a:p>
-            <a:pPr marL="171450" indent="-171450">
-              <a:buFontTx/>
-              <a:buChar char="-"/>
-            </a:pPr>
-            <a:r>
-              <a:rPr lang="en-US" baseline="0" dirty="0"/>
-              <a:t>Machine learning, BI, etc.</a:t>
+              <a:rPr lang="en-US" dirty="0"/>
+              <a:t>State management</a:t>
             </a:r>
           </a:p>
           <a:p>
@@ -1065,7 +1366,7 @@
           <a:p>
             <a:fld id="{F780F3C0-0E75-4F44-8146-5496C4D61B62}" type="slidenum">
               <a:rPr lang="en-US" smtClean="0"/>
-              <a:t>7</a:t>
+              <a:t>6</a:t>
             </a:fld>
             <a:endParaRPr lang="en-US"/>
           </a:p>
@@ -1074,7 +1375,7 @@
     </p:spTree>
     <p:extLst>
       <p:ext uri="{BB962C8B-B14F-4D97-AF65-F5344CB8AC3E}">
-        <p14:creationId xmlns:p14="http://schemas.microsoft.com/office/powerpoint/2010/main" val="2054015893"/>
+        <p14:creationId xmlns:p14="http://schemas.microsoft.com/office/powerpoint/2010/main" val="221726859"/>
       </p:ext>
     </p:extLst>
   </p:cSld>
@@ -1128,95 +1429,50 @@
           <a:bodyPr/>
           <a:lstStyle/>
           <a:p>
-            <a:pPr marL="171450" marR="0" lvl="0" indent="-171450" algn="l" defTabSz="914400" rtl="0" eaLnBrk="1" fontAlgn="auto" latinLnBrk="0" hangingPunct="1">
-              <a:lnSpc>
-                <a:spcPct val="100000"/>
-              </a:lnSpc>
-              <a:spcBef>
-                <a:spcPts val="0"/>
-              </a:spcBef>
-              <a:spcAft>
-                <a:spcPts val="0"/>
-              </a:spcAft>
-              <a:buClrTx/>
-              <a:buSzTx/>
+            <a:pPr marL="0" indent="0">
+              <a:buFontTx/>
+              <a:buNone/>
+            </a:pPr>
+            <a:r>
+              <a:rPr lang="en-US" baseline="0" dirty="0"/>
+              <a:t>Want to do interesting things with all this data…</a:t>
+            </a:r>
+          </a:p>
+          <a:p>
+            <a:pPr marL="0" indent="0">
+              <a:buFontTx/>
+              <a:buNone/>
+            </a:pPr>
+            <a:endParaRPr lang="en-US" baseline="0" dirty="0"/>
+          </a:p>
+          <a:p>
+            <a:pPr marL="171450" indent="-171450">
               <a:buFontTx/>
               <a:buChar char="-"/>
-              <a:tabLst/>
-              <a:defRPr/>
             </a:pPr>
             <a:r>
               <a:rPr lang="en-US" baseline="0" dirty="0"/>
-              <a:t>App integration and custom logic</a:t>
-            </a:r>
-          </a:p>
-          <a:p>
-            <a:pPr marL="171450" marR="0" lvl="0" indent="-171450" algn="l" defTabSz="914400" rtl="0" eaLnBrk="1" fontAlgn="auto" latinLnBrk="0" hangingPunct="1">
-              <a:lnSpc>
-                <a:spcPct val="100000"/>
-              </a:lnSpc>
-              <a:spcBef>
-                <a:spcPts val="0"/>
-              </a:spcBef>
-              <a:spcAft>
-                <a:spcPts val="0"/>
-              </a:spcAft>
-              <a:buClrTx/>
-              <a:buSzTx/>
+              <a:t>Streaming endpoints</a:t>
+            </a:r>
+          </a:p>
+          <a:p>
+            <a:pPr marL="171450" indent="-171450">
               <a:buFontTx/>
               <a:buChar char="-"/>
-              <a:tabLst/>
-              <a:defRPr/>
             </a:pPr>
             <a:r>
               <a:rPr lang="en-US" baseline="0" dirty="0"/>
-              <a:t>Reporting</a:t>
-            </a:r>
-          </a:p>
-          <a:p>
-            <a:pPr marL="171450" marR="0" lvl="0" indent="-171450" algn="l" defTabSz="914400" rtl="0" eaLnBrk="1" fontAlgn="auto" latinLnBrk="0" hangingPunct="1">
-              <a:lnSpc>
-                <a:spcPct val="100000"/>
-              </a:lnSpc>
-              <a:spcBef>
-                <a:spcPts val="0"/>
-              </a:spcBef>
-              <a:spcAft>
-                <a:spcPts val="0"/>
-              </a:spcAft>
-              <a:buClrTx/>
-              <a:buSzTx/>
+              <a:t>Durable storage</a:t>
+            </a:r>
+          </a:p>
+          <a:p>
+            <a:pPr marL="171450" indent="-171450">
               <a:buFontTx/>
               <a:buChar char="-"/>
-              <a:tabLst/>
-              <a:defRPr/>
             </a:pPr>
             <a:r>
               <a:rPr lang="en-US" baseline="0" dirty="0"/>
-              <a:t>Dashboards</a:t>
-            </a:r>
-          </a:p>
-          <a:p>
-            <a:pPr marL="171450" marR="0" lvl="0" indent="-171450" algn="l" defTabSz="914400" rtl="0" eaLnBrk="1" fontAlgn="auto" latinLnBrk="0" hangingPunct="1">
-              <a:lnSpc>
-                <a:spcPct val="100000"/>
-              </a:lnSpc>
-              <a:spcBef>
-                <a:spcPts val="0"/>
-              </a:spcBef>
-              <a:spcAft>
-                <a:spcPts val="0"/>
-              </a:spcAft>
-              <a:buClrTx/>
-              <a:buSzTx/>
-              <a:buFontTx/>
-              <a:buChar char="-"/>
-              <a:tabLst/>
-              <a:defRPr/>
-            </a:pPr>
-            <a:r>
-              <a:rPr lang="en-US" baseline="0" dirty="0"/>
-              <a:t>External system integration</a:t>
+              <a:t>Machine learning, BI, etc.</a:t>
             </a:r>
           </a:p>
           <a:p>
@@ -1241,7 +1497,7 @@
           <a:p>
             <a:fld id="{F780F3C0-0E75-4F44-8146-5496C4D61B62}" type="slidenum">
               <a:rPr lang="en-US" smtClean="0"/>
-              <a:t>8</a:t>
+              <a:t>7</a:t>
             </a:fld>
             <a:endParaRPr lang="en-US"/>
           </a:p>
@@ -1250,7 +1506,7 @@
     </p:spTree>
     <p:extLst>
       <p:ext uri="{BB962C8B-B14F-4D97-AF65-F5344CB8AC3E}">
-        <p14:creationId xmlns:p14="http://schemas.microsoft.com/office/powerpoint/2010/main" val="320923820"/>
+        <p14:creationId xmlns:p14="http://schemas.microsoft.com/office/powerpoint/2010/main" val="2054015893"/>
       </p:ext>
     </p:extLst>
   </p:cSld>
@@ -1304,37 +1560,150 @@
           <a:bodyPr/>
           <a:lstStyle/>
           <a:p>
-            <a:r>
-              <a:rPr lang="en-US" dirty="0"/>
-              <a:t>Two main templates:</a:t>
-            </a:r>
-          </a:p>
-          <a:p>
-            <a:pPr marL="171450" indent="-171450">
+            <a:pPr marL="0" marR="0" lvl="0" indent="0" algn="l" defTabSz="914400" rtl="0" eaLnBrk="1" fontAlgn="auto" latinLnBrk="0" hangingPunct="1">
+              <a:lnSpc>
+                <a:spcPct val="100000"/>
+              </a:lnSpc>
+              <a:spcBef>
+                <a:spcPts val="0"/>
+              </a:spcBef>
+              <a:spcAft>
+                <a:spcPts val="0"/>
+              </a:spcAft>
+              <a:buClrTx/>
+              <a:buSzTx/>
+              <a:buFontTx/>
+              <a:buNone/>
+              <a:tabLst/>
+              <a:defRPr/>
+            </a:pPr>
+            <a:r>
+              <a:rPr lang="en-US" baseline="0" dirty="0"/>
+              <a:t>No </a:t>
+            </a:r>
+            <a:r>
+              <a:rPr lang="en-US" baseline="0" dirty="0" err="1"/>
+              <a:t>IoT</a:t>
+            </a:r>
+            <a:r>
+              <a:rPr lang="en-US" baseline="0" dirty="0"/>
+              <a:t> solution is an island…</a:t>
+            </a:r>
+          </a:p>
+          <a:p>
+            <a:pPr marL="0" marR="0" lvl="0" indent="0" algn="l" defTabSz="914400" rtl="0" eaLnBrk="1" fontAlgn="auto" latinLnBrk="0" hangingPunct="1">
+              <a:lnSpc>
+                <a:spcPct val="100000"/>
+              </a:lnSpc>
+              <a:spcBef>
+                <a:spcPts val="0"/>
+              </a:spcBef>
+              <a:spcAft>
+                <a:spcPts val="0"/>
+              </a:spcAft>
+              <a:buClrTx/>
+              <a:buSzTx/>
+              <a:buFontTx/>
+              <a:buNone/>
+              <a:tabLst/>
+              <a:defRPr/>
+            </a:pPr>
+            <a:endParaRPr lang="en-US" baseline="0" dirty="0"/>
+          </a:p>
+          <a:p>
+            <a:pPr marL="171450" marR="0" lvl="0" indent="-171450" algn="l" defTabSz="914400" rtl="0" eaLnBrk="1" fontAlgn="auto" latinLnBrk="0" hangingPunct="1">
+              <a:lnSpc>
+                <a:spcPct val="100000"/>
+              </a:lnSpc>
+              <a:spcBef>
+                <a:spcPts val="0"/>
+              </a:spcBef>
+              <a:spcAft>
+                <a:spcPts val="0"/>
+              </a:spcAft>
+              <a:buClrTx/>
+              <a:buSzTx/>
               <a:buFontTx/>
               <a:buChar char="-"/>
+              <a:tabLst/>
+              <a:defRPr/>
             </a:pPr>
             <a:r>
               <a:rPr lang="en-US" baseline="0" dirty="0"/>
-              <a:t>Remote monitoring</a:t>
-            </a:r>
-          </a:p>
-          <a:p>
-            <a:pPr marL="171450" indent="-171450">
+              <a:t>App integration and custom logic</a:t>
+            </a:r>
+          </a:p>
+          <a:p>
+            <a:pPr marL="171450" marR="0" lvl="0" indent="-171450" algn="l" defTabSz="914400" rtl="0" eaLnBrk="1" fontAlgn="auto" latinLnBrk="0" hangingPunct="1">
+              <a:lnSpc>
+                <a:spcPct val="100000"/>
+              </a:lnSpc>
+              <a:spcBef>
+                <a:spcPts val="0"/>
+              </a:spcBef>
+              <a:spcAft>
+                <a:spcPts val="0"/>
+              </a:spcAft>
+              <a:buClrTx/>
+              <a:buSzTx/>
               <a:buFontTx/>
               <a:buChar char="-"/>
+              <a:tabLst/>
+              <a:defRPr/>
             </a:pPr>
             <a:r>
               <a:rPr lang="en-US" baseline="0" dirty="0"/>
-              <a:t>Predictive maintenance</a:t>
-            </a:r>
-          </a:p>
-          <a:p>
-            <a:pPr marL="0" indent="0">
+              <a:t>Reporting</a:t>
+            </a:r>
+          </a:p>
+          <a:p>
+            <a:pPr marL="171450" marR="0" lvl="0" indent="-171450" algn="l" defTabSz="914400" rtl="0" eaLnBrk="1" fontAlgn="auto" latinLnBrk="0" hangingPunct="1">
+              <a:lnSpc>
+                <a:spcPct val="100000"/>
+              </a:lnSpc>
+              <a:spcBef>
+                <a:spcPts val="0"/>
+              </a:spcBef>
+              <a:spcAft>
+                <a:spcPts val="0"/>
+              </a:spcAft>
+              <a:buClrTx/>
+              <a:buSzTx/>
               <a:buFontTx/>
-              <a:buNone/>
+              <a:buChar char="-"/>
+              <a:tabLst/>
+              <a:defRPr/>
             </a:pPr>
-            <a:endParaRPr lang="en-US" baseline="0" dirty="0"/>
+            <a:r>
+              <a:rPr lang="en-US" baseline="0" dirty="0"/>
+              <a:t>Dashboards</a:t>
+            </a:r>
+          </a:p>
+          <a:p>
+            <a:pPr marL="171450" marR="0" lvl="0" indent="-171450" algn="l" defTabSz="914400" rtl="0" eaLnBrk="1" fontAlgn="auto" latinLnBrk="0" hangingPunct="1">
+              <a:lnSpc>
+                <a:spcPct val="100000"/>
+              </a:lnSpc>
+              <a:spcBef>
+                <a:spcPts val="0"/>
+              </a:spcBef>
+              <a:spcAft>
+                <a:spcPts val="0"/>
+              </a:spcAft>
+              <a:buClrTx/>
+              <a:buSzTx/>
+              <a:buFontTx/>
+              <a:buChar char="-"/>
+              <a:tabLst/>
+              <a:defRPr/>
+            </a:pPr>
+            <a:r>
+              <a:rPr lang="en-US" baseline="0" dirty="0"/>
+              <a:t>External system integration</a:t>
+            </a:r>
+          </a:p>
+          <a:p>
+            <a:endParaRPr lang="en-US" dirty="0"/>
           </a:p>
         </p:txBody>
       </p:sp>
@@ -1355,7 +1724,7 @@
           <a:p>
             <a:fld id="{F780F3C0-0E75-4F44-8146-5496C4D61B62}" type="slidenum">
               <a:rPr lang="en-US" smtClean="0"/>
-              <a:t>9</a:t>
+              <a:t>8</a:t>
             </a:fld>
             <a:endParaRPr lang="en-US"/>
           </a:p>
@@ -1364,7 +1733,7 @@
     </p:spTree>
     <p:extLst>
       <p:ext uri="{BB962C8B-B14F-4D97-AF65-F5344CB8AC3E}">
-        <p14:creationId xmlns:p14="http://schemas.microsoft.com/office/powerpoint/2010/main" val="289632237"/>
+        <p14:creationId xmlns:p14="http://schemas.microsoft.com/office/powerpoint/2010/main" val="320923820"/>
       </p:ext>
     </p:extLst>
   </p:cSld>
@@ -1418,54 +1787,46 @@
           <a:bodyPr/>
           <a:lstStyle/>
           <a:p>
+            <a:r>
+              <a:rPr lang="en-US" dirty="0"/>
+              <a:t>References to this are confusing… mostly marketing terminology.</a:t>
+            </a:r>
+          </a:p>
+          <a:p>
+            <a:endParaRPr lang="en-US" dirty="0"/>
+          </a:p>
+          <a:p>
+            <a:r>
+              <a:rPr lang="en-US" dirty="0"/>
+              <a:t>Two main templates:</a:t>
+            </a:r>
+          </a:p>
+          <a:p>
+            <a:pPr marL="171450" indent="-171450">
+              <a:buFontTx/>
+              <a:buChar char="-"/>
+            </a:pPr>
+            <a:r>
+              <a:rPr lang="en-US" baseline="0" dirty="0"/>
+              <a:t>Remote monitoring</a:t>
+            </a:r>
+          </a:p>
+          <a:p>
+            <a:pPr marL="171450" indent="-171450">
+              <a:buFontTx/>
+              <a:buChar char="-"/>
+            </a:pPr>
+            <a:r>
+              <a:rPr lang="en-US" baseline="0" dirty="0"/>
+              <a:t>Predictive maintenance</a:t>
+            </a:r>
+          </a:p>
+          <a:p>
             <a:pPr marL="0" indent="0">
               <a:buFontTx/>
               <a:buNone/>
             </a:pPr>
-            <a:r>
-              <a:rPr lang="en-US" dirty="0"/>
-              <a:t>Encompasses</a:t>
-            </a:r>
-            <a:r>
-              <a:rPr lang="en-US" baseline="0" dirty="0"/>
-              <a:t> three main capabilities:</a:t>
-            </a:r>
-            <a:endParaRPr lang="en-US" dirty="0"/>
-          </a:p>
-          <a:p>
-            <a:pPr marL="171450" indent="-171450">
-              <a:buFontTx/>
-              <a:buChar char="-"/>
-            </a:pPr>
-            <a:r>
-              <a:rPr lang="en-US" dirty="0"/>
-              <a:t>Cloud gateway</a:t>
-            </a:r>
-          </a:p>
-          <a:p>
-            <a:pPr marL="171450" indent="-171450">
-              <a:buFontTx/>
-              <a:buChar char="-"/>
-            </a:pPr>
-            <a:r>
-              <a:rPr lang="en-US" dirty="0"/>
-              <a:t>Field gateway</a:t>
-            </a:r>
-            <a:r>
-              <a:rPr lang="en-US" baseline="0" dirty="0"/>
-              <a:t> (Gateway SDK)</a:t>
-            </a:r>
-          </a:p>
-          <a:p>
-            <a:pPr marL="171450" indent="-171450">
-              <a:buFontTx/>
-              <a:buChar char="-"/>
-            </a:pPr>
-            <a:r>
-              <a:rPr lang="en-US" baseline="0" dirty="0"/>
-              <a:t>Device identity, provisioning, state management</a:t>
-            </a:r>
-            <a:endParaRPr lang="en-US" dirty="0"/>
+            <a:endParaRPr lang="en-US" baseline="0" dirty="0"/>
           </a:p>
         </p:txBody>
       </p:sp>
@@ -1486,7 +1847,7 @@
           <a:p>
             <a:fld id="{F780F3C0-0E75-4F44-8146-5496C4D61B62}" type="slidenum">
               <a:rPr lang="en-US" smtClean="0"/>
-              <a:t>12</a:t>
+              <a:t>9</a:t>
             </a:fld>
             <a:endParaRPr lang="en-US"/>
           </a:p>
@@ -1495,7 +1856,7 @@
     </p:spTree>
     <p:extLst>
       <p:ext uri="{BB962C8B-B14F-4D97-AF65-F5344CB8AC3E}">
-        <p14:creationId xmlns:p14="http://schemas.microsoft.com/office/powerpoint/2010/main" val="4173197478"/>
+        <p14:creationId xmlns:p14="http://schemas.microsoft.com/office/powerpoint/2010/main" val="289632237"/>
       </p:ext>
     </p:extLst>
   </p:cSld>
@@ -1549,23 +1910,29 @@
           <a:bodyPr/>
           <a:lstStyle/>
           <a:p>
+            <a:pPr marL="0" indent="0">
+              <a:buFontTx/>
+              <a:buNone/>
+            </a:pPr>
+            <a:r>
+              <a:rPr lang="en-US" dirty="0"/>
+              <a:t>Encompasses</a:t>
+            </a:r>
+            <a:r>
+              <a:rPr lang="en-US" baseline="0" dirty="0"/>
+              <a:t> three main capabilities:</a:t>
+            </a:r>
+            <a:endParaRPr lang="en-US" dirty="0"/>
+          </a:p>
+          <a:p>
             <a:pPr marL="171450" indent="-171450">
               <a:buFontTx/>
               <a:buChar char="-"/>
             </a:pPr>
             <a:r>
               <a:rPr lang="en-US" dirty="0"/>
-              <a:t>A</a:t>
-            </a:r>
-            <a:r>
-              <a:rPr lang="en-US" baseline="0" dirty="0"/>
-              <a:t> “unit” is a logical measure </a:t>
-            </a:r>
-            <a:r>
-              <a:rPr lang="en-US" baseline="0"/>
-              <a:t>of desired scale</a:t>
-            </a:r>
-            <a:endParaRPr lang="en-US" baseline="0" dirty="0"/>
+              <a:t>Cloud gateway</a:t>
+            </a:r>
           </a:p>
           <a:p>
             <a:pPr marL="171450" indent="-171450">
@@ -1573,8 +1940,22 @@
               <a:buChar char="-"/>
             </a:pPr>
             <a:r>
+              <a:rPr lang="en-US" dirty="0"/>
+              <a:t>Field gateway</a:t>
+            </a:r>
+            <a:r>
               <a:rPr lang="en-US" baseline="0" dirty="0"/>
-              <a:t># of units needed == (device count * messages/device/day)</a:t>
+              <a:t> (Gateway SDK)</a:t>
+            </a:r>
+          </a:p>
+          <a:p>
+            <a:pPr marL="171450" indent="-171450">
+              <a:buFontTx/>
+              <a:buChar char="-"/>
+            </a:pPr>
+            <a:r>
+              <a:rPr lang="en-US" baseline="0" dirty="0"/>
+              <a:t>Device identity, provisioning, state management</a:t>
             </a:r>
             <a:endParaRPr lang="en-US" dirty="0"/>
           </a:p>
@@ -1597,7 +1978,7 @@
           <a:p>
             <a:fld id="{F780F3C0-0E75-4F44-8146-5496C4D61B62}" type="slidenum">
               <a:rPr lang="en-US" smtClean="0"/>
-              <a:t>13</a:t>
+              <a:t>12</a:t>
             </a:fld>
             <a:endParaRPr lang="en-US"/>
           </a:p>
@@ -1606,7 +1987,7 @@
     </p:spTree>
     <p:extLst>
       <p:ext uri="{BB962C8B-B14F-4D97-AF65-F5344CB8AC3E}">
-        <p14:creationId xmlns:p14="http://schemas.microsoft.com/office/powerpoint/2010/main" val="981658233"/>
+        <p14:creationId xmlns:p14="http://schemas.microsoft.com/office/powerpoint/2010/main" val="4173197478"/>
       </p:ext>
     </p:extLst>
   </p:cSld>
@@ -1763,7 +2144,7 @@
           <a:p>
             <a:fld id="{F780F3C0-0E75-4F44-8146-5496C4D61B62}" type="slidenum">
               <a:rPr lang="en-US" smtClean="0"/>
-              <a:t>14</a:t>
+              <a:t>13</a:t>
             </a:fld>
             <a:endParaRPr lang="en-US"/>
           </a:p>
@@ -1826,70 +2207,21 @@
           <a:bodyPr/>
           <a:lstStyle/>
           <a:p>
-            <a:pPr marL="171450" indent="-171450">
-              <a:buFontTx/>
-              <a:buChar char="-"/>
-            </a:pPr>
-            <a:r>
-              <a:rPr lang="en-US" dirty="0"/>
-              <a:t>All supported by IoT Hub</a:t>
-            </a:r>
-          </a:p>
-          <a:p>
-            <a:pPr marL="171450" indent="-171450">
-              <a:buFontTx/>
-              <a:buChar char="-"/>
-            </a:pPr>
-            <a:r>
-              <a:rPr lang="en-US" dirty="0"/>
-              <a:t>Based on </a:t>
-            </a:r>
-            <a:r>
-              <a:rPr lang="en-US" sz="1200" b="0" i="0" kern="1200" dirty="0">
-                <a:solidFill>
-                  <a:schemeClr val="tx1"/>
-                </a:solidFill>
-                <a:effectLst/>
-                <a:latin typeface="+mn-lt"/>
-                <a:ea typeface="+mn-ea"/>
-                <a:cs typeface="+mn-cs"/>
-              </a:rPr>
-              <a:t>LWM2M (Lightweight</a:t>
-            </a:r>
-            <a:r>
-              <a:rPr lang="en-US" sz="1200" b="0" i="0" kern="1200" baseline="0" dirty="0">
-                <a:solidFill>
-                  <a:schemeClr val="tx1"/>
-                </a:solidFill>
-                <a:effectLst/>
-                <a:latin typeface="+mn-lt"/>
-                <a:ea typeface="+mn-ea"/>
-                <a:cs typeface="+mn-cs"/>
-              </a:rPr>
-              <a:t> Machine to Machine) </a:t>
-            </a:r>
-            <a:r>
-              <a:rPr lang="en-US" sz="1200" b="0" i="0" kern="1200" dirty="0">
-                <a:solidFill>
-                  <a:schemeClr val="tx1"/>
-                </a:solidFill>
-                <a:effectLst/>
-                <a:latin typeface="+mn-lt"/>
-                <a:ea typeface="+mn-ea"/>
-                <a:cs typeface="+mn-cs"/>
-              </a:rPr>
-              <a:t>protocol</a:t>
-            </a:r>
-            <a:endParaRPr lang="en-US" dirty="0"/>
-          </a:p>
-          <a:p>
-            <a:pPr marL="171450" indent="-171450">
-              <a:buFontTx/>
-              <a:buChar char="-"/>
-            </a:pPr>
+            <a:r>
+              <a:rPr lang="en-US" dirty="0"/>
+              <a:t>Let’s talk more specifically</a:t>
+            </a:r>
             <a:r>
               <a:rPr lang="en-US" baseline="0" dirty="0"/>
-              <a:t>Relies on concept of “device twin” which is cloud-stored metadata synchronized with physical devices</a:t>
+              <a:t> about what device to cloud messaging looks like in </a:t>
+            </a:r>
+            <a:r>
+              <a:rPr lang="en-US" baseline="0" dirty="0" err="1"/>
+              <a:t>IoT</a:t>
+            </a:r>
+            <a:r>
+              <a:rPr lang="en-US" baseline="0" dirty="0"/>
+              <a:t> Hub…</a:t>
             </a:r>
             <a:endParaRPr lang="en-US" dirty="0"/>
           </a:p>
@@ -1912,7 +2244,7 @@
           <a:p>
             <a:fld id="{F780F3C0-0E75-4F44-8146-5496C4D61B62}" type="slidenum">
               <a:rPr lang="en-US" smtClean="0"/>
-              <a:t>16</a:t>
+              <a:t>14</a:t>
             </a:fld>
             <a:endParaRPr lang="en-US"/>
           </a:p>
@@ -1921,7 +2253,7 @@
     </p:spTree>
     <p:extLst>
       <p:ext uri="{BB962C8B-B14F-4D97-AF65-F5344CB8AC3E}">
-        <p14:creationId xmlns:p14="http://schemas.microsoft.com/office/powerpoint/2010/main" val="1522331605"/>
+        <p14:creationId xmlns:p14="http://schemas.microsoft.com/office/powerpoint/2010/main" val="715163063"/>
       </p:ext>
     </p:extLst>
   </p:cSld>
@@ -1990,7 +2322,7 @@
             <a:fld id="{B01F9CA3-105E-4857-9057-6DB6197DA786}" type="datetimeFigureOut">
               <a:rPr lang="en-US" smtClean="0"/>
               <a:pPr/>
-              <a:t>10/12/2016</a:t>
+              <a:t>10/13/2016</a:t>
             </a:fld>
             <a:endParaRPr lang="en-US"/>
           </a:p>
@@ -2199,7 +2531,7 @@
             <a:fld id="{B01F9CA3-105E-4857-9057-6DB6197DA786}" type="datetimeFigureOut">
               <a:rPr lang="en-US" smtClean="0"/>
               <a:pPr/>
-              <a:t>10/12/2016</a:t>
+              <a:t>10/13/2016</a:t>
             </a:fld>
             <a:endParaRPr lang="en-US"/>
           </a:p>
@@ -3856,7 +4188,7 @@
             <a:fld id="{B01F9CA3-105E-4857-9057-6DB6197DA786}" type="datetimeFigureOut">
               <a:rPr lang="en-US" smtClean="0"/>
               <a:pPr/>
-              <a:t>10/12/2016</a:t>
+              <a:t>10/13/2016</a:t>
             </a:fld>
             <a:endParaRPr lang="en-US"/>
           </a:p>
@@ -4150,7 +4482,7 @@
             <a:fld id="{B01F9CA3-105E-4857-9057-6DB6197DA786}" type="datetimeFigureOut">
               <a:rPr lang="en-US" smtClean="0"/>
               <a:pPr/>
-              <a:t>10/12/2016</a:t>
+              <a:t>10/13/2016</a:t>
             </a:fld>
             <a:endParaRPr lang="en-US"/>
           </a:p>
@@ -4438,7 +4770,7 @@
             <a:fld id="{B01F9CA3-105E-4857-9057-6DB6197DA786}" type="datetimeFigureOut">
               <a:rPr lang="en-US" smtClean="0"/>
               <a:pPr/>
-              <a:t>10/12/2016</a:t>
+              <a:t>10/13/2016</a:t>
             </a:fld>
             <a:endParaRPr lang="en-US"/>
           </a:p>
@@ -4632,7 +4964,7 @@
             <a:fld id="{B01F9CA3-105E-4857-9057-6DB6197DA786}" type="datetimeFigureOut">
               <a:rPr lang="en-US" smtClean="0"/>
               <a:pPr/>
-              <a:t>10/12/2016</a:t>
+              <a:t>10/13/2016</a:t>
             </a:fld>
             <a:endParaRPr lang="en-US"/>
           </a:p>
@@ -4809,7 +5141,7 @@
             <a:fld id="{B01F9CA3-105E-4857-9057-6DB6197DA786}" type="datetimeFigureOut">
               <a:rPr lang="en-US" smtClean="0"/>
               <a:pPr/>
-              <a:t>10/12/2016</a:t>
+              <a:t>10/13/2016</a:t>
             </a:fld>
             <a:endParaRPr lang="en-US"/>
           </a:p>
@@ -4969,7 +5301,7 @@
             <a:fld id="{B01F9CA3-105E-4857-9057-6DB6197DA786}" type="datetimeFigureOut">
               <a:rPr lang="en-US" smtClean="0"/>
               <a:pPr/>
-              <a:t>10/12/2016</a:t>
+              <a:t>10/13/2016</a:t>
             </a:fld>
             <a:endParaRPr lang="en-US"/>
           </a:p>
@@ -5129,7 +5461,7 @@
             <a:fld id="{B01F9CA3-105E-4857-9057-6DB6197DA786}" type="datetimeFigureOut">
               <a:rPr lang="en-US" smtClean="0"/>
               <a:pPr/>
-              <a:t>10/12/2016</a:t>
+              <a:t>10/13/2016</a:t>
             </a:fld>
             <a:endParaRPr lang="en-US"/>
           </a:p>
@@ -5378,7 +5710,7 @@
             <a:fld id="{B01F9CA3-105E-4857-9057-6DB6197DA786}" type="datetimeFigureOut">
               <a:rPr lang="en-US" smtClean="0"/>
               <a:pPr/>
-              <a:t>10/12/2016</a:t>
+              <a:t>10/13/2016</a:t>
             </a:fld>
             <a:endParaRPr lang="en-US"/>
           </a:p>
@@ -5616,7 +5948,7 @@
             <a:fld id="{B01F9CA3-105E-4857-9057-6DB6197DA786}" type="datetimeFigureOut">
               <a:rPr lang="en-US" smtClean="0"/>
               <a:pPr/>
-              <a:t>10/12/2016</a:t>
+              <a:t>10/13/2016</a:t>
             </a:fld>
             <a:endParaRPr lang="en-US"/>
           </a:p>
@@ -6258,7 +6590,7 @@
             <a:fld id="{B01F9CA3-105E-4857-9057-6DB6197DA786}" type="datetimeFigureOut">
               <a:rPr lang="en-US" smtClean="0"/>
               <a:pPr/>
-              <a:t>10/12/2016</a:t>
+              <a:t>10/13/2016</a:t>
             </a:fld>
             <a:endParaRPr lang="en-US"/>
           </a:p>
@@ -7219,7 +7551,7 @@
           <a:p>
             <a:r>
               <a:rPr lang="en-US" dirty="0"/>
-              <a:t>An Introduction to Azure </a:t>
+              <a:t>An Introduction to </a:t>
             </a:r>
             <a:r>
               <a:rPr lang="en-US" dirty="0" err="1"/>
@@ -7227,7 +7559,7 @@
             </a:r>
             <a:r>
               <a:rPr lang="en-US" dirty="0"/>
-              <a:t> Suite</a:t>
+              <a:t> on Azure</a:t>
             </a:r>
             <a:br>
               <a:rPr lang="en-US" dirty="0"/>
@@ -7284,20 +7616,32 @@
           <a:lstStyle/>
           <a:p>
             <a:r>
-              <a:rPr lang="en-US" dirty="0"/>
-              <a:t>Devices – various Linux-, Windows-, Android-, Arduino-based field devices</a:t>
-            </a:r>
-          </a:p>
-          <a:p>
-            <a:r>
-              <a:rPr lang="en-US" dirty="0"/>
-              <a:t>Data ingest – Azure IoT Hub or Event Hub</a:t>
-            </a:r>
-          </a:p>
-          <a:p>
-            <a:r>
-              <a:rPr lang="en-US" dirty="0"/>
-              <a:t>Data-at-rest – Azure Storage, </a:t>
+              <a:rPr lang="en-US" b="1" dirty="0"/>
+              <a:t>Devices</a:t>
+            </a:r>
+            <a:r>
+              <a:rPr lang="en-US" dirty="0"/>
+              <a:t> – various Linux-, Windows-, Android-, Arduino-based field devices</a:t>
+            </a:r>
+          </a:p>
+          <a:p>
+            <a:r>
+              <a:rPr lang="en-US" b="1" dirty="0"/>
+              <a:t>Data ingest </a:t>
+            </a:r>
+            <a:r>
+              <a:rPr lang="en-US" dirty="0"/>
+              <a:t>– Azure IoT Hub or Event Hub</a:t>
+            </a:r>
+          </a:p>
+          <a:p>
+            <a:r>
+              <a:rPr lang="en-US" b="1" dirty="0"/>
+              <a:t>Data-at-rest</a:t>
+            </a:r>
+            <a:r>
+              <a:rPr lang="en-US" dirty="0"/>
+              <a:t> – Azure Storage, </a:t>
             </a:r>
             <a:r>
               <a:rPr lang="en-US" dirty="0" err="1"/>
@@ -7310,7 +7654,7 @@
           </a:p>
           <a:p>
             <a:r>
-              <a:rPr lang="en-US" dirty="0"/>
+              <a:rPr lang="en-US" b="1" dirty="0"/>
               <a:t>Streaming</a:t>
             </a:r>
           </a:p>
@@ -7338,7 +7682,7 @@
           </a:p>
           <a:p>
             <a:r>
-              <a:rPr lang="en-US" dirty="0"/>
+              <a:rPr lang="en-US" b="1" dirty="0"/>
               <a:t>Analytics</a:t>
             </a:r>
           </a:p>
@@ -7351,7 +7695,7 @@
           </a:p>
           <a:p>
             <a:r>
-              <a:rPr lang="en-US" dirty="0"/>
+              <a:rPr lang="en-US" b="1" dirty="0"/>
               <a:t>Business and data transformation logic</a:t>
             </a:r>
           </a:p>
@@ -7411,503 +7755,6 @@
   <p:clrMapOvr>
     <a:masterClrMapping/>
   </p:clrMapOvr>
-  <p:timing>
-    <p:tnLst>
-      <p:par>
-        <p:cTn id="1" dur="indefinite" restart="never" nodeType="tmRoot">
-          <p:childTnLst>
-            <p:seq concurrent="1" nextAc="seek">
-              <p:cTn id="2" dur="indefinite" nodeType="mainSeq">
-                <p:childTnLst>
-                  <p:par>
-                    <p:cTn id="3" fill="hold">
-                      <p:stCondLst>
-                        <p:cond delay="indefinite"/>
-                      </p:stCondLst>
-                      <p:childTnLst>
-                        <p:par>
-                          <p:cTn id="4" fill="hold">
-                            <p:stCondLst>
-                              <p:cond delay="0"/>
-                            </p:stCondLst>
-                            <p:childTnLst>
-                              <p:par>
-                                <p:cTn id="5" presetID="1" presetClass="entr" presetSubtype="0" fill="hold" nodeType="clickEffect">
-                                  <p:stCondLst>
-                                    <p:cond delay="0"/>
-                                  </p:stCondLst>
-                                  <p:childTnLst>
-                                    <p:set>
-                                      <p:cBhvr>
-                                        <p:cTn id="6" dur="1" fill="hold">
-                                          <p:stCondLst>
-                                            <p:cond delay="0"/>
-                                          </p:stCondLst>
-                                        </p:cTn>
-                                        <p:tgtEl>
-                                          <p:spTgt spid="6">
-                                            <p:txEl>
-                                              <p:pRg st="0" end="0"/>
-                                            </p:txEl>
-                                          </p:spTgt>
-                                        </p:tgtEl>
-                                        <p:attrNameLst>
-                                          <p:attrName>style.visibility</p:attrName>
-                                        </p:attrNameLst>
-                                      </p:cBhvr>
-                                      <p:to>
-                                        <p:strVal val="visible"/>
-                                      </p:to>
-                                    </p:set>
-                                  </p:childTnLst>
-                                </p:cTn>
-                              </p:par>
-                            </p:childTnLst>
-                          </p:cTn>
-                        </p:par>
-                      </p:childTnLst>
-                    </p:cTn>
-                  </p:par>
-                  <p:par>
-                    <p:cTn id="7" fill="hold">
-                      <p:stCondLst>
-                        <p:cond delay="indefinite"/>
-                      </p:stCondLst>
-                      <p:childTnLst>
-                        <p:par>
-                          <p:cTn id="8" fill="hold">
-                            <p:stCondLst>
-                              <p:cond delay="0"/>
-                            </p:stCondLst>
-                            <p:childTnLst>
-                              <p:par>
-                                <p:cTn id="9" presetID="1" presetClass="entr" presetSubtype="0" fill="hold" nodeType="clickEffect">
-                                  <p:stCondLst>
-                                    <p:cond delay="0"/>
-                                  </p:stCondLst>
-                                  <p:childTnLst>
-                                    <p:set>
-                                      <p:cBhvr>
-                                        <p:cTn id="10" dur="1" fill="hold">
-                                          <p:stCondLst>
-                                            <p:cond delay="0"/>
-                                          </p:stCondLst>
-                                        </p:cTn>
-                                        <p:tgtEl>
-                                          <p:spTgt spid="6">
-                                            <p:txEl>
-                                              <p:pRg st="1" end="1"/>
-                                            </p:txEl>
-                                          </p:spTgt>
-                                        </p:tgtEl>
-                                        <p:attrNameLst>
-                                          <p:attrName>style.visibility</p:attrName>
-                                        </p:attrNameLst>
-                                      </p:cBhvr>
-                                      <p:to>
-                                        <p:strVal val="visible"/>
-                                      </p:to>
-                                    </p:set>
-                                  </p:childTnLst>
-                                </p:cTn>
-                              </p:par>
-                            </p:childTnLst>
-                          </p:cTn>
-                        </p:par>
-                      </p:childTnLst>
-                    </p:cTn>
-                  </p:par>
-                  <p:par>
-                    <p:cTn id="11" fill="hold">
-                      <p:stCondLst>
-                        <p:cond delay="indefinite"/>
-                      </p:stCondLst>
-                      <p:childTnLst>
-                        <p:par>
-                          <p:cTn id="12" fill="hold">
-                            <p:stCondLst>
-                              <p:cond delay="0"/>
-                            </p:stCondLst>
-                            <p:childTnLst>
-                              <p:par>
-                                <p:cTn id="13" presetID="1" presetClass="entr" presetSubtype="0" fill="hold" nodeType="clickEffect">
-                                  <p:stCondLst>
-                                    <p:cond delay="0"/>
-                                  </p:stCondLst>
-                                  <p:childTnLst>
-                                    <p:set>
-                                      <p:cBhvr>
-                                        <p:cTn id="14" dur="1" fill="hold">
-                                          <p:stCondLst>
-                                            <p:cond delay="0"/>
-                                          </p:stCondLst>
-                                        </p:cTn>
-                                        <p:tgtEl>
-                                          <p:spTgt spid="6">
-                                            <p:txEl>
-                                              <p:pRg st="2" end="2"/>
-                                            </p:txEl>
-                                          </p:spTgt>
-                                        </p:tgtEl>
-                                        <p:attrNameLst>
-                                          <p:attrName>style.visibility</p:attrName>
-                                        </p:attrNameLst>
-                                      </p:cBhvr>
-                                      <p:to>
-                                        <p:strVal val="visible"/>
-                                      </p:to>
-                                    </p:set>
-                                  </p:childTnLst>
-                                </p:cTn>
-                              </p:par>
-                            </p:childTnLst>
-                          </p:cTn>
-                        </p:par>
-                      </p:childTnLst>
-                    </p:cTn>
-                  </p:par>
-                  <p:par>
-                    <p:cTn id="15" fill="hold">
-                      <p:stCondLst>
-                        <p:cond delay="indefinite"/>
-                      </p:stCondLst>
-                      <p:childTnLst>
-                        <p:par>
-                          <p:cTn id="16" fill="hold">
-                            <p:stCondLst>
-                              <p:cond delay="0"/>
-                            </p:stCondLst>
-                            <p:childTnLst>
-                              <p:par>
-                                <p:cTn id="17" presetID="1" presetClass="entr" presetSubtype="0" fill="hold" nodeType="clickEffect">
-                                  <p:stCondLst>
-                                    <p:cond delay="0"/>
-                                  </p:stCondLst>
-                                  <p:childTnLst>
-                                    <p:set>
-                                      <p:cBhvr>
-                                        <p:cTn id="18" dur="1" fill="hold">
-                                          <p:stCondLst>
-                                            <p:cond delay="0"/>
-                                          </p:stCondLst>
-                                        </p:cTn>
-                                        <p:tgtEl>
-                                          <p:spTgt spid="6">
-                                            <p:txEl>
-                                              <p:pRg st="3" end="3"/>
-                                            </p:txEl>
-                                          </p:spTgt>
-                                        </p:tgtEl>
-                                        <p:attrNameLst>
-                                          <p:attrName>style.visibility</p:attrName>
-                                        </p:attrNameLst>
-                                      </p:cBhvr>
-                                      <p:to>
-                                        <p:strVal val="visible"/>
-                                      </p:to>
-                                    </p:set>
-                                  </p:childTnLst>
-                                </p:cTn>
-                              </p:par>
-                              <p:par>
-                                <p:cTn id="19" presetID="1" presetClass="entr" presetSubtype="0" fill="hold" nodeType="withEffect">
-                                  <p:stCondLst>
-                                    <p:cond delay="0"/>
-                                  </p:stCondLst>
-                                  <p:childTnLst>
-                                    <p:set>
-                                      <p:cBhvr>
-                                        <p:cTn id="20" dur="1" fill="hold">
-                                          <p:stCondLst>
-                                            <p:cond delay="0"/>
-                                          </p:stCondLst>
-                                        </p:cTn>
-                                        <p:tgtEl>
-                                          <p:spTgt spid="6">
-                                            <p:txEl>
-                                              <p:pRg st="4" end="4"/>
-                                            </p:txEl>
-                                          </p:spTgt>
-                                        </p:tgtEl>
-                                        <p:attrNameLst>
-                                          <p:attrName>style.visibility</p:attrName>
-                                        </p:attrNameLst>
-                                      </p:cBhvr>
-                                      <p:to>
-                                        <p:strVal val="visible"/>
-                                      </p:to>
-                                    </p:set>
-                                  </p:childTnLst>
-                                </p:cTn>
-                              </p:par>
-                              <p:par>
-                                <p:cTn id="21" presetID="1" presetClass="entr" presetSubtype="0" fill="hold" nodeType="withEffect">
-                                  <p:stCondLst>
-                                    <p:cond delay="0"/>
-                                  </p:stCondLst>
-                                  <p:childTnLst>
-                                    <p:set>
-                                      <p:cBhvr>
-                                        <p:cTn id="22" dur="1" fill="hold">
-                                          <p:stCondLst>
-                                            <p:cond delay="0"/>
-                                          </p:stCondLst>
-                                        </p:cTn>
-                                        <p:tgtEl>
-                                          <p:spTgt spid="6">
-                                            <p:txEl>
-                                              <p:pRg st="5" end="5"/>
-                                            </p:txEl>
-                                          </p:spTgt>
-                                        </p:tgtEl>
-                                        <p:attrNameLst>
-                                          <p:attrName>style.visibility</p:attrName>
-                                        </p:attrNameLst>
-                                      </p:cBhvr>
-                                      <p:to>
-                                        <p:strVal val="visible"/>
-                                      </p:to>
-                                    </p:set>
-                                  </p:childTnLst>
-                                </p:cTn>
-                              </p:par>
-                            </p:childTnLst>
-                          </p:cTn>
-                        </p:par>
-                      </p:childTnLst>
-                    </p:cTn>
-                  </p:par>
-                  <p:par>
-                    <p:cTn id="23" fill="hold">
-                      <p:stCondLst>
-                        <p:cond delay="indefinite"/>
-                      </p:stCondLst>
-                      <p:childTnLst>
-                        <p:par>
-                          <p:cTn id="24" fill="hold">
-                            <p:stCondLst>
-                              <p:cond delay="0"/>
-                            </p:stCondLst>
-                            <p:childTnLst>
-                              <p:par>
-                                <p:cTn id="25" presetID="1" presetClass="entr" presetSubtype="0" fill="hold" nodeType="clickEffect">
-                                  <p:stCondLst>
-                                    <p:cond delay="0"/>
-                                  </p:stCondLst>
-                                  <p:childTnLst>
-                                    <p:set>
-                                      <p:cBhvr>
-                                        <p:cTn id="26" dur="1" fill="hold">
-                                          <p:stCondLst>
-                                            <p:cond delay="0"/>
-                                          </p:stCondLst>
-                                        </p:cTn>
-                                        <p:tgtEl>
-                                          <p:spTgt spid="6">
-                                            <p:txEl>
-                                              <p:pRg st="6" end="6"/>
-                                            </p:txEl>
-                                          </p:spTgt>
-                                        </p:tgtEl>
-                                        <p:attrNameLst>
-                                          <p:attrName>style.visibility</p:attrName>
-                                        </p:attrNameLst>
-                                      </p:cBhvr>
-                                      <p:to>
-                                        <p:strVal val="visible"/>
-                                      </p:to>
-                                    </p:set>
-                                  </p:childTnLst>
-                                </p:cTn>
-                              </p:par>
-                              <p:par>
-                                <p:cTn id="27" presetID="1" presetClass="entr" presetSubtype="0" fill="hold" nodeType="withEffect">
-                                  <p:stCondLst>
-                                    <p:cond delay="0"/>
-                                  </p:stCondLst>
-                                  <p:childTnLst>
-                                    <p:set>
-                                      <p:cBhvr>
-                                        <p:cTn id="28" dur="1" fill="hold">
-                                          <p:stCondLst>
-                                            <p:cond delay="0"/>
-                                          </p:stCondLst>
-                                        </p:cTn>
-                                        <p:tgtEl>
-                                          <p:spTgt spid="6">
-                                            <p:txEl>
-                                              <p:pRg st="7" end="7"/>
-                                            </p:txEl>
-                                          </p:spTgt>
-                                        </p:tgtEl>
-                                        <p:attrNameLst>
-                                          <p:attrName>style.visibility</p:attrName>
-                                        </p:attrNameLst>
-                                      </p:cBhvr>
-                                      <p:to>
-                                        <p:strVal val="visible"/>
-                                      </p:to>
-                                    </p:set>
-                                  </p:childTnLst>
-                                </p:cTn>
-                              </p:par>
-                            </p:childTnLst>
-                          </p:cTn>
-                        </p:par>
-                      </p:childTnLst>
-                    </p:cTn>
-                  </p:par>
-                  <p:par>
-                    <p:cTn id="29" fill="hold">
-                      <p:stCondLst>
-                        <p:cond delay="indefinite"/>
-                      </p:stCondLst>
-                      <p:childTnLst>
-                        <p:par>
-                          <p:cTn id="30" fill="hold">
-                            <p:stCondLst>
-                              <p:cond delay="0"/>
-                            </p:stCondLst>
-                            <p:childTnLst>
-                              <p:par>
-                                <p:cTn id="31" presetID="1" presetClass="entr" presetSubtype="0" fill="hold" nodeType="clickEffect">
-                                  <p:stCondLst>
-                                    <p:cond delay="0"/>
-                                  </p:stCondLst>
-                                  <p:childTnLst>
-                                    <p:set>
-                                      <p:cBhvr>
-                                        <p:cTn id="32" dur="1" fill="hold">
-                                          <p:stCondLst>
-                                            <p:cond delay="0"/>
-                                          </p:stCondLst>
-                                        </p:cTn>
-                                        <p:tgtEl>
-                                          <p:spTgt spid="6">
-                                            <p:txEl>
-                                              <p:pRg st="8" end="8"/>
-                                            </p:txEl>
-                                          </p:spTgt>
-                                        </p:tgtEl>
-                                        <p:attrNameLst>
-                                          <p:attrName>style.visibility</p:attrName>
-                                        </p:attrNameLst>
-                                      </p:cBhvr>
-                                      <p:to>
-                                        <p:strVal val="visible"/>
-                                      </p:to>
-                                    </p:set>
-                                  </p:childTnLst>
-                                </p:cTn>
-                              </p:par>
-                              <p:par>
-                                <p:cTn id="33" presetID="1" presetClass="entr" presetSubtype="0" fill="hold" nodeType="withEffect">
-                                  <p:stCondLst>
-                                    <p:cond delay="0"/>
-                                  </p:stCondLst>
-                                  <p:childTnLst>
-                                    <p:set>
-                                      <p:cBhvr>
-                                        <p:cTn id="34" dur="1" fill="hold">
-                                          <p:stCondLst>
-                                            <p:cond delay="0"/>
-                                          </p:stCondLst>
-                                        </p:cTn>
-                                        <p:tgtEl>
-                                          <p:spTgt spid="6">
-                                            <p:txEl>
-                                              <p:pRg st="9" end="9"/>
-                                            </p:txEl>
-                                          </p:spTgt>
-                                        </p:tgtEl>
-                                        <p:attrNameLst>
-                                          <p:attrName>style.visibility</p:attrName>
-                                        </p:attrNameLst>
-                                      </p:cBhvr>
-                                      <p:to>
-                                        <p:strVal val="visible"/>
-                                      </p:to>
-                                    </p:set>
-                                  </p:childTnLst>
-                                </p:cTn>
-                              </p:par>
-                            </p:childTnLst>
-                          </p:cTn>
-                        </p:par>
-                      </p:childTnLst>
-                    </p:cTn>
-                  </p:par>
-                  <p:par>
-                    <p:cTn id="35" fill="hold">
-                      <p:stCondLst>
-                        <p:cond delay="indefinite"/>
-                      </p:stCondLst>
-                      <p:childTnLst>
-                        <p:par>
-                          <p:cTn id="36" fill="hold">
-                            <p:stCondLst>
-                              <p:cond delay="0"/>
-                            </p:stCondLst>
-                            <p:childTnLst>
-                              <p:par>
-                                <p:cTn id="37" presetID="1" presetClass="entr" presetSubtype="0" fill="hold" nodeType="clickEffect">
-                                  <p:stCondLst>
-                                    <p:cond delay="0"/>
-                                  </p:stCondLst>
-                                  <p:childTnLst>
-                                    <p:set>
-                                      <p:cBhvr>
-                                        <p:cTn id="38" dur="1" fill="hold">
-                                          <p:stCondLst>
-                                            <p:cond delay="0"/>
-                                          </p:stCondLst>
-                                        </p:cTn>
-                                        <p:tgtEl>
-                                          <p:spTgt spid="6">
-                                            <p:txEl>
-                                              <p:pRg st="10" end="10"/>
-                                            </p:txEl>
-                                          </p:spTgt>
-                                        </p:tgtEl>
-                                        <p:attrNameLst>
-                                          <p:attrName>style.visibility</p:attrName>
-                                        </p:attrNameLst>
-                                      </p:cBhvr>
-                                      <p:to>
-                                        <p:strVal val="visible"/>
-                                      </p:to>
-                                    </p:set>
-                                  </p:childTnLst>
-                                </p:cTn>
-                              </p:par>
-                            </p:childTnLst>
-                          </p:cTn>
-                        </p:par>
-                      </p:childTnLst>
-                    </p:cTn>
-                  </p:par>
-                </p:childTnLst>
-              </p:cTn>
-              <p:prevCondLst>
-                <p:cond evt="onPrev" delay="0">
-                  <p:tgtEl>
-                    <p:sldTgt/>
-                  </p:tgtEl>
-                </p:cond>
-              </p:prevCondLst>
-              <p:nextCondLst>
-                <p:cond evt="onNext" delay="0">
-                  <p:tgtEl>
-                    <p:sldTgt/>
-                  </p:tgtEl>
-                </p:cond>
-              </p:nextCondLst>
-            </p:seq>
-          </p:childTnLst>
-        </p:cTn>
-      </p:par>
-    </p:tnLst>
-  </p:timing>
 </p:sld>
 </file>
 
@@ -8541,125 +8388,6 @@
       </p:grpSpPr>
       <p:sp>
         <p:nvSpPr>
-          <p:cNvPr id="6" name="Content Placeholder 5"/>
-          <p:cNvSpPr>
-            <a:spLocks noGrp="1"/>
-          </p:cNvSpPr>
-          <p:nvPr>
-            <p:ph sz="quarter" idx="12"/>
-          </p:nvPr>
-        </p:nvSpPr>
-        <p:spPr/>
-        <p:txBody>
-          <a:bodyPr/>
-          <a:lstStyle/>
-          <a:p>
-            <a:endParaRPr lang="en-US" dirty="0"/>
-          </a:p>
-        </p:txBody>
-      </p:sp>
-      <p:sp>
-        <p:nvSpPr>
-          <p:cNvPr id="5" name="Title 4"/>
-          <p:cNvSpPr>
-            <a:spLocks noGrp="1"/>
-          </p:cNvSpPr>
-          <p:nvPr>
-            <p:ph type="title"/>
-          </p:nvPr>
-        </p:nvSpPr>
-        <p:spPr/>
-        <p:txBody>
-          <a:bodyPr/>
-          <a:lstStyle/>
-          <a:p>
-            <a:r>
-              <a:rPr lang="en-US" dirty="0"/>
-              <a:t>Pricing</a:t>
-            </a:r>
-          </a:p>
-        </p:txBody>
-      </p:sp>
-      <p:pic>
-        <p:nvPicPr>
-          <p:cNvPr id="2" name="Picture 1"/>
-          <p:cNvPicPr>
-            <a:picLocks noChangeAspect="1"/>
-          </p:cNvPicPr>
-          <p:nvPr/>
-        </p:nvPicPr>
-        <p:blipFill>
-          <a:blip r:embed="rId3"/>
-          <a:stretch>
-            <a:fillRect/>
-          </a:stretch>
-        </p:blipFill>
-        <p:spPr>
-          <a:xfrm>
-            <a:off x="3600450" y="1476374"/>
-            <a:ext cx="7626350" cy="4526431"/>
-          </a:xfrm>
-          <a:prstGeom prst="rect">
-            <a:avLst/>
-          </a:prstGeom>
-        </p:spPr>
-      </p:pic>
-      <p:pic>
-        <p:nvPicPr>
-          <p:cNvPr id="3" name="Picture 2"/>
-          <p:cNvPicPr>
-            <a:picLocks noChangeAspect="1"/>
-          </p:cNvPicPr>
-          <p:nvPr/>
-        </p:nvPicPr>
-        <p:blipFill>
-          <a:blip r:embed="rId4"/>
-          <a:stretch>
-            <a:fillRect/>
-          </a:stretch>
-        </p:blipFill>
-        <p:spPr>
-          <a:xfrm>
-            <a:off x="1104899" y="1476375"/>
-            <a:ext cx="2551755" cy="4534912"/>
-          </a:xfrm>
-          <a:prstGeom prst="rect">
-            <a:avLst/>
-          </a:prstGeom>
-        </p:spPr>
-      </p:pic>
-    </p:spTree>
-    <p:extLst>
-      <p:ext uri="{BB962C8B-B14F-4D97-AF65-F5344CB8AC3E}">
-        <p14:creationId xmlns:p14="http://schemas.microsoft.com/office/powerpoint/2010/main" val="1624027053"/>
-      </p:ext>
-    </p:extLst>
-  </p:cSld>
-  <p:clrMapOvr>
-    <a:masterClrMapping/>
-  </p:clrMapOvr>
-</p:sld>
-</file>
-
-<file path=ppt/slides/slide14.xml><?xml version="1.0" encoding="utf-8"?>
-<p:sld xmlns:a="http://schemas.openxmlformats.org/drawingml/2006/main" xmlns:r="http://schemas.openxmlformats.org/officeDocument/2006/relationships" xmlns:p="http://schemas.openxmlformats.org/presentationml/2006/main">
-  <p:cSld>
-    <p:spTree>
-      <p:nvGrpSpPr>
-        <p:cNvPr id="1" name=""/>
-        <p:cNvGrpSpPr/>
-        <p:nvPr/>
-      </p:nvGrpSpPr>
-      <p:grpSpPr>
-        <a:xfrm>
-          <a:off x="0" y="0"/>
-          <a:ext cx="0" cy="0"/>
-          <a:chOff x="0" y="0"/>
-          <a:chExt cx="0" cy="0"/>
-        </a:xfrm>
-      </p:grpSpPr>
-      <p:sp>
-        <p:nvSpPr>
           <p:cNvPr id="2" name="Subtitle"/>
           <p:cNvSpPr>
             <a:spLocks noGrp="1"/>
@@ -8758,7 +8486,7 @@
 </p:sld>
 </file>
 
-<file path=ppt/slides/slide15.xml><?xml version="1.0" encoding="utf-8"?>
+<file path=ppt/slides/slide14.xml><?xml version="1.0" encoding="utf-8"?>
 <p:sld xmlns:a="http://schemas.openxmlformats.org/drawingml/2006/main" xmlns:r="http://schemas.openxmlformats.org/officeDocument/2006/relationships" xmlns:p="http://schemas.openxmlformats.org/presentationml/2006/main">
   <p:cSld>
     <p:spTree>
@@ -9287,7 +9015,7 @@
 </p:sld>
 </file>
 
-<file path=ppt/slides/slide16.xml><?xml version="1.0" encoding="utf-8"?>
+<file path=ppt/slides/slide15.xml><?xml version="1.0" encoding="utf-8"?>
 <p:sld xmlns:a="http://schemas.openxmlformats.org/drawingml/2006/main" xmlns:r="http://schemas.openxmlformats.org/officeDocument/2006/relationships" xmlns:p="http://schemas.openxmlformats.org/presentationml/2006/main">
   <p:cSld>
     <p:spTree>
@@ -9813,6 +9541,125 @@
 </p:sld>
 </file>
 
+<file path=ppt/slides/slide16.xml><?xml version="1.0" encoding="utf-8"?>
+<p:sld xmlns:a="http://schemas.openxmlformats.org/drawingml/2006/main" xmlns:r="http://schemas.openxmlformats.org/officeDocument/2006/relationships" xmlns:p="http://schemas.openxmlformats.org/presentationml/2006/main">
+  <p:cSld>
+    <p:spTree>
+      <p:nvGrpSpPr>
+        <p:cNvPr id="1" name=""/>
+        <p:cNvGrpSpPr/>
+        <p:nvPr/>
+      </p:nvGrpSpPr>
+      <p:grpSpPr>
+        <a:xfrm>
+          <a:off x="0" y="0"/>
+          <a:ext cx="0" cy="0"/>
+          <a:chOff x="0" y="0"/>
+          <a:chExt cx="0" cy="0"/>
+        </a:xfrm>
+      </p:grpSpPr>
+      <p:sp>
+        <p:nvSpPr>
+          <p:cNvPr id="6" name="Content Placeholder 5"/>
+          <p:cNvSpPr>
+            <a:spLocks noGrp="1"/>
+          </p:cNvSpPr>
+          <p:nvPr>
+            <p:ph sz="quarter" idx="12"/>
+          </p:nvPr>
+        </p:nvSpPr>
+        <p:spPr/>
+        <p:txBody>
+          <a:bodyPr/>
+          <a:lstStyle/>
+          <a:p>
+            <a:endParaRPr lang="en-US" dirty="0"/>
+          </a:p>
+        </p:txBody>
+      </p:sp>
+      <p:sp>
+        <p:nvSpPr>
+          <p:cNvPr id="5" name="Title 4"/>
+          <p:cNvSpPr>
+            <a:spLocks noGrp="1"/>
+          </p:cNvSpPr>
+          <p:nvPr>
+            <p:ph type="title"/>
+          </p:nvPr>
+        </p:nvSpPr>
+        <p:spPr/>
+        <p:txBody>
+          <a:bodyPr/>
+          <a:lstStyle/>
+          <a:p>
+            <a:r>
+              <a:rPr lang="en-US" dirty="0"/>
+              <a:t>Pricing</a:t>
+            </a:r>
+          </a:p>
+        </p:txBody>
+      </p:sp>
+      <p:pic>
+        <p:nvPicPr>
+          <p:cNvPr id="2" name="Picture 1"/>
+          <p:cNvPicPr>
+            <a:picLocks noChangeAspect="1"/>
+          </p:cNvPicPr>
+          <p:nvPr/>
+        </p:nvPicPr>
+        <p:blipFill>
+          <a:blip r:embed="rId3"/>
+          <a:stretch>
+            <a:fillRect/>
+          </a:stretch>
+        </p:blipFill>
+        <p:spPr>
+          <a:xfrm>
+            <a:off x="3600450" y="1476374"/>
+            <a:ext cx="7626350" cy="4526431"/>
+          </a:xfrm>
+          <a:prstGeom prst="rect">
+            <a:avLst/>
+          </a:prstGeom>
+        </p:spPr>
+      </p:pic>
+      <p:pic>
+        <p:nvPicPr>
+          <p:cNvPr id="3" name="Picture 2"/>
+          <p:cNvPicPr>
+            <a:picLocks noChangeAspect="1"/>
+          </p:cNvPicPr>
+          <p:nvPr/>
+        </p:nvPicPr>
+        <p:blipFill>
+          <a:blip r:embed="rId4"/>
+          <a:stretch>
+            <a:fillRect/>
+          </a:stretch>
+        </p:blipFill>
+        <p:spPr>
+          <a:xfrm>
+            <a:off x="1104899" y="1476375"/>
+            <a:ext cx="2551755" cy="4534912"/>
+          </a:xfrm>
+          <a:prstGeom prst="rect">
+            <a:avLst/>
+          </a:prstGeom>
+        </p:spPr>
+      </p:pic>
+    </p:spTree>
+    <p:extLst>
+      <p:ext uri="{BB962C8B-B14F-4D97-AF65-F5344CB8AC3E}">
+        <p14:creationId xmlns:p14="http://schemas.microsoft.com/office/powerpoint/2010/main" val="1624027053"/>
+      </p:ext>
+    </p:extLst>
+  </p:cSld>
+  <p:clrMapOvr>
+    <a:masterClrMapping/>
+  </p:clrMapOvr>
+</p:sld>
+</file>
+
 <file path=ppt/slides/slide17.xml><?xml version="1.0" encoding="utf-8"?>
 <p:sld xmlns:a="http://schemas.openxmlformats.org/drawingml/2006/main" xmlns:r="http://schemas.openxmlformats.org/officeDocument/2006/relationships" xmlns:p="http://schemas.openxmlformats.org/presentationml/2006/main">
   <p:cSld>
@@ -10132,10 +9979,122 @@
           <a:chExt cx="0" cy="0"/>
         </a:xfrm>
       </p:grpSpPr>
+      <p:sp>
+        <p:nvSpPr>
+          <p:cNvPr id="5" name="Content Placeholder 4"/>
+          <p:cNvSpPr>
+            <a:spLocks noGrp="1"/>
+          </p:cNvSpPr>
+          <p:nvPr>
+            <p:ph sz="quarter" idx="12"/>
+          </p:nvPr>
+        </p:nvSpPr>
+        <p:spPr/>
+        <p:txBody>
+          <a:bodyPr>
+            <a:normAutofit/>
+          </a:bodyPr>
+          <a:lstStyle/>
+          <a:p>
+            <a:r>
+              <a:rPr lang="en-US" dirty="0"/>
+              <a:t>Principal Architect at </a:t>
+            </a:r>
+            <a:r>
+              <a:rPr lang="en-US" dirty="0" err="1"/>
+              <a:t>Wintellect</a:t>
+            </a:r>
+            <a:endParaRPr lang="en-US" dirty="0"/>
+          </a:p>
+          <a:p>
+            <a:pPr lvl="1"/>
+            <a:r>
+              <a:rPr lang="en-US" dirty="0"/>
+              <a:t>Consulting, training, content development</a:t>
+            </a:r>
+          </a:p>
+          <a:p>
+            <a:r>
+              <a:rPr lang="en-US" dirty="0"/>
+              <a:t>Almost 20 years as software architect and developer</a:t>
+            </a:r>
+          </a:p>
+          <a:p>
+            <a:pPr lvl="1"/>
+            <a:r>
+              <a:rPr lang="en-US" dirty="0"/>
+              <a:t>Focused primarily on .NET, Node.js, and cloud</a:t>
+            </a:r>
+          </a:p>
+          <a:p>
+            <a:r>
+              <a:rPr lang="en-US" dirty="0"/>
+              <a:t>Microsoft Azure MVP</a:t>
+            </a:r>
+          </a:p>
+          <a:p>
+            <a:r>
+              <a:rPr lang="en-US" dirty="0"/>
+              <a:t>Azure-in-the-ATL meetup founder</a:t>
+            </a:r>
+          </a:p>
+          <a:p>
+            <a:r>
+              <a:rPr lang="en-US" dirty="0"/>
+              <a:t>jlane@wintellect.com</a:t>
+            </a:r>
+          </a:p>
+          <a:p>
+            <a:r>
+              <a:rPr lang="en-US" dirty="0"/>
+              <a:t>@</a:t>
+            </a:r>
+            <a:r>
+              <a:rPr lang="en-US" dirty="0" err="1"/>
+              <a:t>jplane</a:t>
+            </a:r>
+            <a:endParaRPr lang="en-US" dirty="0"/>
+          </a:p>
+        </p:txBody>
+      </p:sp>
+      <p:sp>
+        <p:nvSpPr>
+          <p:cNvPr id="4" name="Title 3"/>
+          <p:cNvSpPr>
+            <a:spLocks noGrp="1"/>
+          </p:cNvSpPr>
+          <p:nvPr>
+            <p:ph type="title"/>
+          </p:nvPr>
+        </p:nvSpPr>
+        <p:spPr/>
+        <p:txBody>
+          <a:bodyPr/>
+          <a:lstStyle/>
+          <a:p>
+            <a:r>
+              <a:rPr lang="en-US" dirty="0" err="1"/>
+              <a:t>whois</a:t>
+            </a:r>
+            <a:r>
+              <a:rPr lang="en-US" dirty="0"/>
+              <a:t> </a:t>
+            </a:r>
+            <a:r>
+              <a:rPr lang="en-US" dirty="0">
+                <a:solidFill>
+                  <a:srgbClr val="FF0000"/>
+                </a:solidFill>
+              </a:rPr>
+              <a:t>Josh-Lane</a:t>
+            </a:r>
+          </a:p>
+        </p:txBody>
+      </p:sp>
     </p:spTree>
     <p:extLst>
       <p:ext uri="{BB962C8B-B14F-4D97-AF65-F5344CB8AC3E}">
-        <p14:creationId xmlns:p14="http://schemas.microsoft.com/office/powerpoint/2010/main" val="2507271338"/>
+        <p14:creationId xmlns:p14="http://schemas.microsoft.com/office/powerpoint/2010/main" val="1124670133"/>
       </p:ext>
     </p:extLst>
   </p:cSld>
@@ -10162,108 +10121,10 @@
           <a:chExt cx="0" cy="0"/>
         </a:xfrm>
       </p:grpSpPr>
-      <p:sp>
-        <p:nvSpPr>
-          <p:cNvPr id="5" name="Content Placeholder 4"/>
-          <p:cNvSpPr>
-            <a:spLocks noGrp="1"/>
-          </p:cNvSpPr>
-          <p:nvPr>
-            <p:ph sz="quarter" idx="12"/>
-          </p:nvPr>
-        </p:nvSpPr>
-        <p:spPr/>
-        <p:txBody>
-          <a:bodyPr>
-            <a:normAutofit/>
-          </a:bodyPr>
-          <a:lstStyle/>
-          <a:p>
-            <a:r>
-              <a:rPr lang="en-US" dirty="0"/>
-              <a:t>Microsoft Azure MVP</a:t>
-            </a:r>
-          </a:p>
-          <a:p>
-            <a:r>
-              <a:rPr lang="en-US" dirty="0"/>
-              <a:t>Dev + architecture, cloud migration, data, messaging, etc.</a:t>
-            </a:r>
-          </a:p>
-          <a:p>
-            <a:r>
-              <a:rPr lang="en-US" dirty="0"/>
-              <a:t>Past and present </a:t>
-            </a:r>
-            <a:r>
-              <a:rPr lang="en-US" dirty="0" err="1"/>
-              <a:t>Wintellectual</a:t>
-            </a:r>
-            <a:endParaRPr lang="en-US" dirty="0"/>
-          </a:p>
-          <a:p>
-            <a:r>
-              <a:rPr lang="en-US" dirty="0"/>
-              <a:t>Azure-in-the-ATL meetup founder</a:t>
-            </a:r>
-          </a:p>
-          <a:p>
-            <a:r>
-              <a:rPr lang="en-US" dirty="0"/>
-              <a:t>jlane@wintellect.com</a:t>
-            </a:r>
-          </a:p>
-          <a:p>
-            <a:r>
-              <a:rPr lang="en-US" dirty="0"/>
-              <a:t>@</a:t>
-            </a:r>
-            <a:r>
-              <a:rPr lang="en-US" dirty="0" err="1"/>
-              <a:t>jplane</a:t>
-            </a:r>
-            <a:endParaRPr lang="en-US" dirty="0"/>
-          </a:p>
-        </p:txBody>
-      </p:sp>
-      <p:sp>
-        <p:nvSpPr>
-          <p:cNvPr id="4" name="Title 3"/>
-          <p:cNvSpPr>
-            <a:spLocks noGrp="1"/>
-          </p:cNvSpPr>
-          <p:nvPr>
-            <p:ph type="title"/>
-          </p:nvPr>
-        </p:nvSpPr>
-        <p:spPr/>
-        <p:txBody>
-          <a:bodyPr/>
-          <a:lstStyle/>
-          <a:p>
-            <a:r>
-              <a:rPr lang="en-US" dirty="0" err="1"/>
-              <a:t>whois</a:t>
-            </a:r>
-            <a:r>
-              <a:rPr lang="en-US" dirty="0"/>
-              <a:t> </a:t>
-            </a:r>
-            <a:r>
-              <a:rPr lang="en-US" dirty="0">
-                <a:solidFill>
-                  <a:srgbClr val="FF0000"/>
-                </a:solidFill>
-              </a:rPr>
-              <a:t>Josh-Lane</a:t>
-            </a:r>
-          </a:p>
-        </p:txBody>
-      </p:sp>
     </p:spTree>
     <p:extLst>
       <p:ext uri="{BB962C8B-B14F-4D97-AF65-F5344CB8AC3E}">
-        <p14:creationId xmlns:p14="http://schemas.microsoft.com/office/powerpoint/2010/main" val="1124670133"/>
+        <p14:creationId xmlns:p14="http://schemas.microsoft.com/office/powerpoint/2010/main" val="2507271338"/>
       </p:ext>
     </p:extLst>
   </p:cSld>
@@ -10364,7 +10225,15 @@
           <a:p>
             <a:r>
               <a:rPr lang="en-US" dirty="0"/>
-              <a:t>A Robust IoT solution…</a:t>
+              <a:t>A Robust </a:t>
+            </a:r>
+            <a:r>
+              <a:rPr lang="en-US" dirty="0" err="1"/>
+              <a:t>IoT</a:t>
+            </a:r>
+            <a:r>
+              <a:rPr lang="en-US" dirty="0"/>
+              <a:t> platform…</a:t>
             </a:r>
           </a:p>
         </p:txBody>
